--- a/PPTs/Programming-fundamentals.pptx
+++ b/PPTs/Programming-fundamentals.pptx
@@ -5,7 +5,7 @@
     <p:sldMasterId id="2147483960" r:id="rId1"/>
   </p:sldMasterIdLst>
   <p:notesMasterIdLst>
-    <p:notesMasterId r:id="rId18"/>
+    <p:notesMasterId r:id="rId17"/>
   </p:notesMasterIdLst>
   <p:sldIdLst>
     <p:sldId id="256" r:id="rId2"/>
@@ -17,13 +17,12 @@
     <p:sldId id="268" r:id="rId8"/>
     <p:sldId id="269" r:id="rId9"/>
     <p:sldId id="270" r:id="rId10"/>
-    <p:sldId id="271" r:id="rId11"/>
-    <p:sldId id="259" r:id="rId12"/>
-    <p:sldId id="264" r:id="rId13"/>
-    <p:sldId id="265" r:id="rId14"/>
-    <p:sldId id="266" r:id="rId15"/>
-    <p:sldId id="267" r:id="rId16"/>
-    <p:sldId id="261" r:id="rId17"/>
+    <p:sldId id="272" r:id="rId11"/>
+    <p:sldId id="273" r:id="rId12"/>
+    <p:sldId id="274" r:id="rId13"/>
+    <p:sldId id="271" r:id="rId14"/>
+    <p:sldId id="259" r:id="rId15"/>
+    <p:sldId id="261" r:id="rId16"/>
   </p:sldIdLst>
   <p:sldSz cx="9144000" cy="5143500" type="screen16x9"/>
   <p:notesSz cx="6858000" cy="9144000"/>
@@ -207,7 +206,8 @@
           <a:p>
             <a:fld id="{FB00CB33-F79B-4237-894C-2C062F10FEDF}" type="datetimeFigureOut">
               <a:rPr lang="en-US" smtClean="0"/>
-              <a:t>5/3/2017</a:t>
+              <a:pPr/>
+              <a:t>5/8/2017</a:t>
             </a:fld>
             <a:endParaRPr lang="en-US"/>
           </a:p>
@@ -368,6 +368,7 @@
           <a:p>
             <a:fld id="{6CDDF19F-6C18-4EF2-8BB8-BC63D11B495E}" type="slidenum">
               <a:rPr lang="en-US" smtClean="0"/>
+              <a:pPr/>
               <a:t>‹#›</a:t>
             </a:fld>
             <a:endParaRPr lang="en-US"/>
@@ -632,6 +633,7 @@
           <a:p>
             <a:fld id="{6CDDF19F-6C18-4EF2-8BB8-BC63D11B495E}" type="slidenum">
               <a:rPr lang="en-US" smtClean="0"/>
+              <a:pPr/>
               <a:t>4</a:t>
             </a:fld>
             <a:endParaRPr lang="en-US"/>
@@ -835,7 +837,7 @@
             <a:fld id="{C8A432C8-69A7-458B-9684-2BFA64B31948}" type="datetime2">
               <a:rPr lang="en-US" smtClean="0"/>
               <a:pPr/>
-              <a:t>Wednesday, May 03, 2017</a:t>
+              <a:t>Monday, May 08, 2017</a:t>
             </a:fld>
             <a:endParaRPr lang="en-US"/>
           </a:p>
@@ -1038,7 +1040,7 @@
             <a:fld id="{8CC057FC-95B6-4D89-AFDA-ABA33EE921E5}" type="datetime2">
               <a:rPr lang="en-US" smtClean="0"/>
               <a:pPr/>
-              <a:t>Wednesday, May 03, 2017</a:t>
+              <a:t>Monday, May 08, 2017</a:t>
             </a:fld>
             <a:endParaRPr lang="en-US"/>
           </a:p>
@@ -1216,7 +1218,7 @@
             <a:fld id="{EC4549AC-EB31-477F-92A9-B1988E232878}" type="datetime2">
               <a:rPr lang="en-US" smtClean="0"/>
               <a:pPr/>
-              <a:t>Wednesday, May 03, 2017</a:t>
+              <a:t>Monday, May 08, 2017</a:t>
             </a:fld>
             <a:endParaRPr lang="en-US"/>
           </a:p>
@@ -1384,7 +1386,7 @@
             <a:fld id="{6396A3A3-94A6-4E5B-AF39-173ACA3E61CC}" type="datetime2">
               <a:rPr lang="en-US" smtClean="0"/>
               <a:pPr/>
-              <a:t>Wednesday, May 03, 2017</a:t>
+              <a:t>Monday, May 08, 2017</a:t>
             </a:fld>
             <a:endParaRPr lang="en-US"/>
           </a:p>
@@ -1635,7 +1637,7 @@
             <a:fld id="{9933D019-A32C-4EAD-B8E6-DBDA699692FD}" type="datetime2">
               <a:rPr lang="en-US" smtClean="0"/>
               <a:pPr/>
-              <a:t>Wednesday, May 03, 2017</a:t>
+              <a:t>Monday, May 08, 2017</a:t>
             </a:fld>
             <a:endParaRPr lang="en-US"/>
           </a:p>
@@ -1956,7 +1958,7 @@
             <a:fld id="{CCEBA98F-560C-4997-81C4-81D4D9187EAB}" type="datetime2">
               <a:rPr lang="en-US" smtClean="0"/>
               <a:pPr/>
-              <a:t>Wednesday, May 03, 2017</a:t>
+              <a:t>Monday, May 08, 2017</a:t>
             </a:fld>
             <a:endParaRPr lang="en-US"/>
           </a:p>
@@ -2425,7 +2427,7 @@
             <a:fld id="{150972B2-CA5C-437D-87D0-8081271A9E4B}" type="datetime2">
               <a:rPr lang="en-US" smtClean="0"/>
               <a:pPr/>
-              <a:t>Wednesday, May 03, 2017</a:t>
+              <a:t>Monday, May 08, 2017</a:t>
             </a:fld>
             <a:endParaRPr lang="en-US"/>
           </a:p>
@@ -2576,7 +2578,7 @@
             <a:fld id="{79CD4847-11EF-4466-A8AD-85CDB7B49118}" type="datetime2">
               <a:rPr lang="en-US" smtClean="0"/>
               <a:pPr/>
-              <a:t>Wednesday, May 03, 2017</a:t>
+              <a:t>Monday, May 08, 2017</a:t>
             </a:fld>
             <a:endParaRPr lang="en-US"/>
           </a:p>
@@ -2669,7 +2671,7 @@
             <a:fld id="{F168457A-3AB9-4880-8A0C-9F8524491207}" type="datetime2">
               <a:rPr lang="en-US" smtClean="0"/>
               <a:pPr/>
-              <a:t>Wednesday, May 03, 2017</a:t>
+              <a:t>Monday, May 08, 2017</a:t>
             </a:fld>
             <a:endParaRPr lang="en-US"/>
           </a:p>
@@ -2946,7 +2948,7 @@
             <a:fld id="{3FE976D3-5B7F-4300-ABED-C91F1B2AE209}" type="datetime2">
               <a:rPr lang="en-US" smtClean="0"/>
               <a:pPr/>
-              <a:t>Wednesday, May 03, 2017</a:t>
+              <a:t>Monday, May 08, 2017</a:t>
             </a:fld>
             <a:endParaRPr lang="en-US"/>
           </a:p>
@@ -3254,7 +3256,7 @@
             <a:fld id="{EBDC1E59-17DD-41CE-97CA-624A472382D4}" type="datetime2">
               <a:rPr lang="en-US" smtClean="0"/>
               <a:pPr/>
-              <a:t>Wednesday, May 03, 2017</a:t>
+              <a:t>Monday, May 08, 2017</a:t>
             </a:fld>
             <a:endParaRPr lang="en-US"/>
           </a:p>
@@ -3555,7 +3557,7 @@
             <a:fld id="{A80CB818-7379-467D-8E76-EF9D9074A26C}" type="datetime2">
               <a:rPr lang="en-US" smtClean="0"/>
               <a:pPr/>
-              <a:t>Wednesday, May 03, 2017</a:t>
+              <a:t>Monday, May 08, 2017</a:t>
             </a:fld>
             <a:endParaRPr lang="en-US" dirty="0"/>
           </a:p>
@@ -4049,32 +4051,1038 @@
           <a:bodyPr/>
           <a:lstStyle/>
           <a:p>
+            <a:r>
+              <a:rPr lang="pt-BR" dirty="0" smtClean="0"/>
+              <a:t>Peanut-Butter-Jelly (PBJ) algorithm</a:t>
+            </a:r>
             <a:endParaRPr lang="en-US" dirty="0"/>
           </a:p>
         </p:txBody>
       </p:sp>
       <p:sp>
         <p:nvSpPr>
-          <p:cNvPr id="3" name="Content Placeholder 2"/>
-          <p:cNvSpPr>
-            <a:spLocks noGrp="1"/>
-          </p:cNvSpPr>
-          <p:nvPr>
-            <p:ph idx="1"/>
-          </p:nvPr>
-        </p:nvSpPr>
-        <p:spPr/>
-        <p:txBody>
-          <a:bodyPr/>
-          <a:lstStyle/>
-          <a:p>
-            <a:endParaRPr lang="en-US"/>
+          <p:cNvPr id="4" name="Oval 3"/>
+          <p:cNvSpPr/>
+          <p:nvPr/>
+        </p:nvSpPr>
+        <p:spPr>
+          <a:xfrm>
+            <a:off x="533401" y="1179095"/>
+            <a:ext cx="1114926" cy="481263"/>
+          </a:xfrm>
+          <a:prstGeom prst="ellipse">
+            <a:avLst/>
+          </a:prstGeom>
+        </p:spPr>
+        <p:style>
+          <a:lnRef idx="2">
+            <a:schemeClr val="dk1"/>
+          </a:lnRef>
+          <a:fillRef idx="1">
+            <a:schemeClr val="lt1"/>
+          </a:fillRef>
+          <a:effectRef idx="0">
+            <a:schemeClr val="dk1"/>
+          </a:effectRef>
+          <a:fontRef idx="minor">
+            <a:schemeClr val="dk1"/>
+          </a:fontRef>
+        </p:style>
+        <p:txBody>
+          <a:bodyPr rtlCol="0" anchor="ctr"/>
+          <a:lstStyle/>
+          <a:p>
+            <a:pPr algn="ctr"/>
+            <a:r>
+              <a:rPr lang="pt-BR" sz="1400" dirty="0" smtClean="0"/>
+              <a:t>Start</a:t>
+            </a:r>
+            <a:endParaRPr lang="en-US" sz="1400" dirty="0"/>
+          </a:p>
+        </p:txBody>
+      </p:sp>
+      <p:sp>
+        <p:nvSpPr>
+          <p:cNvPr id="5" name="Rectangle 4"/>
+          <p:cNvSpPr/>
+          <p:nvPr/>
+        </p:nvSpPr>
+        <p:spPr>
+          <a:xfrm>
+            <a:off x="421107" y="1876929"/>
+            <a:ext cx="1339515" cy="457197"/>
+          </a:xfrm>
+          <a:prstGeom prst="rect">
+            <a:avLst/>
+          </a:prstGeom>
+        </p:spPr>
+        <p:style>
+          <a:lnRef idx="2">
+            <a:schemeClr val="dk1"/>
+          </a:lnRef>
+          <a:fillRef idx="1">
+            <a:schemeClr val="lt1"/>
+          </a:fillRef>
+          <a:effectRef idx="0">
+            <a:schemeClr val="dk1"/>
+          </a:effectRef>
+          <a:fontRef idx="minor">
+            <a:schemeClr val="dk1"/>
+          </a:fontRef>
+        </p:style>
+        <p:txBody>
+          <a:bodyPr lIns="0" tIns="0" rIns="0" bIns="0" rtlCol="0" anchor="ctr"/>
+          <a:lstStyle/>
+          <a:p>
+            <a:pPr algn="ctr"/>
+            <a:r>
+              <a:rPr lang="pt-BR" sz="1400" dirty="0" smtClean="0"/>
+              <a:t>Get a slice of bread </a:t>
+            </a:r>
+            <a:endParaRPr lang="en-US" sz="1400" dirty="0"/>
+          </a:p>
+        </p:txBody>
+      </p:sp>
+      <p:sp>
+        <p:nvSpPr>
+          <p:cNvPr id="6" name="Diamond 5"/>
+          <p:cNvSpPr/>
+          <p:nvPr/>
+        </p:nvSpPr>
+        <p:spPr>
+          <a:xfrm>
+            <a:off x="288759" y="3248525"/>
+            <a:ext cx="1604210" cy="826170"/>
+          </a:xfrm>
+          <a:prstGeom prst="diamond">
+            <a:avLst/>
+          </a:prstGeom>
+        </p:spPr>
+        <p:style>
+          <a:lnRef idx="2">
+            <a:schemeClr val="dk1"/>
+          </a:lnRef>
+          <a:fillRef idx="1">
+            <a:schemeClr val="lt1"/>
+          </a:fillRef>
+          <a:effectRef idx="0">
+            <a:schemeClr val="dk1"/>
+          </a:effectRef>
+          <a:fontRef idx="minor">
+            <a:schemeClr val="dk1"/>
+          </a:fontRef>
+        </p:style>
+        <p:txBody>
+          <a:bodyPr lIns="0" tIns="0" rIns="0" bIns="0" rtlCol="0" anchor="ctr"/>
+          <a:lstStyle/>
+          <a:p>
+            <a:pPr algn="ctr"/>
+            <a:r>
+              <a:rPr lang="pt-BR" sz="1400" dirty="0" smtClean="0"/>
+              <a:t>Enough peanut butter</a:t>
+            </a:r>
+            <a:endParaRPr lang="en-US" sz="1400" dirty="0"/>
+          </a:p>
+        </p:txBody>
+      </p:sp>
+      <p:cxnSp>
+        <p:nvCxnSpPr>
+          <p:cNvPr id="8" name="Straight Arrow Connector 7"/>
+          <p:cNvCxnSpPr>
+            <a:stCxn id="4" idx="4"/>
+            <a:endCxn id="5" idx="0"/>
+          </p:cNvCxnSpPr>
+          <p:nvPr/>
+        </p:nvCxnSpPr>
+        <p:spPr>
+          <a:xfrm>
+            <a:off x="1090864" y="1660358"/>
+            <a:ext cx="1" cy="216571"/>
+          </a:xfrm>
+          <a:prstGeom prst="straightConnector1">
+            <a:avLst/>
+          </a:prstGeom>
+          <a:ln>
+            <a:tailEnd type="arrow"/>
+          </a:ln>
+        </p:spPr>
+        <p:style>
+          <a:lnRef idx="2">
+            <a:schemeClr val="dk1"/>
+          </a:lnRef>
+          <a:fillRef idx="0">
+            <a:schemeClr val="dk1"/>
+          </a:fillRef>
+          <a:effectRef idx="1">
+            <a:schemeClr val="dk1"/>
+          </a:effectRef>
+          <a:fontRef idx="minor">
+            <a:schemeClr val="tx1"/>
+          </a:fontRef>
+        </p:style>
+      </p:cxnSp>
+      <p:cxnSp>
+        <p:nvCxnSpPr>
+          <p:cNvPr id="13" name="Straight Arrow Connector 12"/>
+          <p:cNvCxnSpPr>
+            <a:stCxn id="5" idx="2"/>
+            <a:endCxn id="27" idx="0"/>
+          </p:cNvCxnSpPr>
+          <p:nvPr/>
+        </p:nvCxnSpPr>
+        <p:spPr>
+          <a:xfrm flipH="1">
+            <a:off x="1090864" y="2334126"/>
+            <a:ext cx="1" cy="200530"/>
+          </a:xfrm>
+          <a:prstGeom prst="straightConnector1">
+            <a:avLst/>
+          </a:prstGeom>
+          <a:ln>
+            <a:tailEnd type="arrow"/>
+          </a:ln>
+        </p:spPr>
+        <p:style>
+          <a:lnRef idx="2">
+            <a:schemeClr val="dk1"/>
+          </a:lnRef>
+          <a:fillRef idx="0">
+            <a:schemeClr val="dk1"/>
+          </a:fillRef>
+          <a:effectRef idx="1">
+            <a:schemeClr val="dk1"/>
+          </a:effectRef>
+          <a:fontRef idx="minor">
+            <a:schemeClr val="tx1"/>
+          </a:fontRef>
+        </p:style>
+      </p:cxnSp>
+      <p:cxnSp>
+        <p:nvCxnSpPr>
+          <p:cNvPr id="18" name="Straight Arrow Connector 17"/>
+          <p:cNvCxnSpPr>
+            <a:stCxn id="6" idx="2"/>
+            <a:endCxn id="25" idx="0"/>
+          </p:cNvCxnSpPr>
+          <p:nvPr/>
+        </p:nvCxnSpPr>
+        <p:spPr>
+          <a:xfrm>
+            <a:off x="1090864" y="4074695"/>
+            <a:ext cx="1" cy="314827"/>
+          </a:xfrm>
+          <a:prstGeom prst="straightConnector1">
+            <a:avLst/>
+          </a:prstGeom>
+          <a:ln>
+            <a:tailEnd type="arrow"/>
+          </a:ln>
+        </p:spPr>
+        <p:style>
+          <a:lnRef idx="2">
+            <a:schemeClr val="dk1"/>
+          </a:lnRef>
+          <a:fillRef idx="0">
+            <a:schemeClr val="dk1"/>
+          </a:fillRef>
+          <a:effectRef idx="1">
+            <a:schemeClr val="dk1"/>
+          </a:effectRef>
+          <a:fontRef idx="minor">
+            <a:schemeClr val="tx1"/>
+          </a:fontRef>
+        </p:style>
+      </p:cxnSp>
+      <p:sp>
+        <p:nvSpPr>
+          <p:cNvPr id="24" name="Rectangle 23"/>
+          <p:cNvSpPr/>
+          <p:nvPr/>
+        </p:nvSpPr>
+        <p:spPr>
+          <a:xfrm>
+            <a:off x="4495802" y="1323477"/>
+            <a:ext cx="1467851" cy="753979"/>
+          </a:xfrm>
+          <a:prstGeom prst="rect">
+            <a:avLst/>
+          </a:prstGeom>
+        </p:spPr>
+        <p:style>
+          <a:lnRef idx="2">
+            <a:schemeClr val="dk1"/>
+          </a:lnRef>
+          <a:fillRef idx="1">
+            <a:schemeClr val="lt1"/>
+          </a:fillRef>
+          <a:effectRef idx="0">
+            <a:schemeClr val="dk1"/>
+          </a:effectRef>
+          <a:fontRef idx="minor">
+            <a:schemeClr val="dk1"/>
+          </a:fontRef>
+        </p:style>
+        <p:txBody>
+          <a:bodyPr lIns="0" tIns="0" rIns="0" bIns="0" rtlCol="0" anchor="ctr"/>
+          <a:lstStyle/>
+          <a:p>
+            <a:pPr algn="ctr"/>
+            <a:r>
+              <a:rPr lang="pt-BR" sz="1400" dirty="0" smtClean="0"/>
+              <a:t>Take another slice</a:t>
+            </a:r>
+            <a:endParaRPr lang="en-US" sz="1400" dirty="0"/>
+          </a:p>
+        </p:txBody>
+      </p:sp>
+      <p:sp>
+        <p:nvSpPr>
+          <p:cNvPr id="25" name="Rectangle 24"/>
+          <p:cNvSpPr/>
+          <p:nvPr/>
+        </p:nvSpPr>
+        <p:spPr>
+          <a:xfrm>
+            <a:off x="401055" y="4389522"/>
+            <a:ext cx="1379619" cy="407068"/>
+          </a:xfrm>
+          <a:prstGeom prst="rect">
+            <a:avLst/>
+          </a:prstGeom>
+        </p:spPr>
+        <p:style>
+          <a:lnRef idx="2">
+            <a:schemeClr val="dk1"/>
+          </a:lnRef>
+          <a:fillRef idx="1">
+            <a:schemeClr val="lt1"/>
+          </a:fillRef>
+          <a:effectRef idx="0">
+            <a:schemeClr val="dk1"/>
+          </a:effectRef>
+          <a:fontRef idx="minor">
+            <a:schemeClr val="dk1"/>
+          </a:fontRef>
+        </p:style>
+        <p:txBody>
+          <a:bodyPr lIns="0" tIns="0" rIns="0" bIns="0" rtlCol="0" anchor="ctr"/>
+          <a:lstStyle/>
+          <a:p>
+            <a:pPr algn="ctr"/>
+            <a:r>
+              <a:rPr lang="pt-BR" sz="1400" dirty="0" smtClean="0"/>
+              <a:t>Apply more butter</a:t>
+            </a:r>
+            <a:endParaRPr lang="en-US" sz="1400" dirty="0"/>
+          </a:p>
+        </p:txBody>
+      </p:sp>
+      <p:sp>
+        <p:nvSpPr>
+          <p:cNvPr id="27" name="Rectangle 26"/>
+          <p:cNvSpPr/>
+          <p:nvPr/>
+        </p:nvSpPr>
+        <p:spPr>
+          <a:xfrm>
+            <a:off x="385012" y="2534656"/>
+            <a:ext cx="1411704" cy="473239"/>
+          </a:xfrm>
+          <a:prstGeom prst="rect">
+            <a:avLst/>
+          </a:prstGeom>
+        </p:spPr>
+        <p:style>
+          <a:lnRef idx="2">
+            <a:schemeClr val="dk1"/>
+          </a:lnRef>
+          <a:fillRef idx="1">
+            <a:schemeClr val="lt1"/>
+          </a:fillRef>
+          <a:effectRef idx="0">
+            <a:schemeClr val="dk1"/>
+          </a:effectRef>
+          <a:fontRef idx="minor">
+            <a:schemeClr val="dk1"/>
+          </a:fontRef>
+        </p:style>
+        <p:txBody>
+          <a:bodyPr lIns="0" tIns="0" rIns="0" bIns="0" rtlCol="0" anchor="ctr"/>
+          <a:lstStyle/>
+          <a:p>
+            <a:pPr algn="ctr"/>
+            <a:r>
+              <a:rPr lang="pt-BR" sz="1400" dirty="0" smtClean="0"/>
+              <a:t>Spread butter using a knife</a:t>
+            </a:r>
+            <a:endParaRPr lang="en-US" sz="1400" dirty="0"/>
+          </a:p>
+        </p:txBody>
+      </p:sp>
+      <p:cxnSp>
+        <p:nvCxnSpPr>
+          <p:cNvPr id="31" name="Straight Arrow Connector 30"/>
+          <p:cNvCxnSpPr>
+            <a:stCxn id="27" idx="2"/>
+            <a:endCxn id="6" idx="0"/>
+          </p:cNvCxnSpPr>
+          <p:nvPr/>
+        </p:nvCxnSpPr>
+        <p:spPr>
+          <a:xfrm>
+            <a:off x="1090864" y="3007895"/>
+            <a:ext cx="0" cy="240630"/>
+          </a:xfrm>
+          <a:prstGeom prst="straightConnector1">
+            <a:avLst/>
+          </a:prstGeom>
+          <a:ln>
+            <a:tailEnd type="arrow"/>
+          </a:ln>
+        </p:spPr>
+        <p:style>
+          <a:lnRef idx="2">
+            <a:schemeClr val="dk1"/>
+          </a:lnRef>
+          <a:fillRef idx="0">
+            <a:schemeClr val="dk1"/>
+          </a:fillRef>
+          <a:effectRef idx="1">
+            <a:schemeClr val="dk1"/>
+          </a:effectRef>
+          <a:fontRef idx="minor">
+            <a:schemeClr val="tx1"/>
+          </a:fontRef>
+        </p:style>
+      </p:cxnSp>
+      <p:sp>
+        <p:nvSpPr>
+          <p:cNvPr id="57" name="Rectangle 56"/>
+          <p:cNvSpPr/>
+          <p:nvPr/>
+        </p:nvSpPr>
+        <p:spPr>
+          <a:xfrm>
+            <a:off x="4523875" y="2695077"/>
+            <a:ext cx="1411704" cy="473239"/>
+          </a:xfrm>
+          <a:prstGeom prst="rect">
+            <a:avLst/>
+          </a:prstGeom>
+        </p:spPr>
+        <p:style>
+          <a:lnRef idx="2">
+            <a:schemeClr val="dk1"/>
+          </a:lnRef>
+          <a:fillRef idx="1">
+            <a:schemeClr val="lt1"/>
+          </a:fillRef>
+          <a:effectRef idx="0">
+            <a:schemeClr val="dk1"/>
+          </a:effectRef>
+          <a:fontRef idx="minor">
+            <a:schemeClr val="dk1"/>
+          </a:fontRef>
+        </p:style>
+        <p:txBody>
+          <a:bodyPr lIns="0" tIns="0" rIns="0" bIns="0" rtlCol="0" anchor="ctr"/>
+          <a:lstStyle/>
+          <a:p>
+            <a:pPr algn="ctr"/>
+            <a:r>
+              <a:rPr lang="pt-BR" sz="1400" dirty="0" smtClean="0"/>
+              <a:t>Spread jelly using a knife</a:t>
+            </a:r>
+            <a:endParaRPr lang="en-US" sz="1400" dirty="0"/>
+          </a:p>
+        </p:txBody>
+      </p:sp>
+      <p:cxnSp>
+        <p:nvCxnSpPr>
+          <p:cNvPr id="58" name="Straight Arrow Connector 57"/>
+          <p:cNvCxnSpPr>
+            <a:stCxn id="24" idx="2"/>
+            <a:endCxn id="57" idx="0"/>
+          </p:cNvCxnSpPr>
+          <p:nvPr/>
+        </p:nvCxnSpPr>
+        <p:spPr>
+          <a:xfrm flipH="1">
+            <a:off x="5229727" y="2077456"/>
+            <a:ext cx="1" cy="617621"/>
+          </a:xfrm>
+          <a:prstGeom prst="straightConnector1">
+            <a:avLst/>
+          </a:prstGeom>
+          <a:ln>
+            <a:tailEnd type="arrow"/>
+          </a:ln>
+        </p:spPr>
+        <p:style>
+          <a:lnRef idx="2">
+            <a:schemeClr val="dk1"/>
+          </a:lnRef>
+          <a:fillRef idx="0">
+            <a:schemeClr val="dk1"/>
+          </a:fillRef>
+          <a:effectRef idx="1">
+            <a:schemeClr val="dk1"/>
+          </a:effectRef>
+          <a:fontRef idx="minor">
+            <a:schemeClr val="tx1"/>
+          </a:fontRef>
+        </p:style>
+      </p:cxnSp>
+      <p:cxnSp>
+        <p:nvCxnSpPr>
+          <p:cNvPr id="68" name="Elbow Connector 67"/>
+          <p:cNvCxnSpPr>
+            <a:stCxn id="25" idx="1"/>
+            <a:endCxn id="6" idx="1"/>
+          </p:cNvCxnSpPr>
+          <p:nvPr/>
+        </p:nvCxnSpPr>
+        <p:spPr>
+          <a:xfrm rot="10800000">
+            <a:off x="288759" y="3661610"/>
+            <a:ext cx="112296" cy="931446"/>
+          </a:xfrm>
+          <a:prstGeom prst="bentConnector3">
+            <a:avLst>
+              <a:gd name="adj1" fmla="val 303569"/>
+            </a:avLst>
+          </a:prstGeom>
+          <a:ln>
+            <a:tailEnd type="arrow"/>
+          </a:ln>
+        </p:spPr>
+        <p:style>
+          <a:lnRef idx="2">
+            <a:schemeClr val="dk1"/>
+          </a:lnRef>
+          <a:fillRef idx="0">
+            <a:schemeClr val="dk1"/>
+          </a:fillRef>
+          <a:effectRef idx="1">
+            <a:schemeClr val="dk1"/>
+          </a:effectRef>
+          <a:fontRef idx="minor">
+            <a:schemeClr val="tx1"/>
+          </a:fontRef>
+        </p:style>
+      </p:cxnSp>
+      <p:sp>
+        <p:nvSpPr>
+          <p:cNvPr id="70" name="Diamond 69"/>
+          <p:cNvSpPr/>
+          <p:nvPr/>
+        </p:nvSpPr>
+        <p:spPr>
+          <a:xfrm>
+            <a:off x="4427622" y="3320714"/>
+            <a:ext cx="1604210" cy="826170"/>
+          </a:xfrm>
+          <a:prstGeom prst="diamond">
+            <a:avLst/>
+          </a:prstGeom>
+        </p:spPr>
+        <p:style>
+          <a:lnRef idx="2">
+            <a:schemeClr val="dk1"/>
+          </a:lnRef>
+          <a:fillRef idx="1">
+            <a:schemeClr val="lt1"/>
+          </a:fillRef>
+          <a:effectRef idx="0">
+            <a:schemeClr val="dk1"/>
+          </a:effectRef>
+          <a:fontRef idx="minor">
+            <a:schemeClr val="dk1"/>
+          </a:fontRef>
+        </p:style>
+        <p:txBody>
+          <a:bodyPr lIns="0" tIns="0" rIns="0" bIns="0" rtlCol="0" anchor="ctr"/>
+          <a:lstStyle/>
+          <a:p>
+            <a:pPr algn="ctr"/>
+            <a:r>
+              <a:rPr lang="pt-BR" sz="1400" dirty="0" smtClean="0"/>
+              <a:t>Enough peanut butter</a:t>
+            </a:r>
+            <a:endParaRPr lang="en-US" sz="1400" dirty="0"/>
+          </a:p>
+        </p:txBody>
+      </p:sp>
+      <p:cxnSp>
+        <p:nvCxnSpPr>
+          <p:cNvPr id="71" name="Straight Arrow Connector 70"/>
+          <p:cNvCxnSpPr>
+            <a:stCxn id="57" idx="2"/>
+            <a:endCxn id="70" idx="0"/>
+          </p:cNvCxnSpPr>
+          <p:nvPr/>
+        </p:nvCxnSpPr>
+        <p:spPr>
+          <a:xfrm>
+            <a:off x="5229727" y="3168316"/>
+            <a:ext cx="0" cy="152398"/>
+          </a:xfrm>
+          <a:prstGeom prst="straightConnector1">
+            <a:avLst/>
+          </a:prstGeom>
+          <a:ln>
+            <a:tailEnd type="arrow"/>
+          </a:ln>
+        </p:spPr>
+        <p:style>
+          <a:lnRef idx="2">
+            <a:schemeClr val="dk1"/>
+          </a:lnRef>
+          <a:fillRef idx="0">
+            <a:schemeClr val="dk1"/>
+          </a:fillRef>
+          <a:effectRef idx="1">
+            <a:schemeClr val="dk1"/>
+          </a:effectRef>
+          <a:fontRef idx="minor">
+            <a:schemeClr val="tx1"/>
+          </a:fontRef>
+        </p:style>
+      </p:cxnSp>
+      <p:cxnSp>
+        <p:nvCxnSpPr>
+          <p:cNvPr id="74" name="Straight Arrow Connector 73"/>
+          <p:cNvCxnSpPr>
+            <a:stCxn id="70" idx="3"/>
+            <a:endCxn id="99" idx="1"/>
+          </p:cNvCxnSpPr>
+          <p:nvPr/>
+        </p:nvCxnSpPr>
+        <p:spPr>
+          <a:xfrm>
+            <a:off x="6031832" y="3733799"/>
+            <a:ext cx="457201" cy="0"/>
+          </a:xfrm>
+          <a:prstGeom prst="straightConnector1">
+            <a:avLst/>
+          </a:prstGeom>
+          <a:ln>
+            <a:tailEnd type="arrow"/>
+          </a:ln>
+        </p:spPr>
+        <p:style>
+          <a:lnRef idx="2">
+            <a:schemeClr val="dk1"/>
+          </a:lnRef>
+          <a:fillRef idx="0">
+            <a:schemeClr val="dk1"/>
+          </a:fillRef>
+          <a:effectRef idx="1">
+            <a:schemeClr val="dk1"/>
+          </a:effectRef>
+          <a:fontRef idx="minor">
+            <a:schemeClr val="tx1"/>
+          </a:fontRef>
+        </p:style>
+      </p:cxnSp>
+      <p:cxnSp>
+        <p:nvCxnSpPr>
+          <p:cNvPr id="76" name="Straight Arrow Connector 75"/>
+          <p:cNvCxnSpPr>
+            <a:stCxn id="70" idx="2"/>
+            <a:endCxn id="79" idx="0"/>
+          </p:cNvCxnSpPr>
+          <p:nvPr/>
+        </p:nvCxnSpPr>
+        <p:spPr>
+          <a:xfrm>
+            <a:off x="5229727" y="4146884"/>
+            <a:ext cx="1" cy="411080"/>
+          </a:xfrm>
+          <a:prstGeom prst="straightConnector1">
+            <a:avLst/>
+          </a:prstGeom>
+          <a:ln>
+            <a:tailEnd type="arrow"/>
+          </a:ln>
+        </p:spPr>
+        <p:style>
+          <a:lnRef idx="2">
+            <a:schemeClr val="dk1"/>
+          </a:lnRef>
+          <a:fillRef idx="0">
+            <a:schemeClr val="dk1"/>
+          </a:fillRef>
+          <a:effectRef idx="1">
+            <a:schemeClr val="dk1"/>
+          </a:effectRef>
+          <a:fontRef idx="minor">
+            <a:schemeClr val="tx1"/>
+          </a:fontRef>
+        </p:style>
+      </p:cxnSp>
+      <p:sp>
+        <p:nvSpPr>
+          <p:cNvPr id="79" name="Rectangle 78"/>
+          <p:cNvSpPr/>
+          <p:nvPr/>
+        </p:nvSpPr>
+        <p:spPr>
+          <a:xfrm>
+            <a:off x="4539918" y="4557964"/>
+            <a:ext cx="1379619" cy="407068"/>
+          </a:xfrm>
+          <a:prstGeom prst="rect">
+            <a:avLst/>
+          </a:prstGeom>
+        </p:spPr>
+        <p:style>
+          <a:lnRef idx="2">
+            <a:schemeClr val="dk1"/>
+          </a:lnRef>
+          <a:fillRef idx="1">
+            <a:schemeClr val="lt1"/>
+          </a:fillRef>
+          <a:effectRef idx="0">
+            <a:schemeClr val="dk1"/>
+          </a:effectRef>
+          <a:fontRef idx="minor">
+            <a:schemeClr val="dk1"/>
+          </a:fontRef>
+        </p:style>
+        <p:txBody>
+          <a:bodyPr lIns="0" tIns="0" rIns="0" bIns="0" rtlCol="0" anchor="ctr"/>
+          <a:lstStyle/>
+          <a:p>
+            <a:pPr algn="ctr"/>
+            <a:r>
+              <a:rPr lang="pt-BR" sz="1400" dirty="0" smtClean="0"/>
+              <a:t>Apply more Jelly</a:t>
+            </a:r>
+            <a:endParaRPr lang="en-US" sz="1400" dirty="0"/>
+          </a:p>
+        </p:txBody>
+      </p:sp>
+      <p:cxnSp>
+        <p:nvCxnSpPr>
+          <p:cNvPr id="93" name="Elbow Connector 92"/>
+          <p:cNvCxnSpPr>
+            <a:stCxn id="79" idx="1"/>
+            <a:endCxn id="70" idx="1"/>
+          </p:cNvCxnSpPr>
+          <p:nvPr/>
+        </p:nvCxnSpPr>
+        <p:spPr>
+          <a:xfrm rot="10800000">
+            <a:off x="4427622" y="3733800"/>
+            <a:ext cx="112296" cy="1027699"/>
+          </a:xfrm>
+          <a:prstGeom prst="bentConnector3">
+            <a:avLst>
+              <a:gd name="adj1" fmla="val 303569"/>
+            </a:avLst>
+          </a:prstGeom>
+          <a:ln>
+            <a:tailEnd type="arrow"/>
+          </a:ln>
+        </p:spPr>
+        <p:style>
+          <a:lnRef idx="2">
+            <a:schemeClr val="dk1"/>
+          </a:lnRef>
+          <a:fillRef idx="0">
+            <a:schemeClr val="dk1"/>
+          </a:fillRef>
+          <a:effectRef idx="1">
+            <a:schemeClr val="dk1"/>
+          </a:effectRef>
+          <a:fontRef idx="minor">
+            <a:schemeClr val="tx1"/>
+          </a:fontRef>
+        </p:style>
+      </p:cxnSp>
+      <p:cxnSp>
+        <p:nvCxnSpPr>
+          <p:cNvPr id="96" name="Elbow Connector 95"/>
+          <p:cNvCxnSpPr>
+            <a:stCxn id="6" idx="3"/>
+            <a:endCxn id="24" idx="0"/>
+          </p:cNvCxnSpPr>
+          <p:nvPr/>
+        </p:nvCxnSpPr>
+        <p:spPr>
+          <a:xfrm flipV="1">
+            <a:off x="1892969" y="1323477"/>
+            <a:ext cx="3336759" cy="2338133"/>
+          </a:xfrm>
+          <a:prstGeom prst="bentConnector4">
+            <a:avLst>
+              <a:gd name="adj1" fmla="val 39002"/>
+              <a:gd name="adj2" fmla="val 109777"/>
+            </a:avLst>
+          </a:prstGeom>
+          <a:ln>
+            <a:tailEnd type="arrow"/>
+          </a:ln>
+        </p:spPr>
+        <p:style>
+          <a:lnRef idx="2">
+            <a:schemeClr val="dk1"/>
+          </a:lnRef>
+          <a:fillRef idx="0">
+            <a:schemeClr val="dk1"/>
+          </a:fillRef>
+          <a:effectRef idx="1">
+            <a:schemeClr val="dk1"/>
+          </a:effectRef>
+          <a:fontRef idx="minor">
+            <a:schemeClr val="tx1"/>
+          </a:fontRef>
+        </p:style>
+      </p:cxnSp>
+      <p:sp>
+        <p:nvSpPr>
+          <p:cNvPr id="99" name="Rectangle 98"/>
+          <p:cNvSpPr/>
+          <p:nvPr/>
+        </p:nvSpPr>
+        <p:spPr>
+          <a:xfrm>
+            <a:off x="6489033" y="3530265"/>
+            <a:ext cx="1379619" cy="407068"/>
+          </a:xfrm>
+          <a:prstGeom prst="rect">
+            <a:avLst/>
+          </a:prstGeom>
+        </p:spPr>
+        <p:style>
+          <a:lnRef idx="2">
+            <a:schemeClr val="dk1"/>
+          </a:lnRef>
+          <a:fillRef idx="1">
+            <a:schemeClr val="lt1"/>
+          </a:fillRef>
+          <a:effectRef idx="0">
+            <a:schemeClr val="dk1"/>
+          </a:effectRef>
+          <a:fontRef idx="minor">
+            <a:schemeClr val="dk1"/>
+          </a:fontRef>
+        </p:style>
+        <p:txBody>
+          <a:bodyPr lIns="0" tIns="0" rIns="0" bIns="0" rtlCol="0" anchor="ctr"/>
+          <a:lstStyle/>
+          <a:p>
+            <a:pPr algn="ctr"/>
+            <a:r>
+              <a:rPr lang="pt-BR" sz="1400" dirty="0" smtClean="0"/>
+              <a:t>Put the slice on the first slide</a:t>
+            </a:r>
+            <a:endParaRPr lang="en-US" sz="1400" dirty="0"/>
+          </a:p>
+        </p:txBody>
+      </p:sp>
+      <p:sp>
+        <p:nvSpPr>
+          <p:cNvPr id="102" name="Oval 101"/>
+          <p:cNvSpPr/>
+          <p:nvPr/>
+        </p:nvSpPr>
+        <p:spPr>
+          <a:xfrm>
+            <a:off x="8029074" y="3493168"/>
+            <a:ext cx="1114926" cy="481263"/>
+          </a:xfrm>
+          <a:prstGeom prst="ellipse">
+            <a:avLst/>
+          </a:prstGeom>
+        </p:spPr>
+        <p:style>
+          <a:lnRef idx="2">
+            <a:schemeClr val="dk1"/>
+          </a:lnRef>
+          <a:fillRef idx="1">
+            <a:schemeClr val="lt1"/>
+          </a:fillRef>
+          <a:effectRef idx="0">
+            <a:schemeClr val="dk1"/>
+          </a:effectRef>
+          <a:fontRef idx="minor">
+            <a:schemeClr val="dk1"/>
+          </a:fontRef>
+        </p:style>
+        <p:txBody>
+          <a:bodyPr rtlCol="0" anchor="ctr"/>
+          <a:lstStyle/>
+          <a:p>
+            <a:pPr algn="ctr"/>
+            <a:r>
+              <a:rPr lang="pt-BR" sz="1400" dirty="0" smtClean="0"/>
+              <a:t>End</a:t>
+            </a:r>
+            <a:endParaRPr lang="en-US" sz="1400" dirty="0"/>
+          </a:p>
+        </p:txBody>
+      </p:sp>
+      <p:cxnSp>
+        <p:nvCxnSpPr>
+          <p:cNvPr id="103" name="Straight Arrow Connector 102"/>
+          <p:cNvCxnSpPr>
+            <a:stCxn id="99" idx="3"/>
+            <a:endCxn id="102" idx="2"/>
+          </p:cNvCxnSpPr>
+          <p:nvPr/>
+        </p:nvCxnSpPr>
+        <p:spPr>
+          <a:xfrm>
+            <a:off x="7868652" y="3733799"/>
+            <a:ext cx="160422" cy="1"/>
+          </a:xfrm>
+          <a:prstGeom prst="straightConnector1">
+            <a:avLst/>
+          </a:prstGeom>
+          <a:ln>
+            <a:tailEnd type="arrow"/>
+          </a:ln>
+        </p:spPr>
+        <p:style>
+          <a:lnRef idx="2">
+            <a:schemeClr val="dk1"/>
+          </a:lnRef>
+          <a:fillRef idx="0">
+            <a:schemeClr val="dk1"/>
+          </a:fillRef>
+          <a:effectRef idx="1">
+            <a:schemeClr val="dk1"/>
+          </a:effectRef>
+          <a:fontRef idx="minor">
+            <a:schemeClr val="tx1"/>
+          </a:fontRef>
+        </p:style>
+      </p:cxnSp>
+      <p:sp>
+        <p:nvSpPr>
+          <p:cNvPr id="107" name="TextBox 106"/>
+          <p:cNvSpPr txBox="1"/>
+          <p:nvPr/>
+        </p:nvSpPr>
+        <p:spPr>
+          <a:xfrm>
+            <a:off x="1187115" y="4042611"/>
+            <a:ext cx="513348" cy="307777"/>
+          </a:xfrm>
+          <a:prstGeom prst="rect">
+            <a:avLst/>
+          </a:prstGeom>
+          <a:noFill/>
+        </p:spPr>
+        <p:txBody>
+          <a:bodyPr wrap="square" rtlCol="0">
+            <a:spAutoFit/>
+          </a:bodyPr>
+          <a:lstStyle/>
+          <a:p>
+            <a:r>
+              <a:rPr lang="pt-BR" sz="1400" i="1" dirty="0" smtClean="0"/>
+              <a:t>No</a:t>
+            </a:r>
+            <a:endParaRPr lang="en-US" sz="1400" i="1" dirty="0"/>
+          </a:p>
+        </p:txBody>
+      </p:sp>
+      <p:sp>
+        <p:nvSpPr>
+          <p:cNvPr id="108" name="TextBox 107"/>
+          <p:cNvSpPr txBox="1"/>
+          <p:nvPr/>
+        </p:nvSpPr>
+        <p:spPr>
+          <a:xfrm>
+            <a:off x="1997242" y="3336758"/>
+            <a:ext cx="513348" cy="307777"/>
+          </a:xfrm>
+          <a:prstGeom prst="rect">
+            <a:avLst/>
+          </a:prstGeom>
+          <a:noFill/>
+        </p:spPr>
+        <p:txBody>
+          <a:bodyPr wrap="square" rtlCol="0">
+            <a:spAutoFit/>
+          </a:bodyPr>
+          <a:lstStyle/>
+          <a:p>
+            <a:r>
+              <a:rPr lang="pt-BR" sz="1400" i="1" dirty="0" smtClean="0"/>
+              <a:t>Yes</a:t>
+            </a:r>
+            <a:endParaRPr lang="en-US" sz="1400" i="1" dirty="0"/>
+          </a:p>
+        </p:txBody>
+      </p:sp>
+      <p:sp>
+        <p:nvSpPr>
+          <p:cNvPr id="109" name="TextBox 108"/>
+          <p:cNvSpPr txBox="1"/>
+          <p:nvPr/>
+        </p:nvSpPr>
+        <p:spPr>
+          <a:xfrm>
+            <a:off x="5277852" y="4146885"/>
+            <a:ext cx="513348" cy="307777"/>
+          </a:xfrm>
+          <a:prstGeom prst="rect">
+            <a:avLst/>
+          </a:prstGeom>
+          <a:noFill/>
+        </p:spPr>
+        <p:txBody>
+          <a:bodyPr wrap="square" rtlCol="0">
+            <a:spAutoFit/>
+          </a:bodyPr>
+          <a:lstStyle/>
+          <a:p>
+            <a:r>
+              <a:rPr lang="pt-BR" sz="1400" i="1" dirty="0" smtClean="0"/>
+              <a:t>No</a:t>
+            </a:r>
+            <a:endParaRPr lang="en-US" sz="1400" i="1" dirty="0"/>
+          </a:p>
+        </p:txBody>
+      </p:sp>
+      <p:sp>
+        <p:nvSpPr>
+          <p:cNvPr id="110" name="TextBox 109"/>
+          <p:cNvSpPr txBox="1"/>
+          <p:nvPr/>
+        </p:nvSpPr>
+        <p:spPr>
+          <a:xfrm>
+            <a:off x="5991727" y="3408947"/>
+            <a:ext cx="513348" cy="307777"/>
+          </a:xfrm>
+          <a:prstGeom prst="rect">
+            <a:avLst/>
+          </a:prstGeom>
+          <a:noFill/>
+        </p:spPr>
+        <p:txBody>
+          <a:bodyPr wrap="square" rtlCol="0">
+            <a:spAutoFit/>
+          </a:bodyPr>
+          <a:lstStyle/>
+          <a:p>
+            <a:r>
+              <a:rPr lang="pt-BR" sz="1400" i="1" dirty="0" smtClean="0"/>
+              <a:t>Yes</a:t>
+            </a:r>
+            <a:endParaRPr lang="en-US" sz="1400" i="1" dirty="0"/>
           </a:p>
         </p:txBody>
       </p:sp>
       <p:pic>
         <p:nvPicPr>
-          <p:cNvPr id="4" name="Picture 3"/>
+          <p:cNvPr id="6146" name="Picture 2"/>
           <p:cNvPicPr>
             <a:picLocks noChangeAspect="1" noChangeArrowheads="1"/>
           </p:cNvPicPr>
@@ -4088,9 +5096,9 @@
           </a:stretch>
         </p:blipFill>
         <p:spPr bwMode="auto">
-          <a:xfrm>
-            <a:off x="6505574" y="1409200"/>
-            <a:ext cx="2020804" cy="2020804"/>
+          <a:xfrm rot="20463133">
+            <a:off x="7234367" y="1039727"/>
+            <a:ext cx="1777595" cy="1109913"/>
           </a:xfrm>
           <a:prstGeom prst="rect">
             <a:avLst/>
@@ -4104,6 +5112,54 @@
           </a:ln>
         </p:spPr>
       </p:pic>
+      <p:sp>
+        <p:nvSpPr>
+          <p:cNvPr id="32" name="Down Arrow 31"/>
+          <p:cNvSpPr/>
+          <p:nvPr/>
+        </p:nvSpPr>
+        <p:spPr>
+          <a:xfrm>
+            <a:off x="1957137" y="2013284"/>
+            <a:ext cx="336884" cy="705853"/>
+          </a:xfrm>
+          <a:prstGeom prst="downArrow">
+            <a:avLst/>
+          </a:prstGeom>
+          <a:solidFill>
+            <a:srgbClr val="FF0000"/>
+          </a:solidFill>
+          <a:ln>
+            <a:solidFill>
+              <a:srgbClr val="FF0000"/>
+            </a:solidFill>
+          </a:ln>
+        </p:spPr>
+        <p:style>
+          <a:lnRef idx="2">
+            <a:schemeClr val="accent1">
+              <a:shade val="50000"/>
+            </a:schemeClr>
+          </a:lnRef>
+          <a:fillRef idx="1">
+            <a:schemeClr val="accent1"/>
+          </a:fillRef>
+          <a:effectRef idx="0">
+            <a:schemeClr val="accent1"/>
+          </a:effectRef>
+          <a:fontRef idx="minor">
+            <a:schemeClr val="lt1"/>
+          </a:fontRef>
+        </p:style>
+        <p:txBody>
+          <a:bodyPr rtlCol="0" anchor="ctr"/>
+          <a:lstStyle/>
+          <a:p>
+            <a:pPr algn="ctr"/>
+            <a:endParaRPr lang="en-US"/>
+          </a:p>
+        </p:txBody>
+      </p:sp>
     </p:spTree>
   </p:cSld>
   <p:clrMapOvr>
@@ -4146,7 +5202,7 @@
           <a:p>
             <a:r>
               <a:rPr lang="pt-BR" dirty="0" smtClean="0"/>
-              <a:t>PERL</a:t>
+              <a:t>Peanut-Butter-Jelly (PBJ) algorithm</a:t>
             </a:r>
             <a:endParaRPr lang="en-US" dirty="0"/>
           </a:p>
@@ -4154,30 +5210,1028 @@
       </p:sp>
       <p:sp>
         <p:nvSpPr>
-          <p:cNvPr id="3" name="Content Placeholder 2"/>
-          <p:cNvSpPr>
-            <a:spLocks noGrp="1"/>
-          </p:cNvSpPr>
-          <p:nvPr>
-            <p:ph idx="1"/>
-          </p:nvPr>
-        </p:nvSpPr>
-        <p:spPr/>
-        <p:txBody>
-          <a:bodyPr/>
-          <a:lstStyle/>
-          <a:p>
-            <a:r>
-              <a:rPr lang="en-US" dirty="0" smtClean="0"/>
-              <a:t>Perl is an interpreted high-level programming language developed by Larry Wall.</a:t>
-            </a:r>
-            <a:endParaRPr lang="en-US" dirty="0"/>
+          <p:cNvPr id="4" name="Oval 3"/>
+          <p:cNvSpPr/>
+          <p:nvPr/>
+        </p:nvSpPr>
+        <p:spPr>
+          <a:xfrm>
+            <a:off x="533401" y="1179095"/>
+            <a:ext cx="1114926" cy="481263"/>
+          </a:xfrm>
+          <a:prstGeom prst="ellipse">
+            <a:avLst/>
+          </a:prstGeom>
+        </p:spPr>
+        <p:style>
+          <a:lnRef idx="2">
+            <a:schemeClr val="dk1"/>
+          </a:lnRef>
+          <a:fillRef idx="1">
+            <a:schemeClr val="lt1"/>
+          </a:fillRef>
+          <a:effectRef idx="0">
+            <a:schemeClr val="dk1"/>
+          </a:effectRef>
+          <a:fontRef idx="minor">
+            <a:schemeClr val="dk1"/>
+          </a:fontRef>
+        </p:style>
+        <p:txBody>
+          <a:bodyPr rtlCol="0" anchor="ctr"/>
+          <a:lstStyle/>
+          <a:p>
+            <a:pPr algn="ctr"/>
+            <a:r>
+              <a:rPr lang="pt-BR" sz="1400" dirty="0" smtClean="0"/>
+              <a:t>Start</a:t>
+            </a:r>
+            <a:endParaRPr lang="en-US" sz="1400" dirty="0"/>
+          </a:p>
+        </p:txBody>
+      </p:sp>
+      <p:sp>
+        <p:nvSpPr>
+          <p:cNvPr id="5" name="Rectangle 4"/>
+          <p:cNvSpPr/>
+          <p:nvPr/>
+        </p:nvSpPr>
+        <p:spPr>
+          <a:xfrm>
+            <a:off x="421107" y="1876929"/>
+            <a:ext cx="1339515" cy="457197"/>
+          </a:xfrm>
+          <a:prstGeom prst="rect">
+            <a:avLst/>
+          </a:prstGeom>
+        </p:spPr>
+        <p:style>
+          <a:lnRef idx="2">
+            <a:schemeClr val="dk1"/>
+          </a:lnRef>
+          <a:fillRef idx="1">
+            <a:schemeClr val="lt1"/>
+          </a:fillRef>
+          <a:effectRef idx="0">
+            <a:schemeClr val="dk1"/>
+          </a:effectRef>
+          <a:fontRef idx="minor">
+            <a:schemeClr val="dk1"/>
+          </a:fontRef>
+        </p:style>
+        <p:txBody>
+          <a:bodyPr lIns="0" tIns="0" rIns="0" bIns="0" rtlCol="0" anchor="ctr"/>
+          <a:lstStyle/>
+          <a:p>
+            <a:pPr algn="ctr"/>
+            <a:r>
+              <a:rPr lang="pt-BR" sz="1400" dirty="0" smtClean="0"/>
+              <a:t>Get a slice of bread </a:t>
+            </a:r>
+            <a:endParaRPr lang="en-US" sz="1400" dirty="0"/>
+          </a:p>
+        </p:txBody>
+      </p:sp>
+      <p:sp>
+        <p:nvSpPr>
+          <p:cNvPr id="6" name="Diamond 5"/>
+          <p:cNvSpPr/>
+          <p:nvPr/>
+        </p:nvSpPr>
+        <p:spPr>
+          <a:xfrm>
+            <a:off x="288759" y="3248525"/>
+            <a:ext cx="1604210" cy="826170"/>
+          </a:xfrm>
+          <a:prstGeom prst="diamond">
+            <a:avLst/>
+          </a:prstGeom>
+        </p:spPr>
+        <p:style>
+          <a:lnRef idx="2">
+            <a:schemeClr val="dk1"/>
+          </a:lnRef>
+          <a:fillRef idx="1">
+            <a:schemeClr val="lt1"/>
+          </a:fillRef>
+          <a:effectRef idx="0">
+            <a:schemeClr val="dk1"/>
+          </a:effectRef>
+          <a:fontRef idx="minor">
+            <a:schemeClr val="dk1"/>
+          </a:fontRef>
+        </p:style>
+        <p:txBody>
+          <a:bodyPr lIns="0" tIns="0" rIns="0" bIns="0" rtlCol="0" anchor="ctr"/>
+          <a:lstStyle/>
+          <a:p>
+            <a:pPr algn="ctr"/>
+            <a:r>
+              <a:rPr lang="pt-BR" sz="1400" dirty="0" smtClean="0"/>
+              <a:t>Enough peanut butter</a:t>
+            </a:r>
+            <a:endParaRPr lang="en-US" sz="1400" dirty="0"/>
+          </a:p>
+        </p:txBody>
+      </p:sp>
+      <p:cxnSp>
+        <p:nvCxnSpPr>
+          <p:cNvPr id="8" name="Straight Arrow Connector 7"/>
+          <p:cNvCxnSpPr>
+            <a:stCxn id="4" idx="4"/>
+            <a:endCxn id="5" idx="0"/>
+          </p:cNvCxnSpPr>
+          <p:nvPr/>
+        </p:nvCxnSpPr>
+        <p:spPr>
+          <a:xfrm>
+            <a:off x="1090864" y="1660358"/>
+            <a:ext cx="1" cy="216571"/>
+          </a:xfrm>
+          <a:prstGeom prst="straightConnector1">
+            <a:avLst/>
+          </a:prstGeom>
+          <a:ln>
+            <a:tailEnd type="arrow"/>
+          </a:ln>
+        </p:spPr>
+        <p:style>
+          <a:lnRef idx="2">
+            <a:schemeClr val="dk1"/>
+          </a:lnRef>
+          <a:fillRef idx="0">
+            <a:schemeClr val="dk1"/>
+          </a:fillRef>
+          <a:effectRef idx="1">
+            <a:schemeClr val="dk1"/>
+          </a:effectRef>
+          <a:fontRef idx="minor">
+            <a:schemeClr val="tx1"/>
+          </a:fontRef>
+        </p:style>
+      </p:cxnSp>
+      <p:cxnSp>
+        <p:nvCxnSpPr>
+          <p:cNvPr id="13" name="Straight Arrow Connector 12"/>
+          <p:cNvCxnSpPr>
+            <a:stCxn id="5" idx="2"/>
+            <a:endCxn id="27" idx="0"/>
+          </p:cNvCxnSpPr>
+          <p:nvPr/>
+        </p:nvCxnSpPr>
+        <p:spPr>
+          <a:xfrm flipH="1">
+            <a:off x="1090864" y="2334126"/>
+            <a:ext cx="1" cy="200530"/>
+          </a:xfrm>
+          <a:prstGeom prst="straightConnector1">
+            <a:avLst/>
+          </a:prstGeom>
+          <a:ln>
+            <a:tailEnd type="arrow"/>
+          </a:ln>
+        </p:spPr>
+        <p:style>
+          <a:lnRef idx="2">
+            <a:schemeClr val="dk1"/>
+          </a:lnRef>
+          <a:fillRef idx="0">
+            <a:schemeClr val="dk1"/>
+          </a:fillRef>
+          <a:effectRef idx="1">
+            <a:schemeClr val="dk1"/>
+          </a:effectRef>
+          <a:fontRef idx="minor">
+            <a:schemeClr val="tx1"/>
+          </a:fontRef>
+        </p:style>
+      </p:cxnSp>
+      <p:cxnSp>
+        <p:nvCxnSpPr>
+          <p:cNvPr id="18" name="Straight Arrow Connector 17"/>
+          <p:cNvCxnSpPr>
+            <a:stCxn id="6" idx="2"/>
+            <a:endCxn id="25" idx="0"/>
+          </p:cNvCxnSpPr>
+          <p:nvPr/>
+        </p:nvCxnSpPr>
+        <p:spPr>
+          <a:xfrm>
+            <a:off x="1090864" y="4074695"/>
+            <a:ext cx="1" cy="314827"/>
+          </a:xfrm>
+          <a:prstGeom prst="straightConnector1">
+            <a:avLst/>
+          </a:prstGeom>
+          <a:ln>
+            <a:tailEnd type="arrow"/>
+          </a:ln>
+        </p:spPr>
+        <p:style>
+          <a:lnRef idx="2">
+            <a:schemeClr val="dk1"/>
+          </a:lnRef>
+          <a:fillRef idx="0">
+            <a:schemeClr val="dk1"/>
+          </a:fillRef>
+          <a:effectRef idx="1">
+            <a:schemeClr val="dk1"/>
+          </a:effectRef>
+          <a:fontRef idx="minor">
+            <a:schemeClr val="tx1"/>
+          </a:fontRef>
+        </p:style>
+      </p:cxnSp>
+      <p:sp>
+        <p:nvSpPr>
+          <p:cNvPr id="24" name="Rectangle 23"/>
+          <p:cNvSpPr/>
+          <p:nvPr/>
+        </p:nvSpPr>
+        <p:spPr>
+          <a:xfrm>
+            <a:off x="4495802" y="1323477"/>
+            <a:ext cx="1467851" cy="753979"/>
+          </a:xfrm>
+          <a:prstGeom prst="rect">
+            <a:avLst/>
+          </a:prstGeom>
+        </p:spPr>
+        <p:style>
+          <a:lnRef idx="2">
+            <a:schemeClr val="dk1"/>
+          </a:lnRef>
+          <a:fillRef idx="1">
+            <a:schemeClr val="lt1"/>
+          </a:fillRef>
+          <a:effectRef idx="0">
+            <a:schemeClr val="dk1"/>
+          </a:effectRef>
+          <a:fontRef idx="minor">
+            <a:schemeClr val="dk1"/>
+          </a:fontRef>
+        </p:style>
+        <p:txBody>
+          <a:bodyPr lIns="0" tIns="0" rIns="0" bIns="0" rtlCol="0" anchor="ctr"/>
+          <a:lstStyle/>
+          <a:p>
+            <a:pPr algn="ctr"/>
+            <a:r>
+              <a:rPr lang="pt-BR" sz="1400" dirty="0" smtClean="0"/>
+              <a:t>Take another slice</a:t>
+            </a:r>
+            <a:endParaRPr lang="en-US" sz="1400" dirty="0"/>
+          </a:p>
+        </p:txBody>
+      </p:sp>
+      <p:sp>
+        <p:nvSpPr>
+          <p:cNvPr id="25" name="Rectangle 24"/>
+          <p:cNvSpPr/>
+          <p:nvPr/>
+        </p:nvSpPr>
+        <p:spPr>
+          <a:xfrm>
+            <a:off x="401055" y="4389522"/>
+            <a:ext cx="1379619" cy="407068"/>
+          </a:xfrm>
+          <a:prstGeom prst="rect">
+            <a:avLst/>
+          </a:prstGeom>
+        </p:spPr>
+        <p:style>
+          <a:lnRef idx="2">
+            <a:schemeClr val="dk1"/>
+          </a:lnRef>
+          <a:fillRef idx="1">
+            <a:schemeClr val="lt1"/>
+          </a:fillRef>
+          <a:effectRef idx="0">
+            <a:schemeClr val="dk1"/>
+          </a:effectRef>
+          <a:fontRef idx="minor">
+            <a:schemeClr val="dk1"/>
+          </a:fontRef>
+        </p:style>
+        <p:txBody>
+          <a:bodyPr lIns="0" tIns="0" rIns="0" bIns="0" rtlCol="0" anchor="ctr"/>
+          <a:lstStyle/>
+          <a:p>
+            <a:pPr algn="ctr"/>
+            <a:r>
+              <a:rPr lang="pt-BR" sz="1400" dirty="0" smtClean="0"/>
+              <a:t>Apply more butter</a:t>
+            </a:r>
+            <a:endParaRPr lang="en-US" sz="1400" dirty="0"/>
+          </a:p>
+        </p:txBody>
+      </p:sp>
+      <p:sp>
+        <p:nvSpPr>
+          <p:cNvPr id="27" name="Rectangle 26"/>
+          <p:cNvSpPr/>
+          <p:nvPr/>
+        </p:nvSpPr>
+        <p:spPr>
+          <a:xfrm>
+            <a:off x="385012" y="2534656"/>
+            <a:ext cx="1411704" cy="473239"/>
+          </a:xfrm>
+          <a:prstGeom prst="rect">
+            <a:avLst/>
+          </a:prstGeom>
+        </p:spPr>
+        <p:style>
+          <a:lnRef idx="2">
+            <a:schemeClr val="dk1"/>
+          </a:lnRef>
+          <a:fillRef idx="1">
+            <a:schemeClr val="lt1"/>
+          </a:fillRef>
+          <a:effectRef idx="0">
+            <a:schemeClr val="dk1"/>
+          </a:effectRef>
+          <a:fontRef idx="minor">
+            <a:schemeClr val="dk1"/>
+          </a:fontRef>
+        </p:style>
+        <p:txBody>
+          <a:bodyPr lIns="0" tIns="0" rIns="0" bIns="0" rtlCol="0" anchor="ctr"/>
+          <a:lstStyle/>
+          <a:p>
+            <a:pPr algn="ctr"/>
+            <a:r>
+              <a:rPr lang="pt-BR" sz="1400" dirty="0" smtClean="0"/>
+              <a:t>Spread butter using a knife</a:t>
+            </a:r>
+            <a:endParaRPr lang="en-US" sz="1400" dirty="0"/>
+          </a:p>
+        </p:txBody>
+      </p:sp>
+      <p:cxnSp>
+        <p:nvCxnSpPr>
+          <p:cNvPr id="31" name="Straight Arrow Connector 30"/>
+          <p:cNvCxnSpPr>
+            <a:stCxn id="27" idx="2"/>
+            <a:endCxn id="6" idx="0"/>
+          </p:cNvCxnSpPr>
+          <p:nvPr/>
+        </p:nvCxnSpPr>
+        <p:spPr>
+          <a:xfrm>
+            <a:off x="1090864" y="3007895"/>
+            <a:ext cx="0" cy="240630"/>
+          </a:xfrm>
+          <a:prstGeom prst="straightConnector1">
+            <a:avLst/>
+          </a:prstGeom>
+          <a:ln>
+            <a:tailEnd type="arrow"/>
+          </a:ln>
+        </p:spPr>
+        <p:style>
+          <a:lnRef idx="2">
+            <a:schemeClr val="dk1"/>
+          </a:lnRef>
+          <a:fillRef idx="0">
+            <a:schemeClr val="dk1"/>
+          </a:fillRef>
+          <a:effectRef idx="1">
+            <a:schemeClr val="dk1"/>
+          </a:effectRef>
+          <a:fontRef idx="minor">
+            <a:schemeClr val="tx1"/>
+          </a:fontRef>
+        </p:style>
+      </p:cxnSp>
+      <p:sp>
+        <p:nvSpPr>
+          <p:cNvPr id="57" name="Rectangle 56"/>
+          <p:cNvSpPr/>
+          <p:nvPr/>
+        </p:nvSpPr>
+        <p:spPr>
+          <a:xfrm>
+            <a:off x="4523875" y="2695077"/>
+            <a:ext cx="1411704" cy="473239"/>
+          </a:xfrm>
+          <a:prstGeom prst="rect">
+            <a:avLst/>
+          </a:prstGeom>
+        </p:spPr>
+        <p:style>
+          <a:lnRef idx="2">
+            <a:schemeClr val="dk1"/>
+          </a:lnRef>
+          <a:fillRef idx="1">
+            <a:schemeClr val="lt1"/>
+          </a:fillRef>
+          <a:effectRef idx="0">
+            <a:schemeClr val="dk1"/>
+          </a:effectRef>
+          <a:fontRef idx="minor">
+            <a:schemeClr val="dk1"/>
+          </a:fontRef>
+        </p:style>
+        <p:txBody>
+          <a:bodyPr lIns="0" tIns="0" rIns="0" bIns="0" rtlCol="0" anchor="ctr"/>
+          <a:lstStyle/>
+          <a:p>
+            <a:pPr algn="ctr"/>
+            <a:r>
+              <a:rPr lang="pt-BR" sz="1400" dirty="0" smtClean="0"/>
+              <a:t>Spread jelly using a knife</a:t>
+            </a:r>
+            <a:endParaRPr lang="en-US" sz="1400" dirty="0"/>
+          </a:p>
+        </p:txBody>
+      </p:sp>
+      <p:cxnSp>
+        <p:nvCxnSpPr>
+          <p:cNvPr id="58" name="Straight Arrow Connector 57"/>
+          <p:cNvCxnSpPr>
+            <a:stCxn id="24" idx="2"/>
+            <a:endCxn id="57" idx="0"/>
+          </p:cNvCxnSpPr>
+          <p:nvPr/>
+        </p:nvCxnSpPr>
+        <p:spPr>
+          <a:xfrm flipH="1">
+            <a:off x="5229727" y="2077456"/>
+            <a:ext cx="1" cy="617621"/>
+          </a:xfrm>
+          <a:prstGeom prst="straightConnector1">
+            <a:avLst/>
+          </a:prstGeom>
+          <a:ln>
+            <a:tailEnd type="arrow"/>
+          </a:ln>
+        </p:spPr>
+        <p:style>
+          <a:lnRef idx="2">
+            <a:schemeClr val="dk1"/>
+          </a:lnRef>
+          <a:fillRef idx="0">
+            <a:schemeClr val="dk1"/>
+          </a:fillRef>
+          <a:effectRef idx="1">
+            <a:schemeClr val="dk1"/>
+          </a:effectRef>
+          <a:fontRef idx="minor">
+            <a:schemeClr val="tx1"/>
+          </a:fontRef>
+        </p:style>
+      </p:cxnSp>
+      <p:cxnSp>
+        <p:nvCxnSpPr>
+          <p:cNvPr id="68" name="Elbow Connector 67"/>
+          <p:cNvCxnSpPr>
+            <a:stCxn id="25" idx="1"/>
+            <a:endCxn id="6" idx="1"/>
+          </p:cNvCxnSpPr>
+          <p:nvPr/>
+        </p:nvCxnSpPr>
+        <p:spPr>
+          <a:xfrm rot="10800000">
+            <a:off x="288759" y="3661610"/>
+            <a:ext cx="112296" cy="931446"/>
+          </a:xfrm>
+          <a:prstGeom prst="bentConnector3">
+            <a:avLst>
+              <a:gd name="adj1" fmla="val 303569"/>
+            </a:avLst>
+          </a:prstGeom>
+          <a:ln>
+            <a:tailEnd type="arrow"/>
+          </a:ln>
+        </p:spPr>
+        <p:style>
+          <a:lnRef idx="2">
+            <a:schemeClr val="dk1"/>
+          </a:lnRef>
+          <a:fillRef idx="0">
+            <a:schemeClr val="dk1"/>
+          </a:fillRef>
+          <a:effectRef idx="1">
+            <a:schemeClr val="dk1"/>
+          </a:effectRef>
+          <a:fontRef idx="minor">
+            <a:schemeClr val="tx1"/>
+          </a:fontRef>
+        </p:style>
+      </p:cxnSp>
+      <p:sp>
+        <p:nvSpPr>
+          <p:cNvPr id="70" name="Diamond 69"/>
+          <p:cNvSpPr/>
+          <p:nvPr/>
+        </p:nvSpPr>
+        <p:spPr>
+          <a:xfrm>
+            <a:off x="4427622" y="3320714"/>
+            <a:ext cx="1604210" cy="826170"/>
+          </a:xfrm>
+          <a:prstGeom prst="diamond">
+            <a:avLst/>
+          </a:prstGeom>
+        </p:spPr>
+        <p:style>
+          <a:lnRef idx="2">
+            <a:schemeClr val="dk1"/>
+          </a:lnRef>
+          <a:fillRef idx="1">
+            <a:schemeClr val="lt1"/>
+          </a:fillRef>
+          <a:effectRef idx="0">
+            <a:schemeClr val="dk1"/>
+          </a:effectRef>
+          <a:fontRef idx="minor">
+            <a:schemeClr val="dk1"/>
+          </a:fontRef>
+        </p:style>
+        <p:txBody>
+          <a:bodyPr lIns="0" tIns="0" rIns="0" bIns="0" rtlCol="0" anchor="ctr"/>
+          <a:lstStyle/>
+          <a:p>
+            <a:pPr algn="ctr"/>
+            <a:r>
+              <a:rPr lang="pt-BR" sz="1400" dirty="0" smtClean="0"/>
+              <a:t>Enough peanut butter</a:t>
+            </a:r>
+            <a:endParaRPr lang="en-US" sz="1400" dirty="0"/>
+          </a:p>
+        </p:txBody>
+      </p:sp>
+      <p:cxnSp>
+        <p:nvCxnSpPr>
+          <p:cNvPr id="71" name="Straight Arrow Connector 70"/>
+          <p:cNvCxnSpPr>
+            <a:stCxn id="57" idx="2"/>
+            <a:endCxn id="70" idx="0"/>
+          </p:cNvCxnSpPr>
+          <p:nvPr/>
+        </p:nvCxnSpPr>
+        <p:spPr>
+          <a:xfrm>
+            <a:off x="5229727" y="3168316"/>
+            <a:ext cx="0" cy="152398"/>
+          </a:xfrm>
+          <a:prstGeom prst="straightConnector1">
+            <a:avLst/>
+          </a:prstGeom>
+          <a:ln>
+            <a:tailEnd type="arrow"/>
+          </a:ln>
+        </p:spPr>
+        <p:style>
+          <a:lnRef idx="2">
+            <a:schemeClr val="dk1"/>
+          </a:lnRef>
+          <a:fillRef idx="0">
+            <a:schemeClr val="dk1"/>
+          </a:fillRef>
+          <a:effectRef idx="1">
+            <a:schemeClr val="dk1"/>
+          </a:effectRef>
+          <a:fontRef idx="minor">
+            <a:schemeClr val="tx1"/>
+          </a:fontRef>
+        </p:style>
+      </p:cxnSp>
+      <p:cxnSp>
+        <p:nvCxnSpPr>
+          <p:cNvPr id="74" name="Straight Arrow Connector 73"/>
+          <p:cNvCxnSpPr>
+            <a:stCxn id="70" idx="3"/>
+            <a:endCxn id="99" idx="1"/>
+          </p:cNvCxnSpPr>
+          <p:nvPr/>
+        </p:nvCxnSpPr>
+        <p:spPr>
+          <a:xfrm>
+            <a:off x="6031832" y="3733799"/>
+            <a:ext cx="457201" cy="0"/>
+          </a:xfrm>
+          <a:prstGeom prst="straightConnector1">
+            <a:avLst/>
+          </a:prstGeom>
+          <a:ln>
+            <a:tailEnd type="arrow"/>
+          </a:ln>
+        </p:spPr>
+        <p:style>
+          <a:lnRef idx="2">
+            <a:schemeClr val="dk1"/>
+          </a:lnRef>
+          <a:fillRef idx="0">
+            <a:schemeClr val="dk1"/>
+          </a:fillRef>
+          <a:effectRef idx="1">
+            <a:schemeClr val="dk1"/>
+          </a:effectRef>
+          <a:fontRef idx="minor">
+            <a:schemeClr val="tx1"/>
+          </a:fontRef>
+        </p:style>
+      </p:cxnSp>
+      <p:cxnSp>
+        <p:nvCxnSpPr>
+          <p:cNvPr id="76" name="Straight Arrow Connector 75"/>
+          <p:cNvCxnSpPr>
+            <a:stCxn id="70" idx="2"/>
+            <a:endCxn id="79" idx="0"/>
+          </p:cNvCxnSpPr>
+          <p:nvPr/>
+        </p:nvCxnSpPr>
+        <p:spPr>
+          <a:xfrm>
+            <a:off x="5229727" y="4146884"/>
+            <a:ext cx="1" cy="411080"/>
+          </a:xfrm>
+          <a:prstGeom prst="straightConnector1">
+            <a:avLst/>
+          </a:prstGeom>
+          <a:ln>
+            <a:tailEnd type="arrow"/>
+          </a:ln>
+        </p:spPr>
+        <p:style>
+          <a:lnRef idx="2">
+            <a:schemeClr val="dk1"/>
+          </a:lnRef>
+          <a:fillRef idx="0">
+            <a:schemeClr val="dk1"/>
+          </a:fillRef>
+          <a:effectRef idx="1">
+            <a:schemeClr val="dk1"/>
+          </a:effectRef>
+          <a:fontRef idx="minor">
+            <a:schemeClr val="tx1"/>
+          </a:fontRef>
+        </p:style>
+      </p:cxnSp>
+      <p:sp>
+        <p:nvSpPr>
+          <p:cNvPr id="79" name="Rectangle 78"/>
+          <p:cNvSpPr/>
+          <p:nvPr/>
+        </p:nvSpPr>
+        <p:spPr>
+          <a:xfrm>
+            <a:off x="4539918" y="4557964"/>
+            <a:ext cx="1379619" cy="407068"/>
+          </a:xfrm>
+          <a:prstGeom prst="rect">
+            <a:avLst/>
+          </a:prstGeom>
+        </p:spPr>
+        <p:style>
+          <a:lnRef idx="2">
+            <a:schemeClr val="dk1"/>
+          </a:lnRef>
+          <a:fillRef idx="1">
+            <a:schemeClr val="lt1"/>
+          </a:fillRef>
+          <a:effectRef idx="0">
+            <a:schemeClr val="dk1"/>
+          </a:effectRef>
+          <a:fontRef idx="minor">
+            <a:schemeClr val="dk1"/>
+          </a:fontRef>
+        </p:style>
+        <p:txBody>
+          <a:bodyPr lIns="0" tIns="0" rIns="0" bIns="0" rtlCol="0" anchor="ctr"/>
+          <a:lstStyle/>
+          <a:p>
+            <a:pPr algn="ctr"/>
+            <a:r>
+              <a:rPr lang="pt-BR" sz="1400" dirty="0" smtClean="0"/>
+              <a:t>Apply more Jelly</a:t>
+            </a:r>
+            <a:endParaRPr lang="en-US" sz="1400" dirty="0"/>
+          </a:p>
+        </p:txBody>
+      </p:sp>
+      <p:cxnSp>
+        <p:nvCxnSpPr>
+          <p:cNvPr id="93" name="Elbow Connector 92"/>
+          <p:cNvCxnSpPr>
+            <a:stCxn id="79" idx="1"/>
+            <a:endCxn id="70" idx="1"/>
+          </p:cNvCxnSpPr>
+          <p:nvPr/>
+        </p:nvCxnSpPr>
+        <p:spPr>
+          <a:xfrm rot="10800000">
+            <a:off x="4427622" y="3733800"/>
+            <a:ext cx="112296" cy="1027699"/>
+          </a:xfrm>
+          <a:prstGeom prst="bentConnector3">
+            <a:avLst>
+              <a:gd name="adj1" fmla="val 303569"/>
+            </a:avLst>
+          </a:prstGeom>
+          <a:ln>
+            <a:tailEnd type="arrow"/>
+          </a:ln>
+        </p:spPr>
+        <p:style>
+          <a:lnRef idx="2">
+            <a:schemeClr val="dk1"/>
+          </a:lnRef>
+          <a:fillRef idx="0">
+            <a:schemeClr val="dk1"/>
+          </a:fillRef>
+          <a:effectRef idx="1">
+            <a:schemeClr val="dk1"/>
+          </a:effectRef>
+          <a:fontRef idx="minor">
+            <a:schemeClr val="tx1"/>
+          </a:fontRef>
+        </p:style>
+      </p:cxnSp>
+      <p:cxnSp>
+        <p:nvCxnSpPr>
+          <p:cNvPr id="96" name="Elbow Connector 95"/>
+          <p:cNvCxnSpPr>
+            <a:stCxn id="6" idx="3"/>
+            <a:endCxn id="24" idx="0"/>
+          </p:cNvCxnSpPr>
+          <p:nvPr/>
+        </p:nvCxnSpPr>
+        <p:spPr>
+          <a:xfrm flipV="1">
+            <a:off x="1892969" y="1323477"/>
+            <a:ext cx="3336759" cy="2338133"/>
+          </a:xfrm>
+          <a:prstGeom prst="bentConnector4">
+            <a:avLst>
+              <a:gd name="adj1" fmla="val 39002"/>
+              <a:gd name="adj2" fmla="val 109777"/>
+            </a:avLst>
+          </a:prstGeom>
+          <a:ln>
+            <a:tailEnd type="arrow"/>
+          </a:ln>
+        </p:spPr>
+        <p:style>
+          <a:lnRef idx="2">
+            <a:schemeClr val="dk1"/>
+          </a:lnRef>
+          <a:fillRef idx="0">
+            <a:schemeClr val="dk1"/>
+          </a:fillRef>
+          <a:effectRef idx="1">
+            <a:schemeClr val="dk1"/>
+          </a:effectRef>
+          <a:fontRef idx="minor">
+            <a:schemeClr val="tx1"/>
+          </a:fontRef>
+        </p:style>
+      </p:cxnSp>
+      <p:sp>
+        <p:nvSpPr>
+          <p:cNvPr id="99" name="Rectangle 98"/>
+          <p:cNvSpPr/>
+          <p:nvPr/>
+        </p:nvSpPr>
+        <p:spPr>
+          <a:xfrm>
+            <a:off x="6489033" y="3530265"/>
+            <a:ext cx="1379619" cy="407068"/>
+          </a:xfrm>
+          <a:prstGeom prst="rect">
+            <a:avLst/>
+          </a:prstGeom>
+        </p:spPr>
+        <p:style>
+          <a:lnRef idx="2">
+            <a:schemeClr val="dk1"/>
+          </a:lnRef>
+          <a:fillRef idx="1">
+            <a:schemeClr val="lt1"/>
+          </a:fillRef>
+          <a:effectRef idx="0">
+            <a:schemeClr val="dk1"/>
+          </a:effectRef>
+          <a:fontRef idx="minor">
+            <a:schemeClr val="dk1"/>
+          </a:fontRef>
+        </p:style>
+        <p:txBody>
+          <a:bodyPr lIns="0" tIns="0" rIns="0" bIns="0" rtlCol="0" anchor="ctr"/>
+          <a:lstStyle/>
+          <a:p>
+            <a:pPr algn="ctr"/>
+            <a:r>
+              <a:rPr lang="pt-BR" sz="1400" dirty="0" smtClean="0"/>
+              <a:t>Put the slice on the first slide</a:t>
+            </a:r>
+            <a:endParaRPr lang="en-US" sz="1400" dirty="0"/>
+          </a:p>
+        </p:txBody>
+      </p:sp>
+      <p:sp>
+        <p:nvSpPr>
+          <p:cNvPr id="102" name="Oval 101"/>
+          <p:cNvSpPr/>
+          <p:nvPr/>
+        </p:nvSpPr>
+        <p:spPr>
+          <a:xfrm>
+            <a:off x="8029074" y="3493168"/>
+            <a:ext cx="1114926" cy="481263"/>
+          </a:xfrm>
+          <a:prstGeom prst="ellipse">
+            <a:avLst/>
+          </a:prstGeom>
+        </p:spPr>
+        <p:style>
+          <a:lnRef idx="2">
+            <a:schemeClr val="dk1"/>
+          </a:lnRef>
+          <a:fillRef idx="1">
+            <a:schemeClr val="lt1"/>
+          </a:fillRef>
+          <a:effectRef idx="0">
+            <a:schemeClr val="dk1"/>
+          </a:effectRef>
+          <a:fontRef idx="minor">
+            <a:schemeClr val="dk1"/>
+          </a:fontRef>
+        </p:style>
+        <p:txBody>
+          <a:bodyPr rtlCol="0" anchor="ctr"/>
+          <a:lstStyle/>
+          <a:p>
+            <a:pPr algn="ctr"/>
+            <a:r>
+              <a:rPr lang="pt-BR" sz="1400" dirty="0" smtClean="0"/>
+              <a:t>End</a:t>
+            </a:r>
+            <a:endParaRPr lang="en-US" sz="1400" dirty="0"/>
+          </a:p>
+        </p:txBody>
+      </p:sp>
+      <p:cxnSp>
+        <p:nvCxnSpPr>
+          <p:cNvPr id="103" name="Straight Arrow Connector 102"/>
+          <p:cNvCxnSpPr>
+            <a:stCxn id="99" idx="3"/>
+            <a:endCxn id="102" idx="2"/>
+          </p:cNvCxnSpPr>
+          <p:nvPr/>
+        </p:nvCxnSpPr>
+        <p:spPr>
+          <a:xfrm>
+            <a:off x="7868652" y="3733799"/>
+            <a:ext cx="160422" cy="1"/>
+          </a:xfrm>
+          <a:prstGeom prst="straightConnector1">
+            <a:avLst/>
+          </a:prstGeom>
+          <a:ln>
+            <a:tailEnd type="arrow"/>
+          </a:ln>
+        </p:spPr>
+        <p:style>
+          <a:lnRef idx="2">
+            <a:schemeClr val="dk1"/>
+          </a:lnRef>
+          <a:fillRef idx="0">
+            <a:schemeClr val="dk1"/>
+          </a:fillRef>
+          <a:effectRef idx="1">
+            <a:schemeClr val="dk1"/>
+          </a:effectRef>
+          <a:fontRef idx="minor">
+            <a:schemeClr val="tx1"/>
+          </a:fontRef>
+        </p:style>
+      </p:cxnSp>
+      <p:sp>
+        <p:nvSpPr>
+          <p:cNvPr id="107" name="TextBox 106"/>
+          <p:cNvSpPr txBox="1"/>
+          <p:nvPr/>
+        </p:nvSpPr>
+        <p:spPr>
+          <a:xfrm>
+            <a:off x="1187115" y="4042611"/>
+            <a:ext cx="513348" cy="307777"/>
+          </a:xfrm>
+          <a:prstGeom prst="rect">
+            <a:avLst/>
+          </a:prstGeom>
+          <a:noFill/>
+        </p:spPr>
+        <p:txBody>
+          <a:bodyPr wrap="square" rtlCol="0">
+            <a:spAutoFit/>
+          </a:bodyPr>
+          <a:lstStyle/>
+          <a:p>
+            <a:r>
+              <a:rPr lang="pt-BR" sz="1400" i="1" dirty="0" smtClean="0"/>
+              <a:t>No</a:t>
+            </a:r>
+            <a:endParaRPr lang="en-US" sz="1400" i="1" dirty="0"/>
+          </a:p>
+        </p:txBody>
+      </p:sp>
+      <p:sp>
+        <p:nvSpPr>
+          <p:cNvPr id="108" name="TextBox 107"/>
+          <p:cNvSpPr txBox="1"/>
+          <p:nvPr/>
+        </p:nvSpPr>
+        <p:spPr>
+          <a:xfrm>
+            <a:off x="1997242" y="3336758"/>
+            <a:ext cx="513348" cy="307777"/>
+          </a:xfrm>
+          <a:prstGeom prst="rect">
+            <a:avLst/>
+          </a:prstGeom>
+          <a:noFill/>
+        </p:spPr>
+        <p:txBody>
+          <a:bodyPr wrap="square" rtlCol="0">
+            <a:spAutoFit/>
+          </a:bodyPr>
+          <a:lstStyle/>
+          <a:p>
+            <a:r>
+              <a:rPr lang="pt-BR" sz="1400" i="1" dirty="0" smtClean="0"/>
+              <a:t>Yes</a:t>
+            </a:r>
+            <a:endParaRPr lang="en-US" sz="1400" i="1" dirty="0"/>
+          </a:p>
+        </p:txBody>
+      </p:sp>
+      <p:sp>
+        <p:nvSpPr>
+          <p:cNvPr id="109" name="TextBox 108"/>
+          <p:cNvSpPr txBox="1"/>
+          <p:nvPr/>
+        </p:nvSpPr>
+        <p:spPr>
+          <a:xfrm>
+            <a:off x="5277852" y="4146885"/>
+            <a:ext cx="513348" cy="307777"/>
+          </a:xfrm>
+          <a:prstGeom prst="rect">
+            <a:avLst/>
+          </a:prstGeom>
+          <a:noFill/>
+        </p:spPr>
+        <p:txBody>
+          <a:bodyPr wrap="square" rtlCol="0">
+            <a:spAutoFit/>
+          </a:bodyPr>
+          <a:lstStyle/>
+          <a:p>
+            <a:r>
+              <a:rPr lang="pt-BR" sz="1400" i="1" dirty="0" smtClean="0"/>
+              <a:t>No</a:t>
+            </a:r>
+            <a:endParaRPr lang="en-US" sz="1400" i="1" dirty="0"/>
+          </a:p>
+        </p:txBody>
+      </p:sp>
+      <p:sp>
+        <p:nvSpPr>
+          <p:cNvPr id="110" name="TextBox 109"/>
+          <p:cNvSpPr txBox="1"/>
+          <p:nvPr/>
+        </p:nvSpPr>
+        <p:spPr>
+          <a:xfrm>
+            <a:off x="5991727" y="3408947"/>
+            <a:ext cx="513348" cy="307777"/>
+          </a:xfrm>
+          <a:prstGeom prst="rect">
+            <a:avLst/>
+          </a:prstGeom>
+          <a:noFill/>
+        </p:spPr>
+        <p:txBody>
+          <a:bodyPr wrap="square" rtlCol="0">
+            <a:spAutoFit/>
+          </a:bodyPr>
+          <a:lstStyle/>
+          <a:p>
+            <a:r>
+              <a:rPr lang="pt-BR" sz="1400" i="1" dirty="0" smtClean="0"/>
+              <a:t>Yes</a:t>
+            </a:r>
+            <a:endParaRPr lang="en-US" sz="1400" i="1" dirty="0"/>
           </a:p>
         </p:txBody>
       </p:sp>
       <p:pic>
         <p:nvPicPr>
-          <p:cNvPr id="7171" name="Picture 3"/>
+          <p:cNvPr id="6146" name="Picture 2"/>
           <p:cNvPicPr>
             <a:picLocks noChangeAspect="1" noChangeArrowheads="1"/>
           </p:cNvPicPr>
@@ -4191,9 +6245,9 @@
           </a:stretch>
         </p:blipFill>
         <p:spPr bwMode="auto">
-          <a:xfrm>
-            <a:off x="6040855" y="3540543"/>
-            <a:ext cx="2973713" cy="1504699"/>
+          <a:xfrm rot="20463133">
+            <a:off x="7234367" y="1039727"/>
+            <a:ext cx="1777595" cy="1109913"/>
           </a:xfrm>
           <a:prstGeom prst="rect">
             <a:avLst/>
@@ -4207,18 +6261,58 @@
           </a:ln>
         </p:spPr>
       </p:pic>
+      <p:sp>
+        <p:nvSpPr>
+          <p:cNvPr id="33" name="Cloud Callout 32"/>
+          <p:cNvSpPr/>
+          <p:nvPr/>
+        </p:nvSpPr>
+        <p:spPr>
+          <a:xfrm>
+            <a:off x="1917030" y="2109537"/>
+            <a:ext cx="2205791" cy="1050758"/>
+          </a:xfrm>
+          <a:prstGeom prst="cloudCallout">
+            <a:avLst>
+              <a:gd name="adj1" fmla="val -55092"/>
+              <a:gd name="adj2" fmla="val 91508"/>
+            </a:avLst>
+          </a:prstGeom>
+        </p:spPr>
+        <p:style>
+          <a:lnRef idx="2">
+            <a:schemeClr val="accent1">
+              <a:shade val="50000"/>
+            </a:schemeClr>
+          </a:lnRef>
+          <a:fillRef idx="1">
+            <a:schemeClr val="accent1"/>
+          </a:fillRef>
+          <a:effectRef idx="0">
+            <a:schemeClr val="accent1"/>
+          </a:effectRef>
+          <a:fontRef idx="minor">
+            <a:schemeClr val="lt1"/>
+          </a:fontRef>
+        </p:style>
+        <p:txBody>
+          <a:bodyPr rtlCol="0" anchor="ctr"/>
+          <a:lstStyle/>
+          <a:p>
+            <a:pPr algn="ctr"/>
+            <a:r>
+              <a:rPr lang="pt-BR" dirty="0" smtClean="0"/>
+              <a:t>Conditions</a:t>
+            </a:r>
+            <a:endParaRPr lang="en-US" dirty="0"/>
+          </a:p>
+        </p:txBody>
+      </p:sp>
     </p:spTree>
   </p:cSld>
   <p:clrMapOvr>
     <a:masterClrMapping/>
   </p:clrMapOvr>
-  <p:timing>
-    <p:tnLst>
-      <p:par>
-        <p:cTn id="1" dur="indefinite" restart="never" nodeType="tmRoot"/>
-      </p:par>
-    </p:tnLst>
-  </p:timing>
 </p:sld>
 </file>
 
@@ -4254,26 +6348,1190 @@
           <a:bodyPr/>
           <a:lstStyle/>
           <a:p>
-            <a:endParaRPr lang="en-US"/>
-          </a:p>
-        </p:txBody>
-      </p:sp>
-      <p:sp>
-        <p:nvSpPr>
-          <p:cNvPr id="3" name="Content Placeholder 2"/>
-          <p:cNvSpPr>
-            <a:spLocks noGrp="1"/>
-          </p:cNvSpPr>
-          <p:nvPr>
-            <p:ph idx="1"/>
-          </p:nvPr>
-        </p:nvSpPr>
-        <p:spPr/>
-        <p:txBody>
-          <a:bodyPr/>
-          <a:lstStyle/>
-          <a:p>
-            <a:endParaRPr lang="en-US"/>
+            <a:r>
+              <a:rPr lang="pt-BR" dirty="0" smtClean="0"/>
+              <a:t>Peanut-Butter-Jelly (PBJ) algorithm</a:t>
+            </a:r>
+            <a:endParaRPr lang="en-US" dirty="0"/>
+          </a:p>
+        </p:txBody>
+      </p:sp>
+      <p:sp>
+        <p:nvSpPr>
+          <p:cNvPr id="4" name="Oval 3"/>
+          <p:cNvSpPr/>
+          <p:nvPr/>
+        </p:nvSpPr>
+        <p:spPr>
+          <a:xfrm>
+            <a:off x="533401" y="1179095"/>
+            <a:ext cx="1114926" cy="481263"/>
+          </a:xfrm>
+          <a:prstGeom prst="ellipse">
+            <a:avLst/>
+          </a:prstGeom>
+        </p:spPr>
+        <p:style>
+          <a:lnRef idx="2">
+            <a:schemeClr val="dk1"/>
+          </a:lnRef>
+          <a:fillRef idx="1">
+            <a:schemeClr val="lt1"/>
+          </a:fillRef>
+          <a:effectRef idx="0">
+            <a:schemeClr val="dk1"/>
+          </a:effectRef>
+          <a:fontRef idx="minor">
+            <a:schemeClr val="dk1"/>
+          </a:fontRef>
+        </p:style>
+        <p:txBody>
+          <a:bodyPr rtlCol="0" anchor="ctr"/>
+          <a:lstStyle/>
+          <a:p>
+            <a:pPr algn="ctr"/>
+            <a:r>
+              <a:rPr lang="pt-BR" sz="1400" dirty="0" smtClean="0"/>
+              <a:t>Start</a:t>
+            </a:r>
+            <a:endParaRPr lang="en-US" sz="1400" dirty="0"/>
+          </a:p>
+        </p:txBody>
+      </p:sp>
+      <p:sp>
+        <p:nvSpPr>
+          <p:cNvPr id="5" name="Rectangle 4"/>
+          <p:cNvSpPr/>
+          <p:nvPr/>
+        </p:nvSpPr>
+        <p:spPr>
+          <a:xfrm>
+            <a:off x="421107" y="1876929"/>
+            <a:ext cx="1339515" cy="457197"/>
+          </a:xfrm>
+          <a:prstGeom prst="rect">
+            <a:avLst/>
+          </a:prstGeom>
+        </p:spPr>
+        <p:style>
+          <a:lnRef idx="2">
+            <a:schemeClr val="dk1"/>
+          </a:lnRef>
+          <a:fillRef idx="1">
+            <a:schemeClr val="lt1"/>
+          </a:fillRef>
+          <a:effectRef idx="0">
+            <a:schemeClr val="dk1"/>
+          </a:effectRef>
+          <a:fontRef idx="minor">
+            <a:schemeClr val="dk1"/>
+          </a:fontRef>
+        </p:style>
+        <p:txBody>
+          <a:bodyPr lIns="0" tIns="0" rIns="0" bIns="0" rtlCol="0" anchor="ctr"/>
+          <a:lstStyle/>
+          <a:p>
+            <a:pPr algn="ctr"/>
+            <a:r>
+              <a:rPr lang="pt-BR" sz="1400" dirty="0" smtClean="0"/>
+              <a:t>Get a slice of bread </a:t>
+            </a:r>
+            <a:endParaRPr lang="en-US" sz="1400" dirty="0"/>
+          </a:p>
+        </p:txBody>
+      </p:sp>
+      <p:sp>
+        <p:nvSpPr>
+          <p:cNvPr id="6" name="Diamond 5"/>
+          <p:cNvSpPr/>
+          <p:nvPr/>
+        </p:nvSpPr>
+        <p:spPr>
+          <a:xfrm>
+            <a:off x="288759" y="3248525"/>
+            <a:ext cx="1604210" cy="826170"/>
+          </a:xfrm>
+          <a:prstGeom prst="diamond">
+            <a:avLst/>
+          </a:prstGeom>
+        </p:spPr>
+        <p:style>
+          <a:lnRef idx="2">
+            <a:schemeClr val="dk1"/>
+          </a:lnRef>
+          <a:fillRef idx="1">
+            <a:schemeClr val="lt1"/>
+          </a:fillRef>
+          <a:effectRef idx="0">
+            <a:schemeClr val="dk1"/>
+          </a:effectRef>
+          <a:fontRef idx="minor">
+            <a:schemeClr val="dk1"/>
+          </a:fontRef>
+        </p:style>
+        <p:txBody>
+          <a:bodyPr lIns="0" tIns="0" rIns="0" bIns="0" rtlCol="0" anchor="ctr"/>
+          <a:lstStyle/>
+          <a:p>
+            <a:pPr algn="ctr"/>
+            <a:r>
+              <a:rPr lang="pt-BR" sz="1400" dirty="0" smtClean="0"/>
+              <a:t>Enough peanut butter</a:t>
+            </a:r>
+            <a:endParaRPr lang="en-US" sz="1400" dirty="0"/>
+          </a:p>
+        </p:txBody>
+      </p:sp>
+      <p:cxnSp>
+        <p:nvCxnSpPr>
+          <p:cNvPr id="8" name="Straight Arrow Connector 7"/>
+          <p:cNvCxnSpPr>
+            <a:stCxn id="4" idx="4"/>
+            <a:endCxn id="5" idx="0"/>
+          </p:cNvCxnSpPr>
+          <p:nvPr/>
+        </p:nvCxnSpPr>
+        <p:spPr>
+          <a:xfrm>
+            <a:off x="1090864" y="1660358"/>
+            <a:ext cx="1" cy="216571"/>
+          </a:xfrm>
+          <a:prstGeom prst="straightConnector1">
+            <a:avLst/>
+          </a:prstGeom>
+          <a:ln>
+            <a:tailEnd type="arrow"/>
+          </a:ln>
+        </p:spPr>
+        <p:style>
+          <a:lnRef idx="2">
+            <a:schemeClr val="dk1"/>
+          </a:lnRef>
+          <a:fillRef idx="0">
+            <a:schemeClr val="dk1"/>
+          </a:fillRef>
+          <a:effectRef idx="1">
+            <a:schemeClr val="dk1"/>
+          </a:effectRef>
+          <a:fontRef idx="minor">
+            <a:schemeClr val="tx1"/>
+          </a:fontRef>
+        </p:style>
+      </p:cxnSp>
+      <p:cxnSp>
+        <p:nvCxnSpPr>
+          <p:cNvPr id="13" name="Straight Arrow Connector 12"/>
+          <p:cNvCxnSpPr>
+            <a:stCxn id="5" idx="2"/>
+            <a:endCxn id="27" idx="0"/>
+          </p:cNvCxnSpPr>
+          <p:nvPr/>
+        </p:nvCxnSpPr>
+        <p:spPr>
+          <a:xfrm flipH="1">
+            <a:off x="1090864" y="2334126"/>
+            <a:ext cx="1" cy="200530"/>
+          </a:xfrm>
+          <a:prstGeom prst="straightConnector1">
+            <a:avLst/>
+          </a:prstGeom>
+          <a:ln>
+            <a:tailEnd type="arrow"/>
+          </a:ln>
+        </p:spPr>
+        <p:style>
+          <a:lnRef idx="2">
+            <a:schemeClr val="dk1"/>
+          </a:lnRef>
+          <a:fillRef idx="0">
+            <a:schemeClr val="dk1"/>
+          </a:fillRef>
+          <a:effectRef idx="1">
+            <a:schemeClr val="dk1"/>
+          </a:effectRef>
+          <a:fontRef idx="minor">
+            <a:schemeClr val="tx1"/>
+          </a:fontRef>
+        </p:style>
+      </p:cxnSp>
+      <p:cxnSp>
+        <p:nvCxnSpPr>
+          <p:cNvPr id="18" name="Straight Arrow Connector 17"/>
+          <p:cNvCxnSpPr>
+            <a:stCxn id="6" idx="2"/>
+            <a:endCxn id="25" idx="0"/>
+          </p:cNvCxnSpPr>
+          <p:nvPr/>
+        </p:nvCxnSpPr>
+        <p:spPr>
+          <a:xfrm>
+            <a:off x="1090864" y="4074695"/>
+            <a:ext cx="1" cy="314827"/>
+          </a:xfrm>
+          <a:prstGeom prst="straightConnector1">
+            <a:avLst/>
+          </a:prstGeom>
+          <a:ln>
+            <a:tailEnd type="arrow"/>
+          </a:ln>
+        </p:spPr>
+        <p:style>
+          <a:lnRef idx="2">
+            <a:schemeClr val="dk1"/>
+          </a:lnRef>
+          <a:fillRef idx="0">
+            <a:schemeClr val="dk1"/>
+          </a:fillRef>
+          <a:effectRef idx="1">
+            <a:schemeClr val="dk1"/>
+          </a:effectRef>
+          <a:fontRef idx="minor">
+            <a:schemeClr val="tx1"/>
+          </a:fontRef>
+        </p:style>
+      </p:cxnSp>
+      <p:sp>
+        <p:nvSpPr>
+          <p:cNvPr id="24" name="Rectangle 23"/>
+          <p:cNvSpPr/>
+          <p:nvPr/>
+        </p:nvSpPr>
+        <p:spPr>
+          <a:xfrm>
+            <a:off x="4495802" y="1323477"/>
+            <a:ext cx="1467851" cy="753979"/>
+          </a:xfrm>
+          <a:prstGeom prst="rect">
+            <a:avLst/>
+          </a:prstGeom>
+        </p:spPr>
+        <p:style>
+          <a:lnRef idx="2">
+            <a:schemeClr val="dk1"/>
+          </a:lnRef>
+          <a:fillRef idx="1">
+            <a:schemeClr val="lt1"/>
+          </a:fillRef>
+          <a:effectRef idx="0">
+            <a:schemeClr val="dk1"/>
+          </a:effectRef>
+          <a:fontRef idx="minor">
+            <a:schemeClr val="dk1"/>
+          </a:fontRef>
+        </p:style>
+        <p:txBody>
+          <a:bodyPr lIns="0" tIns="0" rIns="0" bIns="0" rtlCol="0" anchor="ctr"/>
+          <a:lstStyle/>
+          <a:p>
+            <a:pPr algn="ctr"/>
+            <a:r>
+              <a:rPr lang="pt-BR" sz="1400" dirty="0" smtClean="0"/>
+              <a:t>Take another slice</a:t>
+            </a:r>
+            <a:endParaRPr lang="en-US" sz="1400" dirty="0"/>
+          </a:p>
+        </p:txBody>
+      </p:sp>
+      <p:sp>
+        <p:nvSpPr>
+          <p:cNvPr id="25" name="Rectangle 24"/>
+          <p:cNvSpPr/>
+          <p:nvPr/>
+        </p:nvSpPr>
+        <p:spPr>
+          <a:xfrm>
+            <a:off x="401055" y="4389522"/>
+            <a:ext cx="1379619" cy="407068"/>
+          </a:xfrm>
+          <a:prstGeom prst="rect">
+            <a:avLst/>
+          </a:prstGeom>
+        </p:spPr>
+        <p:style>
+          <a:lnRef idx="2">
+            <a:schemeClr val="dk1"/>
+          </a:lnRef>
+          <a:fillRef idx="1">
+            <a:schemeClr val="lt1"/>
+          </a:fillRef>
+          <a:effectRef idx="0">
+            <a:schemeClr val="dk1"/>
+          </a:effectRef>
+          <a:fontRef idx="minor">
+            <a:schemeClr val="dk1"/>
+          </a:fontRef>
+        </p:style>
+        <p:txBody>
+          <a:bodyPr lIns="0" tIns="0" rIns="0" bIns="0" rtlCol="0" anchor="ctr"/>
+          <a:lstStyle/>
+          <a:p>
+            <a:pPr algn="ctr"/>
+            <a:r>
+              <a:rPr lang="pt-BR" sz="1400" dirty="0" smtClean="0"/>
+              <a:t>Apply more butter</a:t>
+            </a:r>
+            <a:endParaRPr lang="en-US" sz="1400" dirty="0"/>
+          </a:p>
+        </p:txBody>
+      </p:sp>
+      <p:sp>
+        <p:nvSpPr>
+          <p:cNvPr id="27" name="Rectangle 26"/>
+          <p:cNvSpPr/>
+          <p:nvPr/>
+        </p:nvSpPr>
+        <p:spPr>
+          <a:xfrm>
+            <a:off x="385012" y="2534656"/>
+            <a:ext cx="1411704" cy="473239"/>
+          </a:xfrm>
+          <a:prstGeom prst="rect">
+            <a:avLst/>
+          </a:prstGeom>
+        </p:spPr>
+        <p:style>
+          <a:lnRef idx="2">
+            <a:schemeClr val="dk1"/>
+          </a:lnRef>
+          <a:fillRef idx="1">
+            <a:schemeClr val="lt1"/>
+          </a:fillRef>
+          <a:effectRef idx="0">
+            <a:schemeClr val="dk1"/>
+          </a:effectRef>
+          <a:fontRef idx="minor">
+            <a:schemeClr val="dk1"/>
+          </a:fontRef>
+        </p:style>
+        <p:txBody>
+          <a:bodyPr lIns="0" tIns="0" rIns="0" bIns="0" rtlCol="0" anchor="ctr"/>
+          <a:lstStyle/>
+          <a:p>
+            <a:pPr algn="ctr"/>
+            <a:r>
+              <a:rPr lang="pt-BR" sz="1400" dirty="0" smtClean="0"/>
+              <a:t>Spread butter using a knife</a:t>
+            </a:r>
+            <a:endParaRPr lang="en-US" sz="1400" dirty="0"/>
+          </a:p>
+        </p:txBody>
+      </p:sp>
+      <p:cxnSp>
+        <p:nvCxnSpPr>
+          <p:cNvPr id="31" name="Straight Arrow Connector 30"/>
+          <p:cNvCxnSpPr>
+            <a:stCxn id="27" idx="2"/>
+            <a:endCxn id="6" idx="0"/>
+          </p:cNvCxnSpPr>
+          <p:nvPr/>
+        </p:nvCxnSpPr>
+        <p:spPr>
+          <a:xfrm>
+            <a:off x="1090864" y="3007895"/>
+            <a:ext cx="0" cy="240630"/>
+          </a:xfrm>
+          <a:prstGeom prst="straightConnector1">
+            <a:avLst/>
+          </a:prstGeom>
+          <a:ln>
+            <a:tailEnd type="arrow"/>
+          </a:ln>
+        </p:spPr>
+        <p:style>
+          <a:lnRef idx="2">
+            <a:schemeClr val="dk1"/>
+          </a:lnRef>
+          <a:fillRef idx="0">
+            <a:schemeClr val="dk1"/>
+          </a:fillRef>
+          <a:effectRef idx="1">
+            <a:schemeClr val="dk1"/>
+          </a:effectRef>
+          <a:fontRef idx="minor">
+            <a:schemeClr val="tx1"/>
+          </a:fontRef>
+        </p:style>
+      </p:cxnSp>
+      <p:sp>
+        <p:nvSpPr>
+          <p:cNvPr id="57" name="Rectangle 56"/>
+          <p:cNvSpPr/>
+          <p:nvPr/>
+        </p:nvSpPr>
+        <p:spPr>
+          <a:xfrm>
+            <a:off x="4523875" y="2695077"/>
+            <a:ext cx="1411704" cy="473239"/>
+          </a:xfrm>
+          <a:prstGeom prst="rect">
+            <a:avLst/>
+          </a:prstGeom>
+        </p:spPr>
+        <p:style>
+          <a:lnRef idx="2">
+            <a:schemeClr val="dk1"/>
+          </a:lnRef>
+          <a:fillRef idx="1">
+            <a:schemeClr val="lt1"/>
+          </a:fillRef>
+          <a:effectRef idx="0">
+            <a:schemeClr val="dk1"/>
+          </a:effectRef>
+          <a:fontRef idx="minor">
+            <a:schemeClr val="dk1"/>
+          </a:fontRef>
+        </p:style>
+        <p:txBody>
+          <a:bodyPr lIns="0" tIns="0" rIns="0" bIns="0" rtlCol="0" anchor="ctr"/>
+          <a:lstStyle/>
+          <a:p>
+            <a:pPr algn="ctr"/>
+            <a:r>
+              <a:rPr lang="pt-BR" sz="1400" dirty="0" smtClean="0"/>
+              <a:t>Spread jelly using a knife</a:t>
+            </a:r>
+            <a:endParaRPr lang="en-US" sz="1400" dirty="0"/>
+          </a:p>
+        </p:txBody>
+      </p:sp>
+      <p:cxnSp>
+        <p:nvCxnSpPr>
+          <p:cNvPr id="58" name="Straight Arrow Connector 57"/>
+          <p:cNvCxnSpPr>
+            <a:stCxn id="24" idx="2"/>
+            <a:endCxn id="57" idx="0"/>
+          </p:cNvCxnSpPr>
+          <p:nvPr/>
+        </p:nvCxnSpPr>
+        <p:spPr>
+          <a:xfrm flipH="1">
+            <a:off x="5229727" y="2077456"/>
+            <a:ext cx="1" cy="617621"/>
+          </a:xfrm>
+          <a:prstGeom prst="straightConnector1">
+            <a:avLst/>
+          </a:prstGeom>
+          <a:ln>
+            <a:tailEnd type="arrow"/>
+          </a:ln>
+        </p:spPr>
+        <p:style>
+          <a:lnRef idx="2">
+            <a:schemeClr val="dk1"/>
+          </a:lnRef>
+          <a:fillRef idx="0">
+            <a:schemeClr val="dk1"/>
+          </a:fillRef>
+          <a:effectRef idx="1">
+            <a:schemeClr val="dk1"/>
+          </a:effectRef>
+          <a:fontRef idx="minor">
+            <a:schemeClr val="tx1"/>
+          </a:fontRef>
+        </p:style>
+      </p:cxnSp>
+      <p:cxnSp>
+        <p:nvCxnSpPr>
+          <p:cNvPr id="68" name="Elbow Connector 67"/>
+          <p:cNvCxnSpPr>
+            <a:stCxn id="25" idx="1"/>
+            <a:endCxn id="6" idx="1"/>
+          </p:cNvCxnSpPr>
+          <p:nvPr/>
+        </p:nvCxnSpPr>
+        <p:spPr>
+          <a:xfrm rot="10800000">
+            <a:off x="288759" y="3661610"/>
+            <a:ext cx="112296" cy="931446"/>
+          </a:xfrm>
+          <a:prstGeom prst="bentConnector3">
+            <a:avLst>
+              <a:gd name="adj1" fmla="val 303569"/>
+            </a:avLst>
+          </a:prstGeom>
+          <a:ln>
+            <a:tailEnd type="arrow"/>
+          </a:ln>
+        </p:spPr>
+        <p:style>
+          <a:lnRef idx="2">
+            <a:schemeClr val="dk1"/>
+          </a:lnRef>
+          <a:fillRef idx="0">
+            <a:schemeClr val="dk1"/>
+          </a:fillRef>
+          <a:effectRef idx="1">
+            <a:schemeClr val="dk1"/>
+          </a:effectRef>
+          <a:fontRef idx="minor">
+            <a:schemeClr val="tx1"/>
+          </a:fontRef>
+        </p:style>
+      </p:cxnSp>
+      <p:sp>
+        <p:nvSpPr>
+          <p:cNvPr id="70" name="Diamond 69"/>
+          <p:cNvSpPr/>
+          <p:nvPr/>
+        </p:nvSpPr>
+        <p:spPr>
+          <a:xfrm>
+            <a:off x="4427622" y="3320714"/>
+            <a:ext cx="1604210" cy="826170"/>
+          </a:xfrm>
+          <a:prstGeom prst="diamond">
+            <a:avLst/>
+          </a:prstGeom>
+        </p:spPr>
+        <p:style>
+          <a:lnRef idx="2">
+            <a:schemeClr val="dk1"/>
+          </a:lnRef>
+          <a:fillRef idx="1">
+            <a:schemeClr val="lt1"/>
+          </a:fillRef>
+          <a:effectRef idx="0">
+            <a:schemeClr val="dk1"/>
+          </a:effectRef>
+          <a:fontRef idx="minor">
+            <a:schemeClr val="dk1"/>
+          </a:fontRef>
+        </p:style>
+        <p:txBody>
+          <a:bodyPr lIns="0" tIns="0" rIns="0" bIns="0" rtlCol="0" anchor="ctr"/>
+          <a:lstStyle/>
+          <a:p>
+            <a:pPr algn="ctr"/>
+            <a:r>
+              <a:rPr lang="pt-BR" sz="1400" dirty="0" smtClean="0"/>
+              <a:t>Enough peanut butter</a:t>
+            </a:r>
+            <a:endParaRPr lang="en-US" sz="1400" dirty="0"/>
+          </a:p>
+        </p:txBody>
+      </p:sp>
+      <p:cxnSp>
+        <p:nvCxnSpPr>
+          <p:cNvPr id="71" name="Straight Arrow Connector 70"/>
+          <p:cNvCxnSpPr>
+            <a:stCxn id="57" idx="2"/>
+            <a:endCxn id="70" idx="0"/>
+          </p:cNvCxnSpPr>
+          <p:nvPr/>
+        </p:nvCxnSpPr>
+        <p:spPr>
+          <a:xfrm>
+            <a:off x="5229727" y="3168316"/>
+            <a:ext cx="0" cy="152398"/>
+          </a:xfrm>
+          <a:prstGeom prst="straightConnector1">
+            <a:avLst/>
+          </a:prstGeom>
+          <a:ln>
+            <a:tailEnd type="arrow"/>
+          </a:ln>
+        </p:spPr>
+        <p:style>
+          <a:lnRef idx="2">
+            <a:schemeClr val="dk1"/>
+          </a:lnRef>
+          <a:fillRef idx="0">
+            <a:schemeClr val="dk1"/>
+          </a:fillRef>
+          <a:effectRef idx="1">
+            <a:schemeClr val="dk1"/>
+          </a:effectRef>
+          <a:fontRef idx="minor">
+            <a:schemeClr val="tx1"/>
+          </a:fontRef>
+        </p:style>
+      </p:cxnSp>
+      <p:cxnSp>
+        <p:nvCxnSpPr>
+          <p:cNvPr id="74" name="Straight Arrow Connector 73"/>
+          <p:cNvCxnSpPr>
+            <a:stCxn id="70" idx="3"/>
+            <a:endCxn id="99" idx="1"/>
+          </p:cNvCxnSpPr>
+          <p:nvPr/>
+        </p:nvCxnSpPr>
+        <p:spPr>
+          <a:xfrm>
+            <a:off x="6031832" y="3733799"/>
+            <a:ext cx="457201" cy="0"/>
+          </a:xfrm>
+          <a:prstGeom prst="straightConnector1">
+            <a:avLst/>
+          </a:prstGeom>
+          <a:ln>
+            <a:tailEnd type="arrow"/>
+          </a:ln>
+        </p:spPr>
+        <p:style>
+          <a:lnRef idx="2">
+            <a:schemeClr val="dk1"/>
+          </a:lnRef>
+          <a:fillRef idx="0">
+            <a:schemeClr val="dk1"/>
+          </a:fillRef>
+          <a:effectRef idx="1">
+            <a:schemeClr val="dk1"/>
+          </a:effectRef>
+          <a:fontRef idx="minor">
+            <a:schemeClr val="tx1"/>
+          </a:fontRef>
+        </p:style>
+      </p:cxnSp>
+      <p:cxnSp>
+        <p:nvCxnSpPr>
+          <p:cNvPr id="76" name="Straight Arrow Connector 75"/>
+          <p:cNvCxnSpPr>
+            <a:stCxn id="70" idx="2"/>
+            <a:endCxn id="79" idx="0"/>
+          </p:cNvCxnSpPr>
+          <p:nvPr/>
+        </p:nvCxnSpPr>
+        <p:spPr>
+          <a:xfrm>
+            <a:off x="5229727" y="4146884"/>
+            <a:ext cx="1" cy="411080"/>
+          </a:xfrm>
+          <a:prstGeom prst="straightConnector1">
+            <a:avLst/>
+          </a:prstGeom>
+          <a:ln>
+            <a:tailEnd type="arrow"/>
+          </a:ln>
+        </p:spPr>
+        <p:style>
+          <a:lnRef idx="2">
+            <a:schemeClr val="dk1"/>
+          </a:lnRef>
+          <a:fillRef idx="0">
+            <a:schemeClr val="dk1"/>
+          </a:fillRef>
+          <a:effectRef idx="1">
+            <a:schemeClr val="dk1"/>
+          </a:effectRef>
+          <a:fontRef idx="minor">
+            <a:schemeClr val="tx1"/>
+          </a:fontRef>
+        </p:style>
+      </p:cxnSp>
+      <p:sp>
+        <p:nvSpPr>
+          <p:cNvPr id="79" name="Rectangle 78"/>
+          <p:cNvSpPr/>
+          <p:nvPr/>
+        </p:nvSpPr>
+        <p:spPr>
+          <a:xfrm>
+            <a:off x="4539918" y="4557964"/>
+            <a:ext cx="1379619" cy="407068"/>
+          </a:xfrm>
+          <a:prstGeom prst="rect">
+            <a:avLst/>
+          </a:prstGeom>
+        </p:spPr>
+        <p:style>
+          <a:lnRef idx="2">
+            <a:schemeClr val="dk1"/>
+          </a:lnRef>
+          <a:fillRef idx="1">
+            <a:schemeClr val="lt1"/>
+          </a:fillRef>
+          <a:effectRef idx="0">
+            <a:schemeClr val="dk1"/>
+          </a:effectRef>
+          <a:fontRef idx="minor">
+            <a:schemeClr val="dk1"/>
+          </a:fontRef>
+        </p:style>
+        <p:txBody>
+          <a:bodyPr lIns="0" tIns="0" rIns="0" bIns="0" rtlCol="0" anchor="ctr"/>
+          <a:lstStyle/>
+          <a:p>
+            <a:pPr algn="ctr"/>
+            <a:r>
+              <a:rPr lang="pt-BR" sz="1400" dirty="0" smtClean="0"/>
+              <a:t>Apply more Jelly</a:t>
+            </a:r>
+            <a:endParaRPr lang="en-US" sz="1400" dirty="0"/>
+          </a:p>
+        </p:txBody>
+      </p:sp>
+      <p:cxnSp>
+        <p:nvCxnSpPr>
+          <p:cNvPr id="93" name="Elbow Connector 92"/>
+          <p:cNvCxnSpPr>
+            <a:stCxn id="79" idx="1"/>
+            <a:endCxn id="70" idx="1"/>
+          </p:cNvCxnSpPr>
+          <p:nvPr/>
+        </p:nvCxnSpPr>
+        <p:spPr>
+          <a:xfrm rot="10800000">
+            <a:off x="4427622" y="3733800"/>
+            <a:ext cx="112296" cy="1027699"/>
+          </a:xfrm>
+          <a:prstGeom prst="bentConnector3">
+            <a:avLst>
+              <a:gd name="adj1" fmla="val 303569"/>
+            </a:avLst>
+          </a:prstGeom>
+          <a:ln>
+            <a:tailEnd type="arrow"/>
+          </a:ln>
+        </p:spPr>
+        <p:style>
+          <a:lnRef idx="2">
+            <a:schemeClr val="dk1"/>
+          </a:lnRef>
+          <a:fillRef idx="0">
+            <a:schemeClr val="dk1"/>
+          </a:fillRef>
+          <a:effectRef idx="1">
+            <a:schemeClr val="dk1"/>
+          </a:effectRef>
+          <a:fontRef idx="minor">
+            <a:schemeClr val="tx1"/>
+          </a:fontRef>
+        </p:style>
+      </p:cxnSp>
+      <p:cxnSp>
+        <p:nvCxnSpPr>
+          <p:cNvPr id="96" name="Elbow Connector 95"/>
+          <p:cNvCxnSpPr>
+            <a:stCxn id="6" idx="3"/>
+            <a:endCxn id="24" idx="0"/>
+          </p:cNvCxnSpPr>
+          <p:nvPr/>
+        </p:nvCxnSpPr>
+        <p:spPr>
+          <a:xfrm flipV="1">
+            <a:off x="1892969" y="1323477"/>
+            <a:ext cx="3336759" cy="2338133"/>
+          </a:xfrm>
+          <a:prstGeom prst="bentConnector4">
+            <a:avLst>
+              <a:gd name="adj1" fmla="val 39002"/>
+              <a:gd name="adj2" fmla="val 109777"/>
+            </a:avLst>
+          </a:prstGeom>
+          <a:ln>
+            <a:tailEnd type="arrow"/>
+          </a:ln>
+        </p:spPr>
+        <p:style>
+          <a:lnRef idx="2">
+            <a:schemeClr val="dk1"/>
+          </a:lnRef>
+          <a:fillRef idx="0">
+            <a:schemeClr val="dk1"/>
+          </a:fillRef>
+          <a:effectRef idx="1">
+            <a:schemeClr val="dk1"/>
+          </a:effectRef>
+          <a:fontRef idx="minor">
+            <a:schemeClr val="tx1"/>
+          </a:fontRef>
+        </p:style>
+      </p:cxnSp>
+      <p:sp>
+        <p:nvSpPr>
+          <p:cNvPr id="99" name="Rectangle 98"/>
+          <p:cNvSpPr/>
+          <p:nvPr/>
+        </p:nvSpPr>
+        <p:spPr>
+          <a:xfrm>
+            <a:off x="6489033" y="3530265"/>
+            <a:ext cx="1379619" cy="407068"/>
+          </a:xfrm>
+          <a:prstGeom prst="rect">
+            <a:avLst/>
+          </a:prstGeom>
+        </p:spPr>
+        <p:style>
+          <a:lnRef idx="2">
+            <a:schemeClr val="dk1"/>
+          </a:lnRef>
+          <a:fillRef idx="1">
+            <a:schemeClr val="lt1"/>
+          </a:fillRef>
+          <a:effectRef idx="0">
+            <a:schemeClr val="dk1"/>
+          </a:effectRef>
+          <a:fontRef idx="minor">
+            <a:schemeClr val="dk1"/>
+          </a:fontRef>
+        </p:style>
+        <p:txBody>
+          <a:bodyPr lIns="0" tIns="0" rIns="0" bIns="0" rtlCol="0" anchor="ctr"/>
+          <a:lstStyle/>
+          <a:p>
+            <a:pPr algn="ctr"/>
+            <a:r>
+              <a:rPr lang="pt-BR" sz="1400" dirty="0" smtClean="0"/>
+              <a:t>Put the slice on the first slide</a:t>
+            </a:r>
+            <a:endParaRPr lang="en-US" sz="1400" dirty="0"/>
+          </a:p>
+        </p:txBody>
+      </p:sp>
+      <p:sp>
+        <p:nvSpPr>
+          <p:cNvPr id="102" name="Oval 101"/>
+          <p:cNvSpPr/>
+          <p:nvPr/>
+        </p:nvSpPr>
+        <p:spPr>
+          <a:xfrm>
+            <a:off x="8029074" y="3493168"/>
+            <a:ext cx="1114926" cy="481263"/>
+          </a:xfrm>
+          <a:prstGeom prst="ellipse">
+            <a:avLst/>
+          </a:prstGeom>
+        </p:spPr>
+        <p:style>
+          <a:lnRef idx="2">
+            <a:schemeClr val="dk1"/>
+          </a:lnRef>
+          <a:fillRef idx="1">
+            <a:schemeClr val="lt1"/>
+          </a:fillRef>
+          <a:effectRef idx="0">
+            <a:schemeClr val="dk1"/>
+          </a:effectRef>
+          <a:fontRef idx="minor">
+            <a:schemeClr val="dk1"/>
+          </a:fontRef>
+        </p:style>
+        <p:txBody>
+          <a:bodyPr rtlCol="0" anchor="ctr"/>
+          <a:lstStyle/>
+          <a:p>
+            <a:pPr algn="ctr"/>
+            <a:r>
+              <a:rPr lang="pt-BR" sz="1400" dirty="0" smtClean="0"/>
+              <a:t>End</a:t>
+            </a:r>
+            <a:endParaRPr lang="en-US" sz="1400" dirty="0"/>
+          </a:p>
+        </p:txBody>
+      </p:sp>
+      <p:cxnSp>
+        <p:nvCxnSpPr>
+          <p:cNvPr id="103" name="Straight Arrow Connector 102"/>
+          <p:cNvCxnSpPr>
+            <a:stCxn id="99" idx="3"/>
+            <a:endCxn id="102" idx="2"/>
+          </p:cNvCxnSpPr>
+          <p:nvPr/>
+        </p:nvCxnSpPr>
+        <p:spPr>
+          <a:xfrm>
+            <a:off x="7868652" y="3733799"/>
+            <a:ext cx="160422" cy="1"/>
+          </a:xfrm>
+          <a:prstGeom prst="straightConnector1">
+            <a:avLst/>
+          </a:prstGeom>
+          <a:ln>
+            <a:tailEnd type="arrow"/>
+          </a:ln>
+        </p:spPr>
+        <p:style>
+          <a:lnRef idx="2">
+            <a:schemeClr val="dk1"/>
+          </a:lnRef>
+          <a:fillRef idx="0">
+            <a:schemeClr val="dk1"/>
+          </a:fillRef>
+          <a:effectRef idx="1">
+            <a:schemeClr val="dk1"/>
+          </a:effectRef>
+          <a:fontRef idx="minor">
+            <a:schemeClr val="tx1"/>
+          </a:fontRef>
+        </p:style>
+      </p:cxnSp>
+      <p:sp>
+        <p:nvSpPr>
+          <p:cNvPr id="107" name="TextBox 106"/>
+          <p:cNvSpPr txBox="1"/>
+          <p:nvPr/>
+        </p:nvSpPr>
+        <p:spPr>
+          <a:xfrm>
+            <a:off x="1187115" y="4042611"/>
+            <a:ext cx="513348" cy="307777"/>
+          </a:xfrm>
+          <a:prstGeom prst="rect">
+            <a:avLst/>
+          </a:prstGeom>
+          <a:noFill/>
+        </p:spPr>
+        <p:txBody>
+          <a:bodyPr wrap="square" rtlCol="0">
+            <a:spAutoFit/>
+          </a:bodyPr>
+          <a:lstStyle/>
+          <a:p>
+            <a:r>
+              <a:rPr lang="pt-BR" sz="1400" i="1" dirty="0" smtClean="0"/>
+              <a:t>No</a:t>
+            </a:r>
+            <a:endParaRPr lang="en-US" sz="1400" i="1" dirty="0"/>
+          </a:p>
+        </p:txBody>
+      </p:sp>
+      <p:sp>
+        <p:nvSpPr>
+          <p:cNvPr id="108" name="TextBox 107"/>
+          <p:cNvSpPr txBox="1"/>
+          <p:nvPr/>
+        </p:nvSpPr>
+        <p:spPr>
+          <a:xfrm>
+            <a:off x="1997242" y="3336758"/>
+            <a:ext cx="513348" cy="307777"/>
+          </a:xfrm>
+          <a:prstGeom prst="rect">
+            <a:avLst/>
+          </a:prstGeom>
+          <a:noFill/>
+        </p:spPr>
+        <p:txBody>
+          <a:bodyPr wrap="square" rtlCol="0">
+            <a:spAutoFit/>
+          </a:bodyPr>
+          <a:lstStyle/>
+          <a:p>
+            <a:r>
+              <a:rPr lang="pt-BR" sz="1400" i="1" dirty="0" smtClean="0"/>
+              <a:t>Yes</a:t>
+            </a:r>
+            <a:endParaRPr lang="en-US" sz="1400" i="1" dirty="0"/>
+          </a:p>
+        </p:txBody>
+      </p:sp>
+      <p:sp>
+        <p:nvSpPr>
+          <p:cNvPr id="109" name="TextBox 108"/>
+          <p:cNvSpPr txBox="1"/>
+          <p:nvPr/>
+        </p:nvSpPr>
+        <p:spPr>
+          <a:xfrm>
+            <a:off x="5277852" y="4146885"/>
+            <a:ext cx="513348" cy="307777"/>
+          </a:xfrm>
+          <a:prstGeom prst="rect">
+            <a:avLst/>
+          </a:prstGeom>
+          <a:noFill/>
+        </p:spPr>
+        <p:txBody>
+          <a:bodyPr wrap="square" rtlCol="0">
+            <a:spAutoFit/>
+          </a:bodyPr>
+          <a:lstStyle/>
+          <a:p>
+            <a:r>
+              <a:rPr lang="pt-BR" sz="1400" i="1" dirty="0" smtClean="0"/>
+              <a:t>No</a:t>
+            </a:r>
+            <a:endParaRPr lang="en-US" sz="1400" i="1" dirty="0"/>
+          </a:p>
+        </p:txBody>
+      </p:sp>
+      <p:sp>
+        <p:nvSpPr>
+          <p:cNvPr id="110" name="TextBox 109"/>
+          <p:cNvSpPr txBox="1"/>
+          <p:nvPr/>
+        </p:nvSpPr>
+        <p:spPr>
+          <a:xfrm>
+            <a:off x="5991727" y="3408947"/>
+            <a:ext cx="513348" cy="307777"/>
+          </a:xfrm>
+          <a:prstGeom prst="rect">
+            <a:avLst/>
+          </a:prstGeom>
+          <a:noFill/>
+        </p:spPr>
+        <p:txBody>
+          <a:bodyPr wrap="square" rtlCol="0">
+            <a:spAutoFit/>
+          </a:bodyPr>
+          <a:lstStyle/>
+          <a:p>
+            <a:r>
+              <a:rPr lang="pt-BR" sz="1400" i="1" dirty="0" smtClean="0"/>
+              <a:t>Yes</a:t>
+            </a:r>
+            <a:endParaRPr lang="en-US" sz="1400" i="1" dirty="0"/>
+          </a:p>
+        </p:txBody>
+      </p:sp>
+      <p:pic>
+        <p:nvPicPr>
+          <p:cNvPr id="6146" name="Picture 2"/>
+          <p:cNvPicPr>
+            <a:picLocks noChangeAspect="1" noChangeArrowheads="1"/>
+          </p:cNvPicPr>
+          <p:nvPr/>
+        </p:nvPicPr>
+        <p:blipFill>
+          <a:blip r:embed="rId2" cstate="print"/>
+          <a:srcRect/>
+          <a:stretch>
+            <a:fillRect/>
+          </a:stretch>
+        </p:blipFill>
+        <p:spPr bwMode="auto">
+          <a:xfrm rot="20463133">
+            <a:off x="7234367" y="1039727"/>
+            <a:ext cx="1777595" cy="1109913"/>
+          </a:xfrm>
+          <a:prstGeom prst="rect">
+            <a:avLst/>
+          </a:prstGeom>
+          <a:noFill/>
+          <a:ln w="9525">
+            <a:noFill/>
+            <a:miter lim="800000"/>
+            <a:headEnd/>
+            <a:tailEnd/>
+          </a:ln>
+        </p:spPr>
+      </p:pic>
+      <p:sp>
+        <p:nvSpPr>
+          <p:cNvPr id="32" name="Curved Left Arrow 31"/>
+          <p:cNvSpPr/>
+          <p:nvPr/>
+        </p:nvSpPr>
+        <p:spPr>
+          <a:xfrm>
+            <a:off x="770021" y="4026569"/>
+            <a:ext cx="368969" cy="601579"/>
+          </a:xfrm>
+          <a:prstGeom prst="curvedLeftArrow">
+            <a:avLst/>
+          </a:prstGeom>
+        </p:spPr>
+        <p:style>
+          <a:lnRef idx="2">
+            <a:schemeClr val="accent1">
+              <a:shade val="50000"/>
+            </a:schemeClr>
+          </a:lnRef>
+          <a:fillRef idx="1">
+            <a:schemeClr val="accent1"/>
+          </a:fillRef>
+          <a:effectRef idx="0">
+            <a:schemeClr val="accent1"/>
+          </a:effectRef>
+          <a:fontRef idx="minor">
+            <a:schemeClr val="lt1"/>
+          </a:fontRef>
+        </p:style>
+        <p:txBody>
+          <a:bodyPr rtlCol="0" anchor="ctr"/>
+          <a:lstStyle/>
+          <a:p>
+            <a:pPr algn="ctr"/>
+            <a:endParaRPr lang="en-US">
+              <a:solidFill>
+                <a:schemeClr val="tx1"/>
+              </a:solidFill>
+            </a:endParaRPr>
+          </a:p>
+        </p:txBody>
+      </p:sp>
+      <p:sp>
+        <p:nvSpPr>
+          <p:cNvPr id="34" name="Curved Left Arrow 33"/>
+          <p:cNvSpPr/>
+          <p:nvPr/>
+        </p:nvSpPr>
+        <p:spPr>
+          <a:xfrm rot="10393050">
+            <a:off x="146525" y="4074694"/>
+            <a:ext cx="368969" cy="601579"/>
+          </a:xfrm>
+          <a:prstGeom prst="curvedLeftArrow">
+            <a:avLst/>
+          </a:prstGeom>
+        </p:spPr>
+        <p:style>
+          <a:lnRef idx="2">
+            <a:schemeClr val="accent1">
+              <a:shade val="50000"/>
+            </a:schemeClr>
+          </a:lnRef>
+          <a:fillRef idx="1">
+            <a:schemeClr val="accent1"/>
+          </a:fillRef>
+          <a:effectRef idx="0">
+            <a:schemeClr val="accent1"/>
+          </a:effectRef>
+          <a:fontRef idx="minor">
+            <a:schemeClr val="lt1"/>
+          </a:fontRef>
+        </p:style>
+        <p:txBody>
+          <a:bodyPr rtlCol="0" anchor="ctr"/>
+          <a:lstStyle/>
+          <a:p>
+            <a:pPr algn="ctr"/>
+            <a:endParaRPr lang="en-US">
+              <a:solidFill>
+                <a:schemeClr val="tx1"/>
+              </a:solidFill>
+            </a:endParaRPr>
+          </a:p>
+        </p:txBody>
+      </p:sp>
+      <p:sp>
+        <p:nvSpPr>
+          <p:cNvPr id="35" name="TextBox 34"/>
+          <p:cNvSpPr txBox="1"/>
+          <p:nvPr/>
+        </p:nvSpPr>
+        <p:spPr>
+          <a:xfrm>
+            <a:off x="320842" y="4074695"/>
+            <a:ext cx="866273" cy="369332"/>
+          </a:xfrm>
+          <a:prstGeom prst="rect">
+            <a:avLst/>
+          </a:prstGeom>
+          <a:noFill/>
+        </p:spPr>
+        <p:txBody>
+          <a:bodyPr wrap="square" rtlCol="0">
+            <a:spAutoFit/>
+          </a:bodyPr>
+          <a:lstStyle/>
+          <a:p>
+            <a:r>
+              <a:rPr lang="pt-BR" b="1" dirty="0" smtClean="0">
+                <a:solidFill>
+                  <a:srgbClr val="FF0000"/>
+                </a:solidFill>
+              </a:rPr>
+              <a:t>Loop</a:t>
+            </a:r>
+            <a:endParaRPr lang="en-US" b="1" dirty="0">
+              <a:solidFill>
+                <a:srgbClr val="FF0000"/>
+              </a:solidFill>
+            </a:endParaRPr>
           </a:p>
         </p:txBody>
       </p:sp>
@@ -4317,7 +7575,7 @@
           <a:bodyPr/>
           <a:lstStyle/>
           <a:p>
-            <a:endParaRPr lang="en-US"/>
+            <a:endParaRPr lang="en-US" dirty="0"/>
           </a:p>
         </p:txBody>
       </p:sp>
@@ -4340,6 +7598,38 @@
           </a:p>
         </p:txBody>
       </p:sp>
+      <p:pic>
+        <p:nvPicPr>
+          <p:cNvPr id="4" name="Picture 3"/>
+          <p:cNvPicPr>
+            <a:picLocks noChangeAspect="1" noChangeArrowheads="1"/>
+          </p:cNvPicPr>
+          <p:nvPr/>
+        </p:nvPicPr>
+        <p:blipFill>
+          <a:blip r:embed="rId2" cstate="print"/>
+          <a:srcRect/>
+          <a:stretch>
+            <a:fillRect/>
+          </a:stretch>
+        </p:blipFill>
+        <p:spPr bwMode="auto">
+          <a:xfrm>
+            <a:off x="6505574" y="1409200"/>
+            <a:ext cx="2020804" cy="2020804"/>
+          </a:xfrm>
+          <a:prstGeom prst="rect">
+            <a:avLst/>
+          </a:prstGeom>
+          <a:noFill/>
+          <a:ln w="9525">
+            <a:noFill/>
+            <a:miter lim="800000"/>
+            <a:headEnd/>
+            <a:tailEnd/>
+          </a:ln>
+        </p:spPr>
+      </p:pic>
     </p:spTree>
   </p:cSld>
   <p:clrMapOvr>
@@ -4380,7 +7670,11 @@
           <a:bodyPr/>
           <a:lstStyle/>
           <a:p>
-            <a:endParaRPr lang="en-US"/>
+            <a:r>
+              <a:rPr lang="pt-BR" dirty="0" smtClean="0"/>
+              <a:t>PERL</a:t>
+            </a:r>
+            <a:endParaRPr lang="en-US" dirty="0"/>
           </a:p>
         </p:txBody>
       </p:sp>
@@ -4399,82 +7693,157 @@
           <a:bodyPr/>
           <a:lstStyle/>
           <a:p>
-            <a:endParaRPr lang="en-US"/>
-          </a:p>
-        </p:txBody>
-      </p:sp>
+            <a:r>
+              <a:rPr lang="en-US" dirty="0" smtClean="0"/>
+              <a:t>Perl is an interpreted high-level programming language developed by Larry Wall</a:t>
+            </a:r>
+            <a:r>
+              <a:rPr lang="en-US" dirty="0" smtClean="0"/>
+              <a:t>.</a:t>
+            </a:r>
+          </a:p>
+          <a:p>
+            <a:r>
+              <a:rPr lang="en-US" dirty="0" smtClean="0">
+                <a:latin typeface="Arial" pitchFamily="34" charset="0"/>
+              </a:rPr>
+              <a:t>Easy to learn compared to most languages</a:t>
+            </a:r>
+          </a:p>
+          <a:p>
+            <a:r>
+              <a:rPr lang="en-US" dirty="0" smtClean="0">
+                <a:latin typeface="Arial" pitchFamily="34" charset="0"/>
+              </a:rPr>
+              <a:t>Designed for working with text files</a:t>
+            </a:r>
+          </a:p>
+          <a:p>
+            <a:r>
+              <a:rPr lang="en-US" b="1" dirty="0" smtClean="0">
+                <a:latin typeface="Arial" pitchFamily="34" charset="0"/>
+              </a:rPr>
+              <a:t>Free</a:t>
+            </a:r>
+            <a:r>
+              <a:rPr lang="en-US" dirty="0" smtClean="0">
+                <a:latin typeface="Arial" pitchFamily="34" charset="0"/>
+              </a:rPr>
+              <a:t> for </a:t>
+            </a:r>
+            <a:r>
+              <a:rPr lang="en-US" b="1" u="sng" dirty="0" smtClean="0">
+                <a:latin typeface="Arial" pitchFamily="34" charset="0"/>
+              </a:rPr>
+              <a:t>all</a:t>
+            </a:r>
+            <a:r>
+              <a:rPr lang="en-US" dirty="0" smtClean="0">
+                <a:latin typeface="Arial" pitchFamily="34" charset="0"/>
+              </a:rPr>
+              <a:t> operating systems</a:t>
+            </a:r>
+          </a:p>
+          <a:p>
+            <a:r>
+              <a:rPr lang="en-US" dirty="0" smtClean="0">
+                <a:latin typeface="Arial" pitchFamily="34" charset="0"/>
+              </a:rPr>
+              <a:t>Most popular language in bioinformatics – many scripts available you can </a:t>
+            </a:r>
+            <a:r>
+              <a:rPr lang="ja-JP" altLang="en-US" smtClean="0">
+                <a:latin typeface="Arial" pitchFamily="34" charset="0"/>
+              </a:rPr>
+              <a:t>“</a:t>
+            </a:r>
+            <a:r>
+              <a:rPr lang="en-US" altLang="ja-JP" dirty="0" smtClean="0">
+                <a:latin typeface="Arial" pitchFamily="34" charset="0"/>
+              </a:rPr>
+              <a:t>borrow</a:t>
+            </a:r>
+            <a:r>
+              <a:rPr lang="ja-JP" altLang="en-US" smtClean="0">
+                <a:latin typeface="Arial" pitchFamily="34" charset="0"/>
+              </a:rPr>
+              <a:t>”</a:t>
+            </a:r>
+            <a:r>
+              <a:rPr lang="en-US" altLang="ja-JP" dirty="0" smtClean="0">
+                <a:latin typeface="Arial" pitchFamily="34" charset="0"/>
+              </a:rPr>
+              <a:t>, also </a:t>
+            </a:r>
+            <a:r>
+              <a:rPr lang="en-US" altLang="ja-JP" dirty="0" smtClean="0">
+                <a:latin typeface="Arial" pitchFamily="34" charset="0"/>
+              </a:rPr>
+              <a:t>readymade </a:t>
+            </a:r>
+            <a:r>
+              <a:rPr lang="en-US" altLang="ja-JP" dirty="0" smtClean="0">
+                <a:latin typeface="Arial" pitchFamily="34" charset="0"/>
+              </a:rPr>
+              <a:t>modules.</a:t>
+            </a:r>
+            <a:endParaRPr lang="en-US" dirty="0" smtClean="0">
+              <a:latin typeface="Arial" pitchFamily="34" charset="0"/>
+            </a:endParaRPr>
+          </a:p>
+          <a:p>
+            <a:endParaRPr lang="en-US" dirty="0"/>
+          </a:p>
+        </p:txBody>
+      </p:sp>
+      <p:pic>
+        <p:nvPicPr>
+          <p:cNvPr id="7171" name="Picture 3"/>
+          <p:cNvPicPr>
+            <a:picLocks noChangeAspect="1" noChangeArrowheads="1"/>
+          </p:cNvPicPr>
+          <p:nvPr/>
+        </p:nvPicPr>
+        <p:blipFill>
+          <a:blip r:embed="rId2" cstate="print"/>
+          <a:srcRect/>
+          <a:stretch>
+            <a:fillRect/>
+          </a:stretch>
+        </p:blipFill>
+        <p:spPr bwMode="auto">
+          <a:xfrm>
+            <a:off x="6161171" y="0"/>
+            <a:ext cx="2148639" cy="1087211"/>
+          </a:xfrm>
+          <a:prstGeom prst="rect">
+            <a:avLst/>
+          </a:prstGeom>
+          <a:noFill/>
+          <a:ln w="9525">
+            <a:noFill/>
+            <a:miter lim="800000"/>
+            <a:headEnd/>
+            <a:tailEnd/>
+          </a:ln>
+        </p:spPr>
+      </p:pic>
     </p:spTree>
   </p:cSld>
   <p:clrMapOvr>
     <a:masterClrMapping/>
   </p:clrMapOvr>
+  <p:timing>
+    <p:tnLst>
+      <p:par>
+        <p:cTn id="1" dur="indefinite" restart="never" nodeType="tmRoot"/>
+      </p:par>
+    </p:tnLst>
+  </p:timing>
 </p:sld>
 </file>
 
 <file path=ppt/slides/slide15.xml><?xml version="1.0" encoding="utf-8"?>
-<p:sld xmlns:a="http://schemas.openxmlformats.org/drawingml/2006/main" xmlns:r="http://schemas.openxmlformats.org/officeDocument/2006/relationships" xmlns:p="http://schemas.openxmlformats.org/presentationml/2006/main">
-  <p:cSld>
-    <p:spTree>
-      <p:nvGrpSpPr>
-        <p:cNvPr id="1" name=""/>
-        <p:cNvGrpSpPr/>
-        <p:nvPr/>
-      </p:nvGrpSpPr>
-      <p:grpSpPr>
-        <a:xfrm>
-          <a:off x="0" y="0"/>
-          <a:ext cx="0" cy="0"/>
-          <a:chOff x="0" y="0"/>
-          <a:chExt cx="0" cy="0"/>
-        </a:xfrm>
-      </p:grpSpPr>
-      <p:sp>
-        <p:nvSpPr>
-          <p:cNvPr id="2" name="Title 1"/>
-          <p:cNvSpPr>
-            <a:spLocks noGrp="1"/>
-          </p:cNvSpPr>
-          <p:nvPr>
-            <p:ph type="title"/>
-          </p:nvPr>
-        </p:nvSpPr>
-        <p:spPr/>
-        <p:txBody>
-          <a:bodyPr/>
-          <a:lstStyle/>
-          <a:p>
-            <a:endParaRPr lang="en-US"/>
-          </a:p>
-        </p:txBody>
-      </p:sp>
-      <p:sp>
-        <p:nvSpPr>
-          <p:cNvPr id="3" name="Content Placeholder 2"/>
-          <p:cNvSpPr>
-            <a:spLocks noGrp="1"/>
-          </p:cNvSpPr>
-          <p:nvPr>
-            <p:ph idx="1"/>
-          </p:nvPr>
-        </p:nvSpPr>
-        <p:spPr/>
-        <p:txBody>
-          <a:bodyPr/>
-          <a:lstStyle/>
-          <a:p>
-            <a:endParaRPr lang="en-US"/>
-          </a:p>
-        </p:txBody>
-      </p:sp>
-    </p:spTree>
-  </p:cSld>
-  <p:clrMapOvr>
-    <a:masterClrMapping/>
-  </p:clrMapOvr>
-</p:sld>
-</file>
-
-<file path=ppt/slides/slide16.xml><?xml version="1.0" encoding="utf-8"?>
 <p:sld xmlns:a="http://schemas.openxmlformats.org/drawingml/2006/main" xmlns:r="http://schemas.openxmlformats.org/officeDocument/2006/relationships" xmlns:p="http://schemas.openxmlformats.org/presentationml/2006/main">
   <p:cSld>
     <p:spTree>
@@ -4660,7 +8029,6 @@
               <a:rPr lang="pt-BR" dirty="0" smtClean="0"/>
               <a:t>Sequential and conditional execution</a:t>
             </a:r>
-            <a:endParaRPr lang="pt-BR" dirty="0" smtClean="0"/>
           </a:p>
           <a:p>
             <a:endParaRPr lang="pt-BR" dirty="0" smtClean="0"/>
@@ -4722,11 +8090,7 @@
           <a:p>
             <a:r>
               <a:rPr lang="pt-BR" dirty="0" smtClean="0"/>
-              <a:t>Computer </a:t>
-            </a:r>
-            <a:r>
-              <a:rPr lang="pt-BR" dirty="0" smtClean="0"/>
-              <a:t>program</a:t>
+              <a:t>Computer program</a:t>
             </a:r>
             <a:endParaRPr lang="en-US" dirty="0"/>
           </a:p>
@@ -4757,21 +8121,13 @@
             </a:r>
             <a:r>
               <a:rPr lang="en-US" dirty="0" smtClean="0"/>
-              <a:t> that performs a specific task when executed by a </a:t>
-            </a:r>
+              <a:t> that performs a specific task when executed by a computer.</a:t>
+            </a:r>
+          </a:p>
+          <a:p>
             <a:r>
               <a:rPr lang="en-US" dirty="0" smtClean="0"/>
-              <a:t>computer.</a:t>
-            </a:r>
-          </a:p>
-          <a:p>
-            <a:r>
-              <a:rPr lang="en-US" dirty="0" smtClean="0"/>
-              <a:t>A formal “language” that humans use to write programs </a:t>
-            </a:r>
-            <a:r>
-              <a:rPr lang="en-US" dirty="0" smtClean="0"/>
-              <a:t>is known as </a:t>
+              <a:t>A formal “language” that humans use to write programs is known as </a:t>
             </a:r>
             <a:r>
               <a:rPr lang="en-US" b="1" dirty="0" smtClean="0"/>
@@ -4798,15 +8154,7 @@
             </a:r>
             <a:r>
               <a:rPr lang="pt-BR" dirty="0" smtClean="0"/>
-              <a:t>of a </a:t>
-            </a:r>
-            <a:r>
-              <a:rPr lang="pt-BR" dirty="0" smtClean="0"/>
-              <a:t>computer </a:t>
-            </a:r>
-            <a:r>
-              <a:rPr lang="pt-BR" dirty="0" smtClean="0"/>
-              <a:t>understands only binary language (0/1).</a:t>
+              <a:t>of a computer understands only binary language (0/1).</a:t>
             </a:r>
           </a:p>
           <a:p>
@@ -5831,15 +9179,15 @@
         </p:nvPicPr>
         <p:blipFill>
           <a:blip r:embed="rId2" cstate="print"/>
-          <a:srcRect/>
+          <a:srcRect t="17836"/>
           <a:stretch>
             <a:fillRect/>
           </a:stretch>
         </p:blipFill>
         <p:spPr bwMode="auto">
           <a:xfrm>
-            <a:off x="376990" y="1026695"/>
-            <a:ext cx="5797230" cy="2743200"/>
+            <a:off x="376988" y="1203158"/>
+            <a:ext cx="8520477" cy="3312694"/>
           </a:xfrm>
           <a:prstGeom prst="rect">
             <a:avLst/>
@@ -5853,38 +9201,29 @@
           </a:ln>
         </p:spPr>
       </p:pic>
-      <p:pic>
-        <p:nvPicPr>
-          <p:cNvPr id="4099" name="Picture 3"/>
-          <p:cNvPicPr>
-            <a:picLocks noChangeAspect="1" noChangeArrowheads="1"/>
-          </p:cNvPicPr>
-          <p:nvPr/>
-        </p:nvPicPr>
-        <p:blipFill>
-          <a:blip r:embed="rId3" cstate="print"/>
-          <a:srcRect/>
-          <a:stretch>
-            <a:fillRect/>
-          </a:stretch>
-        </p:blipFill>
-        <p:spPr bwMode="auto">
-          <a:xfrm>
-            <a:off x="4185737" y="2977815"/>
-            <a:ext cx="4210764" cy="1786689"/>
-          </a:xfrm>
-          <a:prstGeom prst="rect">
-            <a:avLst/>
-          </a:prstGeom>
-          <a:noFill/>
-          <a:ln w="9525">
-            <a:noFill/>
-            <a:miter lim="800000"/>
-            <a:headEnd/>
-            <a:tailEnd/>
-          </a:ln>
-        </p:spPr>
-      </p:pic>
+      <p:sp>
+        <p:nvSpPr>
+          <p:cNvPr id="4" name="Title 3"/>
+          <p:cNvSpPr>
+            <a:spLocks noGrp="1"/>
+          </p:cNvSpPr>
+          <p:nvPr>
+            <p:ph type="title"/>
+          </p:nvPr>
+        </p:nvSpPr>
+        <p:spPr/>
+        <p:txBody>
+          <a:bodyPr/>
+          <a:lstStyle/>
+          <a:p>
+            <a:r>
+              <a:rPr lang="pt-BR" dirty="0" smtClean="0"/>
+              <a:t>Pros and Cons</a:t>
+            </a:r>
+            <a:endParaRPr lang="en-US" dirty="0"/>
+          </a:p>
+        </p:txBody>
+      </p:sp>
     </p:spTree>
   </p:cSld>
   <p:clrMapOvr>
@@ -5950,11 +9289,7 @@
           <a:p>
             <a:r>
               <a:rPr lang="en-US" dirty="0" smtClean="0"/>
-              <a:t>Computer programming is really a lot like writing a </a:t>
-            </a:r>
-            <a:r>
-              <a:rPr lang="en-US" dirty="0" smtClean="0"/>
-              <a:t>recipe to solve a problem .</a:t>
+              <a:t>Computer programming is really a lot like writing a recipe to solve a problem .</a:t>
             </a:r>
           </a:p>
           <a:p>

--- a/PPTs/Programming-fundamentals.pptx
+++ b/PPTs/Programming-fundamentals.pptx
@@ -20,8 +20,8 @@
     <p:sldId id="272" r:id="rId11"/>
     <p:sldId id="273" r:id="rId12"/>
     <p:sldId id="274" r:id="rId13"/>
-    <p:sldId id="271" r:id="rId14"/>
-    <p:sldId id="259" r:id="rId15"/>
+    <p:sldId id="259" r:id="rId14"/>
+    <p:sldId id="271" r:id="rId15"/>
     <p:sldId id="261" r:id="rId16"/>
   </p:sldIdLst>
   <p:sldSz cx="9144000" cy="5143500" type="screen16x9"/>
@@ -207,7 +207,7 @@
             <a:fld id="{FB00CB33-F79B-4237-894C-2C062F10FEDF}" type="datetimeFigureOut">
               <a:rPr lang="en-US" smtClean="0"/>
               <a:pPr/>
-              <a:t>5/8/2017</a:t>
+              <a:t>5/12/2017</a:t>
             </a:fld>
             <a:endParaRPr lang="en-US"/>
           </a:p>
@@ -837,7 +837,7 @@
             <a:fld id="{C8A432C8-69A7-458B-9684-2BFA64B31948}" type="datetime2">
               <a:rPr lang="en-US" smtClean="0"/>
               <a:pPr/>
-              <a:t>Monday, May 08, 2017</a:t>
+              <a:t>Friday, May 12, 2017</a:t>
             </a:fld>
             <a:endParaRPr lang="en-US"/>
           </a:p>
@@ -1040,7 +1040,7 @@
             <a:fld id="{8CC057FC-95B6-4D89-AFDA-ABA33EE921E5}" type="datetime2">
               <a:rPr lang="en-US" smtClean="0"/>
               <a:pPr/>
-              <a:t>Monday, May 08, 2017</a:t>
+              <a:t>Friday, May 12, 2017</a:t>
             </a:fld>
             <a:endParaRPr lang="en-US"/>
           </a:p>
@@ -1218,7 +1218,7 @@
             <a:fld id="{EC4549AC-EB31-477F-92A9-B1988E232878}" type="datetime2">
               <a:rPr lang="en-US" smtClean="0"/>
               <a:pPr/>
-              <a:t>Monday, May 08, 2017</a:t>
+              <a:t>Friday, May 12, 2017</a:t>
             </a:fld>
             <a:endParaRPr lang="en-US"/>
           </a:p>
@@ -1386,7 +1386,7 @@
             <a:fld id="{6396A3A3-94A6-4E5B-AF39-173ACA3E61CC}" type="datetime2">
               <a:rPr lang="en-US" smtClean="0"/>
               <a:pPr/>
-              <a:t>Monday, May 08, 2017</a:t>
+              <a:t>Friday, May 12, 2017</a:t>
             </a:fld>
             <a:endParaRPr lang="en-US"/>
           </a:p>
@@ -1637,7 +1637,7 @@
             <a:fld id="{9933D019-A32C-4EAD-B8E6-DBDA699692FD}" type="datetime2">
               <a:rPr lang="en-US" smtClean="0"/>
               <a:pPr/>
-              <a:t>Monday, May 08, 2017</a:t>
+              <a:t>Friday, May 12, 2017</a:t>
             </a:fld>
             <a:endParaRPr lang="en-US"/>
           </a:p>
@@ -1958,7 +1958,7 @@
             <a:fld id="{CCEBA98F-560C-4997-81C4-81D4D9187EAB}" type="datetime2">
               <a:rPr lang="en-US" smtClean="0"/>
               <a:pPr/>
-              <a:t>Monday, May 08, 2017</a:t>
+              <a:t>Friday, May 12, 2017</a:t>
             </a:fld>
             <a:endParaRPr lang="en-US"/>
           </a:p>
@@ -2427,7 +2427,7 @@
             <a:fld id="{150972B2-CA5C-437D-87D0-8081271A9E4B}" type="datetime2">
               <a:rPr lang="en-US" smtClean="0"/>
               <a:pPr/>
-              <a:t>Monday, May 08, 2017</a:t>
+              <a:t>Friday, May 12, 2017</a:t>
             </a:fld>
             <a:endParaRPr lang="en-US"/>
           </a:p>
@@ -2578,7 +2578,7 @@
             <a:fld id="{79CD4847-11EF-4466-A8AD-85CDB7B49118}" type="datetime2">
               <a:rPr lang="en-US" smtClean="0"/>
               <a:pPr/>
-              <a:t>Monday, May 08, 2017</a:t>
+              <a:t>Friday, May 12, 2017</a:t>
             </a:fld>
             <a:endParaRPr lang="en-US"/>
           </a:p>
@@ -2671,7 +2671,7 @@
             <a:fld id="{F168457A-3AB9-4880-8A0C-9F8524491207}" type="datetime2">
               <a:rPr lang="en-US" smtClean="0"/>
               <a:pPr/>
-              <a:t>Monday, May 08, 2017</a:t>
+              <a:t>Friday, May 12, 2017</a:t>
             </a:fld>
             <a:endParaRPr lang="en-US"/>
           </a:p>
@@ -2948,7 +2948,7 @@
             <a:fld id="{3FE976D3-5B7F-4300-ABED-C91F1B2AE209}" type="datetime2">
               <a:rPr lang="en-US" smtClean="0"/>
               <a:pPr/>
-              <a:t>Monday, May 08, 2017</a:t>
+              <a:t>Friday, May 12, 2017</a:t>
             </a:fld>
             <a:endParaRPr lang="en-US"/>
           </a:p>
@@ -3256,7 +3256,7 @@
             <a:fld id="{EBDC1E59-17DD-41CE-97CA-624A472382D4}" type="datetime2">
               <a:rPr lang="en-US" smtClean="0"/>
               <a:pPr/>
-              <a:t>Monday, May 08, 2017</a:t>
+              <a:t>Friday, May 12, 2017</a:t>
             </a:fld>
             <a:endParaRPr lang="en-US"/>
           </a:p>
@@ -3557,7 +3557,7 @@
             <a:fld id="{A80CB818-7379-467D-8E76-EF9D9074A26C}" type="datetime2">
               <a:rPr lang="en-US" smtClean="0"/>
               <a:pPr/>
-              <a:t>Monday, May 08, 2017</a:t>
+              <a:t>Friday, May 12, 2017</a:t>
             </a:fld>
             <a:endParaRPr lang="en-US" dirty="0"/>
           </a:p>
@@ -4002,7 +4002,7 @@
     </p:spTree>
     <p:extLst>
       <p:ext uri="{BB962C8B-B14F-4D97-AF65-F5344CB8AC3E}">
-        <p14:creationId xmlns:p14="http://schemas.microsoft.com/office/powerpoint/2010/main" xmlns="" val="182139768"/>
+        <p14:creationId xmlns="" xmlns:p14="http://schemas.microsoft.com/office/powerpoint/2010/main" val="182139768"/>
       </p:ext>
     </p:extLst>
   </p:cSld>
@@ -7572,10 +7572,40 @@
         </p:nvSpPr>
         <p:spPr/>
         <p:txBody>
-          <a:bodyPr/>
-          <a:lstStyle/>
-          <a:p>
-            <a:endParaRPr lang="en-US" dirty="0"/>
+          <a:bodyPr>
+            <a:normAutofit/>
+          </a:bodyPr>
+          <a:lstStyle/>
+          <a:p>
+            <a:r>
+              <a:rPr lang="pt-BR" dirty="0" smtClean="0"/>
+              <a:t>PERL </a:t>
+            </a:r>
+            <a:r>
+              <a:rPr lang="pt-BR" sz="2800" dirty="0" smtClean="0"/>
+              <a:t>(</a:t>
+            </a:r>
+            <a:r>
+              <a:rPr lang="en-US" sz="2800" dirty="0" smtClean="0"/>
+              <a:t>Practical </a:t>
+            </a:r>
+            <a:r>
+              <a:rPr lang="en-US" sz="2800" dirty="0" smtClean="0"/>
+              <a:t>Extraction </a:t>
+            </a:r>
+            <a:r>
+              <a:rPr lang="en-US" sz="2800" dirty="0" smtClean="0"/>
+              <a:t>and Report </a:t>
+            </a:r>
+            <a:r>
+              <a:rPr lang="en-US" sz="2800" dirty="0" smtClean="0"/>
+              <a:t>Language</a:t>
+            </a:r>
+            <a:r>
+              <a:rPr lang="pt-BR" sz="2800" dirty="0" smtClean="0"/>
+              <a:t>)</a:t>
+            </a:r>
+            <a:endParaRPr lang="en-US" sz="2800" dirty="0"/>
           </a:p>
         </p:txBody>
       </p:sp>
@@ -7591,16 +7621,100 @@
         </p:nvSpPr>
         <p:spPr/>
         <p:txBody>
-          <a:bodyPr/>
-          <a:lstStyle/>
-          <a:p>
-            <a:endParaRPr lang="en-US"/>
+          <a:bodyPr>
+            <a:normAutofit/>
+          </a:bodyPr>
+          <a:lstStyle/>
+          <a:p>
+            <a:r>
+              <a:rPr lang="en-US" dirty="0" smtClean="0"/>
+              <a:t>Perl is an interpreted high-level programming language developed by Larry Wall.</a:t>
+            </a:r>
+          </a:p>
+          <a:p>
+            <a:r>
+              <a:rPr lang="en-US" dirty="0" smtClean="0">
+                <a:latin typeface="Arial" pitchFamily="34" charset="0"/>
+              </a:rPr>
+              <a:t>Easy to learn compared to most languages</a:t>
+            </a:r>
+          </a:p>
+          <a:p>
+            <a:r>
+              <a:rPr lang="en-US" dirty="0" smtClean="0">
+                <a:latin typeface="Arial" pitchFamily="34" charset="0"/>
+              </a:rPr>
+              <a:t>Designed for working with </a:t>
+            </a:r>
+            <a:r>
+              <a:rPr lang="en-US" b="1" dirty="0" smtClean="0">
+                <a:latin typeface="Arial" pitchFamily="34" charset="0"/>
+              </a:rPr>
+              <a:t>text files. (DNA/Protein)</a:t>
+            </a:r>
+            <a:endParaRPr lang="en-US" b="1" dirty="0" smtClean="0">
+              <a:latin typeface="Arial" pitchFamily="34" charset="0"/>
+            </a:endParaRPr>
+          </a:p>
+          <a:p>
+            <a:r>
+              <a:rPr lang="en-US" b="1" dirty="0" smtClean="0">
+                <a:latin typeface="Arial" pitchFamily="34" charset="0"/>
+              </a:rPr>
+              <a:t>Free</a:t>
+            </a:r>
+            <a:r>
+              <a:rPr lang="en-US" dirty="0" smtClean="0">
+                <a:latin typeface="Arial" pitchFamily="34" charset="0"/>
+              </a:rPr>
+              <a:t> for </a:t>
+            </a:r>
+            <a:r>
+              <a:rPr lang="en-US" b="1" u="sng" dirty="0" smtClean="0">
+                <a:latin typeface="Arial" pitchFamily="34" charset="0"/>
+              </a:rPr>
+              <a:t>all</a:t>
+            </a:r>
+            <a:r>
+              <a:rPr lang="en-US" dirty="0" smtClean="0">
+                <a:latin typeface="Arial" pitchFamily="34" charset="0"/>
+              </a:rPr>
+              <a:t> operating </a:t>
+            </a:r>
+            <a:r>
+              <a:rPr lang="en-US" dirty="0" smtClean="0">
+                <a:latin typeface="Arial" pitchFamily="34" charset="0"/>
+              </a:rPr>
+              <a:t>systems</a:t>
+            </a:r>
+          </a:p>
+          <a:p>
+            <a:r>
+              <a:rPr lang="pt-BR" dirty="0" smtClean="0">
+                <a:latin typeface="Arial" pitchFamily="34" charset="0"/>
+              </a:rPr>
+              <a:t>Webserver/database integration</a:t>
+            </a:r>
+          </a:p>
+          <a:p>
+            <a:r>
+              <a:rPr lang="en-US" dirty="0" smtClean="0">
+                <a:latin typeface="Arial" pitchFamily="34" charset="0"/>
+              </a:rPr>
+              <a:t>regular expression matching and string manipulation</a:t>
+            </a:r>
+            <a:endParaRPr lang="en-US" dirty="0" smtClean="0">
+              <a:latin typeface="Arial" pitchFamily="34" charset="0"/>
+            </a:endParaRPr>
+          </a:p>
+          <a:p>
+            <a:endParaRPr lang="en-US" dirty="0"/>
           </a:p>
         </p:txBody>
       </p:sp>
       <p:pic>
         <p:nvPicPr>
-          <p:cNvPr id="4" name="Picture 3"/>
+          <p:cNvPr id="7171" name="Picture 3"/>
           <p:cNvPicPr>
             <a:picLocks noChangeAspect="1" noChangeArrowheads="1"/>
           </p:cNvPicPr>
@@ -7615,8 +7729,8 @@
         </p:blipFill>
         <p:spPr bwMode="auto">
           <a:xfrm>
-            <a:off x="6505574" y="1409200"/>
-            <a:ext cx="2020804" cy="2020804"/>
+            <a:off x="6802856" y="0"/>
+            <a:ext cx="2148639" cy="1087211"/>
           </a:xfrm>
           <a:prstGeom prst="rect">
             <a:avLst/>
@@ -7635,6 +7749,13 @@
   <p:clrMapOvr>
     <a:masterClrMapping/>
   </p:clrMapOvr>
+  <p:timing>
+    <p:tnLst>
+      <p:par>
+        <p:cTn id="1" dur="indefinite" restart="never" nodeType="tmRoot"/>
+      </p:par>
+    </p:tnLst>
+  </p:timing>
 </p:sld>
 </file>
 
@@ -7672,7 +7793,7 @@
           <a:p>
             <a:r>
               <a:rPr lang="pt-BR" dirty="0" smtClean="0"/>
-              <a:t>PERL</a:t>
+              <a:t>PERL and Bioinformatics</a:t>
             </a:r>
             <a:endParaRPr lang="en-US" dirty="0"/>
           </a:p>
@@ -7690,24 +7811,66 @@
         </p:nvSpPr>
         <p:spPr/>
         <p:txBody>
-          <a:bodyPr/>
-          <a:lstStyle/>
-          <a:p>
-            <a:r>
-              <a:rPr lang="en-US" dirty="0" smtClean="0"/>
-              <a:t>Perl is an interpreted high-level programming language developed by Larry Wall</a:t>
-            </a:r>
-            <a:r>
-              <a:rPr lang="en-US" dirty="0" smtClean="0"/>
-              <a:t>.</a:t>
-            </a:r>
-          </a:p>
+          <a:bodyPr>
+            <a:normAutofit lnSpcReduction="10000"/>
+          </a:bodyPr>
+          <a:lstStyle/>
           <a:p>
             <a:r>
               <a:rPr lang="en-US" dirty="0" smtClean="0">
                 <a:latin typeface="Arial" pitchFamily="34" charset="0"/>
               </a:rPr>
-              <a:t>Easy to learn compared to most languages</a:t>
+              <a:t>Most popular language in bioinformatics </a:t>
+            </a:r>
+          </a:p>
+          <a:p>
+            <a:pPr lvl="1"/>
+            <a:r>
+              <a:rPr lang="pt-BR" dirty="0" smtClean="0"/>
+              <a:t>Format conversion (</a:t>
+            </a:r>
+            <a:r>
+              <a:rPr lang="en-US" dirty="0" smtClean="0"/>
+              <a:t>slicing, dicing, twisting, wringing, smoothing, summarizing </a:t>
+            </a:r>
+            <a:r>
+              <a:rPr lang="pt-BR" dirty="0" smtClean="0"/>
+              <a:t>) on commandline</a:t>
+            </a:r>
+          </a:p>
+          <a:p>
+            <a:pPr lvl="1"/>
+            <a:r>
+              <a:rPr lang="pt-BR" dirty="0" smtClean="0"/>
+              <a:t>Run pipelines</a:t>
+            </a:r>
+          </a:p>
+          <a:p>
+            <a:pPr lvl="1"/>
+            <a:r>
+              <a:rPr lang="pt-BR" dirty="0" smtClean="0"/>
+              <a:t>Organize files </a:t>
+            </a:r>
+          </a:p>
+          <a:p>
+            <a:pPr lvl="1"/>
+            <a:r>
+              <a:rPr lang="pt-BR" dirty="0" smtClean="0"/>
+              <a:t>Create simple plots</a:t>
+            </a:r>
+          </a:p>
+          <a:p>
+            <a:pPr lvl="1"/>
+            <a:r>
+              <a:rPr lang="pt-BR" dirty="0" smtClean="0"/>
+              <a:t>Glue multiple programming langages</a:t>
+            </a:r>
+          </a:p>
+          <a:p>
+            <a:pPr lvl="1"/>
+            <a:r>
+              <a:rPr lang="pt-BR" dirty="0" smtClean="0"/>
+              <a:t>Download data from internet</a:t>
             </a:r>
           </a:p>
           <a:p>
@@ -7715,41 +7878,7 @@
               <a:rPr lang="en-US" dirty="0" smtClean="0">
                 <a:latin typeface="Arial" pitchFamily="34" charset="0"/>
               </a:rPr>
-              <a:t>Designed for working with text files</a:t>
-            </a:r>
-          </a:p>
-          <a:p>
-            <a:r>
-              <a:rPr lang="en-US" b="1" dirty="0" smtClean="0">
-                <a:latin typeface="Arial" pitchFamily="34" charset="0"/>
-              </a:rPr>
-              <a:t>Free</a:t>
-            </a:r>
-            <a:r>
-              <a:rPr lang="en-US" dirty="0" smtClean="0">
-                <a:latin typeface="Arial" pitchFamily="34" charset="0"/>
-              </a:rPr>
-              <a:t> for </a:t>
-            </a:r>
-            <a:r>
-              <a:rPr lang="en-US" b="1" u="sng" dirty="0" smtClean="0">
-                <a:latin typeface="Arial" pitchFamily="34" charset="0"/>
-              </a:rPr>
-              <a:t>all</a:t>
-            </a:r>
-            <a:r>
-              <a:rPr lang="en-US" dirty="0" smtClean="0">
-                <a:latin typeface="Arial" pitchFamily="34" charset="0"/>
-              </a:rPr>
-              <a:t> operating systems</a:t>
-            </a:r>
-          </a:p>
-          <a:p>
-            <a:r>
-              <a:rPr lang="en-US" dirty="0" smtClean="0">
-                <a:latin typeface="Arial" pitchFamily="34" charset="0"/>
-              </a:rPr>
-              <a:t>Most popular language in bioinformatics – many scripts available you can </a:t>
+              <a:t>many scripts available you can </a:t>
             </a:r>
             <a:r>
               <a:rPr lang="ja-JP" altLang="en-US" smtClean="0">
@@ -7773,32 +7902,15 @@
               <a:rPr lang="en-US" altLang="ja-JP" dirty="0" smtClean="0">
                 <a:latin typeface="Arial" pitchFamily="34" charset="0"/>
               </a:rPr>
-              <a:t>, also </a:t>
-            </a:r>
-            <a:r>
-              <a:rPr lang="en-US" altLang="ja-JP" dirty="0" smtClean="0">
-                <a:latin typeface="Arial" pitchFamily="34" charset="0"/>
-              </a:rPr>
-              <a:t>readymade </a:t>
-            </a:r>
-            <a:r>
-              <a:rPr lang="en-US" altLang="ja-JP" dirty="0" smtClean="0">
-                <a:latin typeface="Arial" pitchFamily="34" charset="0"/>
-              </a:rPr>
-              <a:t>modules.</a:t>
-            </a:r>
-            <a:endParaRPr lang="en-US" dirty="0" smtClean="0">
-              <a:latin typeface="Arial" pitchFamily="34" charset="0"/>
-            </a:endParaRPr>
-          </a:p>
-          <a:p>
+              <a:t>, also readymade modules</a:t>
+            </a:r>
             <a:endParaRPr lang="en-US" dirty="0"/>
           </a:p>
         </p:txBody>
       </p:sp>
       <p:pic>
         <p:nvPicPr>
-          <p:cNvPr id="7171" name="Picture 3"/>
+          <p:cNvPr id="4" name="Picture 3"/>
           <p:cNvPicPr>
             <a:picLocks noChangeAspect="1" noChangeArrowheads="1"/>
           </p:cNvPicPr>
@@ -7813,8 +7925,8 @@
         </p:blipFill>
         <p:spPr bwMode="auto">
           <a:xfrm>
-            <a:off x="6161171" y="0"/>
-            <a:ext cx="2148639" cy="1087211"/>
+            <a:off x="7708231" y="120316"/>
+            <a:ext cx="1227221" cy="1227221"/>
           </a:xfrm>
           <a:prstGeom prst="rect">
             <a:avLst/>
@@ -7833,13 +7945,6 @@
   <p:clrMapOvr>
     <a:masterClrMapping/>
   </p:clrMapOvr>
-  <p:timing>
-    <p:tnLst>
-      <p:par>
-        <p:cTn id="1" dur="indefinite" restart="never" nodeType="tmRoot"/>
-      </p:par>
-    </p:tnLst>
-  </p:timing>
 </p:sld>
 </file>
 
@@ -7860,44 +7965,6 @@
           <a:chExt cx="0" cy="0"/>
         </a:xfrm>
       </p:grpSpPr>
-      <p:sp>
-        <p:nvSpPr>
-          <p:cNvPr id="2" name="Title 1"/>
-          <p:cNvSpPr>
-            <a:spLocks noGrp="1"/>
-          </p:cNvSpPr>
-          <p:nvPr>
-            <p:ph type="title"/>
-          </p:nvPr>
-        </p:nvSpPr>
-        <p:spPr/>
-        <p:txBody>
-          <a:bodyPr/>
-          <a:lstStyle/>
-          <a:p>
-            <a:endParaRPr lang="en-US"/>
-          </a:p>
-        </p:txBody>
-      </p:sp>
-      <p:sp>
-        <p:nvSpPr>
-          <p:cNvPr id="3" name="Content Placeholder 2"/>
-          <p:cNvSpPr>
-            <a:spLocks noGrp="1"/>
-          </p:cNvSpPr>
-          <p:nvPr>
-            <p:ph idx="1"/>
-          </p:nvPr>
-        </p:nvSpPr>
-        <p:spPr/>
-        <p:txBody>
-          <a:bodyPr/>
-          <a:lstStyle/>
-          <a:p>
-            <a:endParaRPr lang="en-US"/>
-          </a:p>
-        </p:txBody>
-      </p:sp>
       <p:pic>
         <p:nvPicPr>
           <p:cNvPr id="3074" name="Picture 2"/>
@@ -7930,6 +7997,161 @@
           </a:ln>
         </p:spPr>
       </p:pic>
+      <p:pic>
+        <p:nvPicPr>
+          <p:cNvPr id="1026" name="Picture 2"/>
+          <p:cNvPicPr>
+            <a:picLocks noChangeAspect="1" noChangeArrowheads="1"/>
+          </p:cNvPicPr>
+          <p:nvPr/>
+        </p:nvPicPr>
+        <p:blipFill>
+          <a:blip r:embed="rId3" cstate="print"/>
+          <a:srcRect/>
+          <a:stretch>
+            <a:fillRect/>
+          </a:stretch>
+        </p:blipFill>
+        <p:spPr bwMode="auto">
+          <a:xfrm>
+            <a:off x="1482642" y="3922796"/>
+            <a:ext cx="1285875" cy="361950"/>
+          </a:xfrm>
+          <a:prstGeom prst="rect">
+            <a:avLst/>
+          </a:prstGeom>
+          <a:noFill/>
+          <a:ln w="9525">
+            <a:noFill/>
+            <a:miter lim="800000"/>
+            <a:headEnd/>
+            <a:tailEnd/>
+          </a:ln>
+        </p:spPr>
+      </p:pic>
+      <p:sp>
+        <p:nvSpPr>
+          <p:cNvPr id="6" name="Rectangle 5"/>
+          <p:cNvSpPr/>
+          <p:nvPr/>
+        </p:nvSpPr>
+        <p:spPr>
+          <a:xfrm>
+            <a:off x="2788531" y="1163601"/>
+            <a:ext cx="3647152" cy="923330"/>
+          </a:xfrm>
+          <a:prstGeom prst="rect">
+            <a:avLst/>
+          </a:prstGeom>
+          <a:noFill/>
+        </p:spPr>
+        <p:txBody>
+          <a:bodyPr wrap="none" lIns="91440" tIns="45720" rIns="91440" bIns="45720">
+            <a:spAutoFit/>
+          </a:bodyPr>
+          <a:lstStyle/>
+          <a:p>
+            <a:pPr algn="ctr"/>
+            <a:r>
+              <a:rPr lang="en-US" sz="5400" b="1" cap="none" spc="0" dirty="0" smtClean="0">
+                <a:ln w="10541" cmpd="sng">
+                  <a:solidFill>
+                    <a:schemeClr val="accent1">
+                      <a:shade val="88000"/>
+                      <a:satMod val="110000"/>
+                    </a:schemeClr>
+                  </a:solidFill>
+                  <a:prstDash val="solid"/>
+                </a:ln>
+                <a:gradFill>
+                  <a:gsLst>
+                    <a:gs pos="0">
+                      <a:schemeClr val="accent1">
+                        <a:tint val="40000"/>
+                        <a:satMod val="250000"/>
+                      </a:schemeClr>
+                    </a:gs>
+                    <a:gs pos="9000">
+                      <a:schemeClr val="accent1">
+                        <a:tint val="52000"/>
+                        <a:satMod val="300000"/>
+                      </a:schemeClr>
+                    </a:gs>
+                    <a:gs pos="50000">
+                      <a:schemeClr val="accent1">
+                        <a:shade val="20000"/>
+                        <a:satMod val="300000"/>
+                      </a:schemeClr>
+                    </a:gs>
+                    <a:gs pos="79000">
+                      <a:schemeClr val="accent1">
+                        <a:tint val="52000"/>
+                        <a:satMod val="300000"/>
+                      </a:schemeClr>
+                    </a:gs>
+                    <a:gs pos="100000">
+                      <a:schemeClr val="accent1">
+                        <a:tint val="40000"/>
+                        <a:satMod val="250000"/>
+                      </a:schemeClr>
+                    </a:gs>
+                  </a:gsLst>
+                  <a:lin ang="5400000"/>
+                </a:gradFill>
+                <a:effectLst/>
+              </a:rPr>
+              <a:t>Thank you</a:t>
+            </a:r>
+            <a:endParaRPr lang="en-US" sz="5400" b="1" cap="none" spc="0" dirty="0">
+              <a:ln w="10541" cmpd="sng">
+                <a:solidFill>
+                  <a:schemeClr val="accent1">
+                    <a:shade val="88000"/>
+                    <a:satMod val="110000"/>
+                  </a:schemeClr>
+                </a:solidFill>
+                <a:prstDash val="solid"/>
+              </a:ln>
+              <a:gradFill>
+                <a:gsLst>
+                  <a:gs pos="0">
+                    <a:schemeClr val="accent1">
+                      <a:tint val="40000"/>
+                      <a:satMod val="250000"/>
+                    </a:schemeClr>
+                  </a:gs>
+                  <a:gs pos="9000">
+                    <a:schemeClr val="accent1">
+                      <a:tint val="52000"/>
+                      <a:satMod val="300000"/>
+                    </a:schemeClr>
+                  </a:gs>
+                  <a:gs pos="50000">
+                    <a:schemeClr val="accent1">
+                      <a:shade val="20000"/>
+                      <a:satMod val="300000"/>
+                    </a:schemeClr>
+                  </a:gs>
+                  <a:gs pos="79000">
+                    <a:schemeClr val="accent1">
+                      <a:tint val="52000"/>
+                      <a:satMod val="300000"/>
+                    </a:schemeClr>
+                  </a:gs>
+                  <a:gs pos="100000">
+                    <a:schemeClr val="accent1">
+                      <a:tint val="40000"/>
+                      <a:satMod val="250000"/>
+                    </a:schemeClr>
+                  </a:gs>
+                </a:gsLst>
+                <a:lin ang="5400000"/>
+              </a:gradFill>
+              <a:effectLst/>
+            </a:endParaRPr>
+          </a:p>
+        </p:txBody>
+      </p:sp>
     </p:spTree>
   </p:cSld>
   <p:clrMapOvr>

--- a/PPTs/Programming-fundamentals.pptx
+++ b/PPTs/Programming-fundamentals.pptx
@@ -207,7 +207,7 @@
             <a:fld id="{FB00CB33-F79B-4237-894C-2C062F10FEDF}" type="datetimeFigureOut">
               <a:rPr lang="en-US" smtClean="0"/>
               <a:pPr/>
-              <a:t>5/12/2017</a:t>
+              <a:t>5/23/2017</a:t>
             </a:fld>
             <a:endParaRPr lang="en-US"/>
           </a:p>
@@ -837,7 +837,7 @@
             <a:fld id="{C8A432C8-69A7-458B-9684-2BFA64B31948}" type="datetime2">
               <a:rPr lang="en-US" smtClean="0"/>
               <a:pPr/>
-              <a:t>Friday, May 12, 2017</a:t>
+              <a:t>Tuesday, May 23, 2017</a:t>
             </a:fld>
             <a:endParaRPr lang="en-US"/>
           </a:p>
@@ -1040,7 +1040,7 @@
             <a:fld id="{8CC057FC-95B6-4D89-AFDA-ABA33EE921E5}" type="datetime2">
               <a:rPr lang="en-US" smtClean="0"/>
               <a:pPr/>
-              <a:t>Friday, May 12, 2017</a:t>
+              <a:t>Tuesday, May 23, 2017</a:t>
             </a:fld>
             <a:endParaRPr lang="en-US"/>
           </a:p>
@@ -1218,7 +1218,7 @@
             <a:fld id="{EC4549AC-EB31-477F-92A9-B1988E232878}" type="datetime2">
               <a:rPr lang="en-US" smtClean="0"/>
               <a:pPr/>
-              <a:t>Friday, May 12, 2017</a:t>
+              <a:t>Tuesday, May 23, 2017</a:t>
             </a:fld>
             <a:endParaRPr lang="en-US"/>
           </a:p>
@@ -1386,7 +1386,7 @@
             <a:fld id="{6396A3A3-94A6-4E5B-AF39-173ACA3E61CC}" type="datetime2">
               <a:rPr lang="en-US" smtClean="0"/>
               <a:pPr/>
-              <a:t>Friday, May 12, 2017</a:t>
+              <a:t>Tuesday, May 23, 2017</a:t>
             </a:fld>
             <a:endParaRPr lang="en-US"/>
           </a:p>
@@ -1637,7 +1637,7 @@
             <a:fld id="{9933D019-A32C-4EAD-B8E6-DBDA699692FD}" type="datetime2">
               <a:rPr lang="en-US" smtClean="0"/>
               <a:pPr/>
-              <a:t>Friday, May 12, 2017</a:t>
+              <a:t>Tuesday, May 23, 2017</a:t>
             </a:fld>
             <a:endParaRPr lang="en-US"/>
           </a:p>
@@ -1958,7 +1958,7 @@
             <a:fld id="{CCEBA98F-560C-4997-81C4-81D4D9187EAB}" type="datetime2">
               <a:rPr lang="en-US" smtClean="0"/>
               <a:pPr/>
-              <a:t>Friday, May 12, 2017</a:t>
+              <a:t>Tuesday, May 23, 2017</a:t>
             </a:fld>
             <a:endParaRPr lang="en-US"/>
           </a:p>
@@ -2427,7 +2427,7 @@
             <a:fld id="{150972B2-CA5C-437D-87D0-8081271A9E4B}" type="datetime2">
               <a:rPr lang="en-US" smtClean="0"/>
               <a:pPr/>
-              <a:t>Friday, May 12, 2017</a:t>
+              <a:t>Tuesday, May 23, 2017</a:t>
             </a:fld>
             <a:endParaRPr lang="en-US"/>
           </a:p>
@@ -2578,7 +2578,7 @@
             <a:fld id="{79CD4847-11EF-4466-A8AD-85CDB7B49118}" type="datetime2">
               <a:rPr lang="en-US" smtClean="0"/>
               <a:pPr/>
-              <a:t>Friday, May 12, 2017</a:t>
+              <a:t>Tuesday, May 23, 2017</a:t>
             </a:fld>
             <a:endParaRPr lang="en-US"/>
           </a:p>
@@ -2671,7 +2671,7 @@
             <a:fld id="{F168457A-3AB9-4880-8A0C-9F8524491207}" type="datetime2">
               <a:rPr lang="en-US" smtClean="0"/>
               <a:pPr/>
-              <a:t>Friday, May 12, 2017</a:t>
+              <a:t>Tuesday, May 23, 2017</a:t>
             </a:fld>
             <a:endParaRPr lang="en-US"/>
           </a:p>
@@ -2948,7 +2948,7 @@
             <a:fld id="{3FE976D3-5B7F-4300-ABED-C91F1B2AE209}" type="datetime2">
               <a:rPr lang="en-US" smtClean="0"/>
               <a:pPr/>
-              <a:t>Friday, May 12, 2017</a:t>
+              <a:t>Tuesday, May 23, 2017</a:t>
             </a:fld>
             <a:endParaRPr lang="en-US"/>
           </a:p>
@@ -3256,7 +3256,7 @@
             <a:fld id="{EBDC1E59-17DD-41CE-97CA-624A472382D4}" type="datetime2">
               <a:rPr lang="en-US" smtClean="0"/>
               <a:pPr/>
-              <a:t>Friday, May 12, 2017</a:t>
+              <a:t>Tuesday, May 23, 2017</a:t>
             </a:fld>
             <a:endParaRPr lang="en-US"/>
           </a:p>
@@ -3557,7 +3557,7 @@
             <a:fld id="{A80CB818-7379-467D-8E76-EF9D9074A26C}" type="datetime2">
               <a:rPr lang="en-US" smtClean="0"/>
               <a:pPr/>
-              <a:t>Friday, May 12, 2017</a:t>
+              <a:t>Tuesday, May 23, 2017</a:t>
             </a:fld>
             <a:endParaRPr lang="en-US" dirty="0"/>
           </a:p>
@@ -4002,7 +4002,7 @@
     </p:spTree>
     <p:extLst>
       <p:ext uri="{BB962C8B-B14F-4D97-AF65-F5344CB8AC3E}">
-        <p14:creationId xmlns="" xmlns:p14="http://schemas.microsoft.com/office/powerpoint/2010/main" val="182139768"/>
+        <p14:creationId xmlns:p14="http://schemas.microsoft.com/office/powerpoint/2010/main" xmlns="" val="182139768"/>
       </p:ext>
     </p:extLst>
   </p:cSld>
@@ -7579,7 +7579,7 @@
           <a:p>
             <a:r>
               <a:rPr lang="pt-BR" dirty="0" smtClean="0"/>
-              <a:t>PERL </a:t>
+              <a:t>Perl </a:t>
             </a:r>
             <a:r>
               <a:rPr lang="pt-BR" sz="2800" dirty="0" smtClean="0"/>
@@ -7587,19 +7587,7 @@
             </a:r>
             <a:r>
               <a:rPr lang="en-US" sz="2800" dirty="0" smtClean="0"/>
-              <a:t>Practical </a:t>
-            </a:r>
-            <a:r>
-              <a:rPr lang="en-US" sz="2800" dirty="0" smtClean="0"/>
-              <a:t>Extraction </a:t>
-            </a:r>
-            <a:r>
-              <a:rPr lang="en-US" sz="2800" dirty="0" smtClean="0"/>
-              <a:t>and Report </a:t>
-            </a:r>
-            <a:r>
-              <a:rPr lang="en-US" sz="2800" dirty="0" smtClean="0"/>
-              <a:t>Language</a:t>
+              <a:t>Practical Extraction and Report Language</a:t>
             </a:r>
             <a:r>
               <a:rPr lang="pt-BR" sz="2800" dirty="0" smtClean="0"/>
@@ -7652,9 +7640,6 @@
               </a:rPr>
               <a:t>text files. (DNA/Protein)</a:t>
             </a:r>
-            <a:endParaRPr lang="en-US" b="1" dirty="0" smtClean="0">
-              <a:latin typeface="Arial" pitchFamily="34" charset="0"/>
-            </a:endParaRPr>
           </a:p>
           <a:p>
             <a:r>
@@ -7679,13 +7664,7 @@
               <a:rPr lang="en-US" dirty="0" smtClean="0">
                 <a:latin typeface="Arial" pitchFamily="34" charset="0"/>
               </a:rPr>
-              <a:t> operating </a:t>
-            </a:r>
-            <a:r>
-              <a:rPr lang="en-US" dirty="0" smtClean="0">
-                <a:latin typeface="Arial" pitchFamily="34" charset="0"/>
-              </a:rPr>
-              <a:t>systems</a:t>
+              <a:t> operating systems</a:t>
             </a:r>
           </a:p>
           <a:p>
@@ -7703,9 +7682,6 @@
               </a:rPr>
               <a:t>regular expression matching and string manipulation</a:t>
             </a:r>
-            <a:endParaRPr lang="en-US" dirty="0" smtClean="0">
-              <a:latin typeface="Arial" pitchFamily="34" charset="0"/>
-            </a:endParaRPr>
           </a:p>
           <a:p>
             <a:endParaRPr lang="en-US" dirty="0"/>
@@ -7793,7 +7769,11 @@
           <a:p>
             <a:r>
               <a:rPr lang="pt-BR" dirty="0" smtClean="0"/>
-              <a:t>PERL and Bioinformatics</a:t>
+              <a:t>Perl </a:t>
+            </a:r>
+            <a:r>
+              <a:rPr lang="pt-BR" dirty="0" smtClean="0"/>
+              <a:t>and Bioinformatics</a:t>
             </a:r>
             <a:endParaRPr lang="en-US" dirty="0"/>
           </a:p>

--- a/PPTs/Programming-fundamentals.pptx
+++ b/PPTs/Programming-fundamentals.pptx
@@ -207,7 +207,7 @@
             <a:fld id="{FB00CB33-F79B-4237-894C-2C062F10FEDF}" type="datetimeFigureOut">
               <a:rPr lang="en-US" smtClean="0"/>
               <a:pPr/>
-              <a:t>5/23/2017</a:t>
+              <a:t>5/26/2017</a:t>
             </a:fld>
             <a:endParaRPr lang="en-US"/>
           </a:p>
@@ -837,7 +837,7 @@
             <a:fld id="{C8A432C8-69A7-458B-9684-2BFA64B31948}" type="datetime2">
               <a:rPr lang="en-US" smtClean="0"/>
               <a:pPr/>
-              <a:t>Tuesday, May 23, 2017</a:t>
+              <a:t>Friday, May 26, 2017</a:t>
             </a:fld>
             <a:endParaRPr lang="en-US"/>
           </a:p>
@@ -1040,7 +1040,7 @@
             <a:fld id="{8CC057FC-95B6-4D89-AFDA-ABA33EE921E5}" type="datetime2">
               <a:rPr lang="en-US" smtClean="0"/>
               <a:pPr/>
-              <a:t>Tuesday, May 23, 2017</a:t>
+              <a:t>Friday, May 26, 2017</a:t>
             </a:fld>
             <a:endParaRPr lang="en-US"/>
           </a:p>
@@ -1218,7 +1218,7 @@
             <a:fld id="{EC4549AC-EB31-477F-92A9-B1988E232878}" type="datetime2">
               <a:rPr lang="en-US" smtClean="0"/>
               <a:pPr/>
-              <a:t>Tuesday, May 23, 2017</a:t>
+              <a:t>Friday, May 26, 2017</a:t>
             </a:fld>
             <a:endParaRPr lang="en-US"/>
           </a:p>
@@ -1386,7 +1386,7 @@
             <a:fld id="{6396A3A3-94A6-4E5B-AF39-173ACA3E61CC}" type="datetime2">
               <a:rPr lang="en-US" smtClean="0"/>
               <a:pPr/>
-              <a:t>Tuesday, May 23, 2017</a:t>
+              <a:t>Friday, May 26, 2017</a:t>
             </a:fld>
             <a:endParaRPr lang="en-US"/>
           </a:p>
@@ -1637,7 +1637,7 @@
             <a:fld id="{9933D019-A32C-4EAD-B8E6-DBDA699692FD}" type="datetime2">
               <a:rPr lang="en-US" smtClean="0"/>
               <a:pPr/>
-              <a:t>Tuesday, May 23, 2017</a:t>
+              <a:t>Friday, May 26, 2017</a:t>
             </a:fld>
             <a:endParaRPr lang="en-US"/>
           </a:p>
@@ -1958,7 +1958,7 @@
             <a:fld id="{CCEBA98F-560C-4997-81C4-81D4D9187EAB}" type="datetime2">
               <a:rPr lang="en-US" smtClean="0"/>
               <a:pPr/>
-              <a:t>Tuesday, May 23, 2017</a:t>
+              <a:t>Friday, May 26, 2017</a:t>
             </a:fld>
             <a:endParaRPr lang="en-US"/>
           </a:p>
@@ -2427,7 +2427,7 @@
             <a:fld id="{150972B2-CA5C-437D-87D0-8081271A9E4B}" type="datetime2">
               <a:rPr lang="en-US" smtClean="0"/>
               <a:pPr/>
-              <a:t>Tuesday, May 23, 2017</a:t>
+              <a:t>Friday, May 26, 2017</a:t>
             </a:fld>
             <a:endParaRPr lang="en-US"/>
           </a:p>
@@ -2578,7 +2578,7 @@
             <a:fld id="{79CD4847-11EF-4466-A8AD-85CDB7B49118}" type="datetime2">
               <a:rPr lang="en-US" smtClean="0"/>
               <a:pPr/>
-              <a:t>Tuesday, May 23, 2017</a:t>
+              <a:t>Friday, May 26, 2017</a:t>
             </a:fld>
             <a:endParaRPr lang="en-US"/>
           </a:p>
@@ -2671,7 +2671,7 @@
             <a:fld id="{F168457A-3AB9-4880-8A0C-9F8524491207}" type="datetime2">
               <a:rPr lang="en-US" smtClean="0"/>
               <a:pPr/>
-              <a:t>Tuesday, May 23, 2017</a:t>
+              <a:t>Friday, May 26, 2017</a:t>
             </a:fld>
             <a:endParaRPr lang="en-US"/>
           </a:p>
@@ -2948,7 +2948,7 @@
             <a:fld id="{3FE976D3-5B7F-4300-ABED-C91F1B2AE209}" type="datetime2">
               <a:rPr lang="en-US" smtClean="0"/>
               <a:pPr/>
-              <a:t>Tuesday, May 23, 2017</a:t>
+              <a:t>Friday, May 26, 2017</a:t>
             </a:fld>
             <a:endParaRPr lang="en-US"/>
           </a:p>
@@ -3256,7 +3256,7 @@
             <a:fld id="{EBDC1E59-17DD-41CE-97CA-624A472382D4}" type="datetime2">
               <a:rPr lang="en-US" smtClean="0"/>
               <a:pPr/>
-              <a:t>Tuesday, May 23, 2017</a:t>
+              <a:t>Friday, May 26, 2017</a:t>
             </a:fld>
             <a:endParaRPr lang="en-US"/>
           </a:p>
@@ -3557,7 +3557,7 @@
             <a:fld id="{A80CB818-7379-467D-8E76-EF9D9074A26C}" type="datetime2">
               <a:rPr lang="en-US" smtClean="0"/>
               <a:pPr/>
-              <a:t>Tuesday, May 23, 2017</a:t>
+              <a:t>Friday, May 26, 2017</a:t>
             </a:fld>
             <a:endParaRPr lang="en-US" dirty="0"/>
           </a:p>
@@ -4002,7 +4002,7 @@
     </p:spTree>
     <p:extLst>
       <p:ext uri="{BB962C8B-B14F-4D97-AF65-F5344CB8AC3E}">
-        <p14:creationId xmlns:p14="http://schemas.microsoft.com/office/powerpoint/2010/main" xmlns="" val="182139768"/>
+        <p14:creationId xmlns="" xmlns:p14="http://schemas.microsoft.com/office/powerpoint/2010/main" val="182139768"/>
       </p:ext>
     </p:extLst>
   </p:cSld>
@@ -4179,7 +4179,11 @@
             <a:pPr algn="ctr"/>
             <a:r>
               <a:rPr lang="pt-BR" sz="1400" dirty="0" smtClean="0"/>
-              <a:t>Enough peanut butter</a:t>
+              <a:t>Enough peanut </a:t>
+            </a:r>
+            <a:r>
+              <a:rPr lang="pt-BR" sz="1400" dirty="0" smtClean="0"/>
+              <a:t>butter?</a:t>
             </a:r>
             <a:endParaRPr lang="en-US" sz="1400" dirty="0"/>
           </a:p>
@@ -4607,7 +4611,11 @@
             <a:pPr algn="ctr"/>
             <a:r>
               <a:rPr lang="pt-BR" sz="1400" dirty="0" smtClean="0"/>
-              <a:t>Enough peanut butter</a:t>
+              <a:t>Enough </a:t>
+            </a:r>
+            <a:r>
+              <a:rPr lang="pt-BR" sz="1400" dirty="0" smtClean="0"/>
+              <a:t>Jelly?</a:t>
             </a:r>
             <a:endParaRPr lang="en-US" sz="1400" dirty="0"/>
           </a:p>
@@ -5328,7 +5336,11 @@
             <a:pPr algn="ctr"/>
             <a:r>
               <a:rPr lang="pt-BR" sz="1400" dirty="0" smtClean="0"/>
-              <a:t>Enough peanut butter</a:t>
+              <a:t>Enough peanut </a:t>
+            </a:r>
+            <a:r>
+              <a:rPr lang="pt-BR" sz="1400" dirty="0" smtClean="0"/>
+              <a:t>butter?</a:t>
             </a:r>
             <a:endParaRPr lang="en-US" sz="1400" dirty="0"/>
           </a:p>
@@ -5756,7 +5768,11 @@
             <a:pPr algn="ctr"/>
             <a:r>
               <a:rPr lang="pt-BR" sz="1400" dirty="0" smtClean="0"/>
-              <a:t>Enough peanut butter</a:t>
+              <a:t>Enough </a:t>
+            </a:r>
+            <a:r>
+              <a:rPr lang="pt-BR" sz="1400" dirty="0" smtClean="0"/>
+              <a:t>Jelly?</a:t>
             </a:r>
             <a:endParaRPr lang="en-US" sz="1400" dirty="0"/>
           </a:p>
@@ -6476,7 +6492,11 @@
             <a:pPr algn="ctr"/>
             <a:r>
               <a:rPr lang="pt-BR" sz="1400" dirty="0" smtClean="0"/>
-              <a:t>Enough peanut butter</a:t>
+              <a:t>Enough peanut </a:t>
+            </a:r>
+            <a:r>
+              <a:rPr lang="pt-BR" sz="1400" dirty="0" smtClean="0"/>
+              <a:t>butter?</a:t>
             </a:r>
             <a:endParaRPr lang="en-US" sz="1400" dirty="0"/>
           </a:p>
@@ -6904,7 +6924,11 @@
             <a:pPr algn="ctr"/>
             <a:r>
               <a:rPr lang="pt-BR" sz="1400" dirty="0" smtClean="0"/>
-              <a:t>Enough peanut butter</a:t>
+              <a:t>Enough </a:t>
+            </a:r>
+            <a:r>
+              <a:rPr lang="pt-BR" sz="1400" dirty="0" smtClean="0"/>
+              <a:t>Jelly?</a:t>
             </a:r>
             <a:endParaRPr lang="en-US" sz="1400" dirty="0"/>
           </a:p>
@@ -7607,7 +7631,12 @@
             <p:ph idx="1"/>
           </p:nvPr>
         </p:nvSpPr>
-        <p:spPr/>
+        <p:spPr>
+          <a:xfrm>
+            <a:off x="457200" y="1200150"/>
+            <a:ext cx="8229600" cy="3943350"/>
+          </a:xfrm>
+        </p:spPr>
         <p:txBody>
           <a:bodyPr>
             <a:normAutofit/>
@@ -7624,8 +7653,17 @@
               <a:rPr lang="en-US" dirty="0" smtClean="0">
                 <a:latin typeface="Arial" pitchFamily="34" charset="0"/>
               </a:rPr>
-              <a:t>Easy to learn compared to most languages</a:t>
-            </a:r>
+              <a:t>Easy to learn compared to most </a:t>
+            </a:r>
+            <a:r>
+              <a:rPr lang="en-US" dirty="0" smtClean="0">
+                <a:latin typeface="Arial" pitchFamily="34" charset="0"/>
+              </a:rPr>
+              <a:t>other post-modern languages</a:t>
+            </a:r>
+            <a:endParaRPr lang="en-US" dirty="0" smtClean="0">
+              <a:latin typeface="Arial" pitchFamily="34" charset="0"/>
+            </a:endParaRPr>
           </a:p>
           <a:p>
             <a:r>
@@ -7680,7 +7718,13 @@
               <a:rPr lang="en-US" dirty="0" smtClean="0">
                 <a:latin typeface="Arial" pitchFamily="34" charset="0"/>
               </a:rPr>
-              <a:t>regular expression matching and string manipulation</a:t>
+              <a:t>Powerful regular </a:t>
+            </a:r>
+            <a:r>
+              <a:rPr lang="en-US" dirty="0" smtClean="0">
+                <a:latin typeface="Arial" pitchFamily="34" charset="0"/>
+              </a:rPr>
+              <a:t>expression matching and string manipulation</a:t>
             </a:r>
           </a:p>
           <a:p>
@@ -7705,8 +7749,8 @@
         </p:blipFill>
         <p:spPr bwMode="auto">
           <a:xfrm>
-            <a:off x="6802856" y="0"/>
-            <a:ext cx="2148639" cy="1087211"/>
+            <a:off x="7587343" y="0"/>
+            <a:ext cx="1364152" cy="690261"/>
           </a:xfrm>
           <a:prstGeom prst="rect">
             <a:avLst/>
@@ -7769,11 +7813,7 @@
           <a:p>
             <a:r>
               <a:rPr lang="pt-BR" dirty="0" smtClean="0"/>
-              <a:t>Perl </a:t>
-            </a:r>
-            <a:r>
-              <a:rPr lang="pt-BR" dirty="0" smtClean="0"/>
-              <a:t>and Bioinformatics</a:t>
+              <a:t>Perl and Bioinformatics</a:t>
             </a:r>
             <a:endParaRPr lang="en-US" dirty="0"/>
           </a:p>
@@ -9954,7 +9994,11 @@
             <a:pPr algn="ctr"/>
             <a:r>
               <a:rPr lang="pt-BR" sz="1400" dirty="0" smtClean="0"/>
-              <a:t>Enough peanut butter</a:t>
+              <a:t>Enough peanut </a:t>
+            </a:r>
+            <a:r>
+              <a:rPr lang="pt-BR" sz="1400" dirty="0" smtClean="0"/>
+              <a:t>butter?</a:t>
             </a:r>
             <a:endParaRPr lang="en-US" sz="1400" dirty="0"/>
           </a:p>
@@ -10382,7 +10426,11 @@
             <a:pPr algn="ctr"/>
             <a:r>
               <a:rPr lang="pt-BR" sz="1400" dirty="0" smtClean="0"/>
-              <a:t>Enough peanut butter</a:t>
+              <a:t>Enough </a:t>
+            </a:r>
+            <a:r>
+              <a:rPr lang="pt-BR" sz="1400" dirty="0" smtClean="0"/>
+              <a:t>Jelly?</a:t>
             </a:r>
             <a:endParaRPr lang="en-US" sz="1400" dirty="0"/>
           </a:p>

--- a/PPTs/Programming-fundamentals.pptx
+++ b/PPTs/Programming-fundamentals.pptx
@@ -5,7 +5,7 @@
     <p:sldMasterId id="2147483960" r:id="rId1"/>
   </p:sldMasterIdLst>
   <p:notesMasterIdLst>
-    <p:notesMasterId r:id="rId17"/>
+    <p:notesMasterId r:id="rId18"/>
   </p:notesMasterIdLst>
   <p:sldIdLst>
     <p:sldId id="256" r:id="rId2"/>
@@ -16,13 +16,14 @@
     <p:sldId id="263" r:id="rId7"/>
     <p:sldId id="268" r:id="rId8"/>
     <p:sldId id="269" r:id="rId9"/>
-    <p:sldId id="270" r:id="rId10"/>
-    <p:sldId id="272" r:id="rId11"/>
-    <p:sldId id="273" r:id="rId12"/>
-    <p:sldId id="274" r:id="rId13"/>
-    <p:sldId id="259" r:id="rId14"/>
-    <p:sldId id="271" r:id="rId15"/>
-    <p:sldId id="261" r:id="rId16"/>
+    <p:sldId id="275" r:id="rId10"/>
+    <p:sldId id="270" r:id="rId11"/>
+    <p:sldId id="272" r:id="rId12"/>
+    <p:sldId id="273" r:id="rId13"/>
+    <p:sldId id="274" r:id="rId14"/>
+    <p:sldId id="259" r:id="rId15"/>
+    <p:sldId id="271" r:id="rId16"/>
+    <p:sldId id="261" r:id="rId17"/>
   </p:sldIdLst>
   <p:sldSz cx="9144000" cy="5143500" type="screen16x9"/>
   <p:notesSz cx="6858000" cy="9144000"/>
@@ -207,7 +208,7 @@
             <a:fld id="{FB00CB33-F79B-4237-894C-2C062F10FEDF}" type="datetimeFigureOut">
               <a:rPr lang="en-US" smtClean="0"/>
               <a:pPr/>
-              <a:t>5/26/2017</a:t>
+              <a:t>5/30/2017</a:t>
             </a:fld>
             <a:endParaRPr lang="en-US"/>
           </a:p>
@@ -837,7 +838,7 @@
             <a:fld id="{C8A432C8-69A7-458B-9684-2BFA64B31948}" type="datetime2">
               <a:rPr lang="en-US" smtClean="0"/>
               <a:pPr/>
-              <a:t>Friday, May 26, 2017</a:t>
+              <a:t>Tuesday, May 30, 2017</a:t>
             </a:fld>
             <a:endParaRPr lang="en-US"/>
           </a:p>
@@ -1040,7 +1041,7 @@
             <a:fld id="{8CC057FC-95B6-4D89-AFDA-ABA33EE921E5}" type="datetime2">
               <a:rPr lang="en-US" smtClean="0"/>
               <a:pPr/>
-              <a:t>Friday, May 26, 2017</a:t>
+              <a:t>Tuesday, May 30, 2017</a:t>
             </a:fld>
             <a:endParaRPr lang="en-US"/>
           </a:p>
@@ -1218,7 +1219,7 @@
             <a:fld id="{EC4549AC-EB31-477F-92A9-B1988E232878}" type="datetime2">
               <a:rPr lang="en-US" smtClean="0"/>
               <a:pPr/>
-              <a:t>Friday, May 26, 2017</a:t>
+              <a:t>Tuesday, May 30, 2017</a:t>
             </a:fld>
             <a:endParaRPr lang="en-US"/>
           </a:p>
@@ -1386,7 +1387,7 @@
             <a:fld id="{6396A3A3-94A6-4E5B-AF39-173ACA3E61CC}" type="datetime2">
               <a:rPr lang="en-US" smtClean="0"/>
               <a:pPr/>
-              <a:t>Friday, May 26, 2017</a:t>
+              <a:t>Tuesday, May 30, 2017</a:t>
             </a:fld>
             <a:endParaRPr lang="en-US"/>
           </a:p>
@@ -1637,7 +1638,7 @@
             <a:fld id="{9933D019-A32C-4EAD-B8E6-DBDA699692FD}" type="datetime2">
               <a:rPr lang="en-US" smtClean="0"/>
               <a:pPr/>
-              <a:t>Friday, May 26, 2017</a:t>
+              <a:t>Tuesday, May 30, 2017</a:t>
             </a:fld>
             <a:endParaRPr lang="en-US"/>
           </a:p>
@@ -1958,7 +1959,7 @@
             <a:fld id="{CCEBA98F-560C-4997-81C4-81D4D9187EAB}" type="datetime2">
               <a:rPr lang="en-US" smtClean="0"/>
               <a:pPr/>
-              <a:t>Friday, May 26, 2017</a:t>
+              <a:t>Tuesday, May 30, 2017</a:t>
             </a:fld>
             <a:endParaRPr lang="en-US"/>
           </a:p>
@@ -2427,7 +2428,7 @@
             <a:fld id="{150972B2-CA5C-437D-87D0-8081271A9E4B}" type="datetime2">
               <a:rPr lang="en-US" smtClean="0"/>
               <a:pPr/>
-              <a:t>Friday, May 26, 2017</a:t>
+              <a:t>Tuesday, May 30, 2017</a:t>
             </a:fld>
             <a:endParaRPr lang="en-US"/>
           </a:p>
@@ -2578,7 +2579,7 @@
             <a:fld id="{79CD4847-11EF-4466-A8AD-85CDB7B49118}" type="datetime2">
               <a:rPr lang="en-US" smtClean="0"/>
               <a:pPr/>
-              <a:t>Friday, May 26, 2017</a:t>
+              <a:t>Tuesday, May 30, 2017</a:t>
             </a:fld>
             <a:endParaRPr lang="en-US"/>
           </a:p>
@@ -2671,7 +2672,7 @@
             <a:fld id="{F168457A-3AB9-4880-8A0C-9F8524491207}" type="datetime2">
               <a:rPr lang="en-US" smtClean="0"/>
               <a:pPr/>
-              <a:t>Friday, May 26, 2017</a:t>
+              <a:t>Tuesday, May 30, 2017</a:t>
             </a:fld>
             <a:endParaRPr lang="en-US"/>
           </a:p>
@@ -2948,7 +2949,7 @@
             <a:fld id="{3FE976D3-5B7F-4300-ABED-C91F1B2AE209}" type="datetime2">
               <a:rPr lang="en-US" smtClean="0"/>
               <a:pPr/>
-              <a:t>Friday, May 26, 2017</a:t>
+              <a:t>Tuesday, May 30, 2017</a:t>
             </a:fld>
             <a:endParaRPr lang="en-US"/>
           </a:p>
@@ -3256,7 +3257,7 @@
             <a:fld id="{EBDC1E59-17DD-41CE-97CA-624A472382D4}" type="datetime2">
               <a:rPr lang="en-US" smtClean="0"/>
               <a:pPr/>
-              <a:t>Friday, May 26, 2017</a:t>
+              <a:t>Tuesday, May 30, 2017</a:t>
             </a:fld>
             <a:endParaRPr lang="en-US"/>
           </a:p>
@@ -3557,7 +3558,7 @@
             <a:fld id="{A80CB818-7379-467D-8E76-EF9D9074A26C}" type="datetime2">
               <a:rPr lang="en-US" smtClean="0"/>
               <a:pPr/>
-              <a:t>Friday, May 26, 2017</a:t>
+              <a:t>Tuesday, May 30, 2017</a:t>
             </a:fld>
             <a:endParaRPr lang="en-US" dirty="0"/>
           </a:p>
@@ -4002,7 +4003,7 @@
     </p:spTree>
     <p:extLst>
       <p:ext uri="{BB962C8B-B14F-4D97-AF65-F5344CB8AC3E}">
-        <p14:creationId xmlns="" xmlns:p14="http://schemas.microsoft.com/office/powerpoint/2010/main" val="182139768"/>
+        <p14:creationId xmlns:p14="http://schemas.microsoft.com/office/powerpoint/2010/main" xmlns="" val="182139768"/>
       </p:ext>
     </p:extLst>
   </p:cSld>
@@ -4179,11 +4180,7 @@
             <a:pPr algn="ctr"/>
             <a:r>
               <a:rPr lang="pt-BR" sz="1400" dirty="0" smtClean="0"/>
-              <a:t>Enough peanut </a:t>
-            </a:r>
-            <a:r>
-              <a:rPr lang="pt-BR" sz="1400" dirty="0" smtClean="0"/>
-              <a:t>butter?</a:t>
+              <a:t>Enough peanut butter?</a:t>
             </a:r>
             <a:endParaRPr lang="en-US" sz="1400" dirty="0"/>
           </a:p>
@@ -4611,11 +4608,7 @@
             <a:pPr algn="ctr"/>
             <a:r>
               <a:rPr lang="pt-BR" sz="1400" dirty="0" smtClean="0"/>
-              <a:t>Enough </a:t>
-            </a:r>
-            <a:r>
-              <a:rPr lang="pt-BR" sz="1400" dirty="0" smtClean="0"/>
-              <a:t>Jelly?</a:t>
+              <a:t>Enough Jelly?</a:t>
             </a:r>
             <a:endParaRPr lang="en-US" sz="1400" dirty="0"/>
           </a:p>
@@ -5120,59 +5113,18 @@
           </a:ln>
         </p:spPr>
       </p:pic>
-      <p:sp>
-        <p:nvSpPr>
-          <p:cNvPr id="32" name="Down Arrow 31"/>
-          <p:cNvSpPr/>
-          <p:nvPr/>
-        </p:nvSpPr>
-        <p:spPr>
-          <a:xfrm>
-            <a:off x="1957137" y="2013284"/>
-            <a:ext cx="336884" cy="705853"/>
-          </a:xfrm>
-          <a:prstGeom prst="downArrow">
-            <a:avLst/>
-          </a:prstGeom>
-          <a:solidFill>
-            <a:srgbClr val="FF0000"/>
-          </a:solidFill>
-          <a:ln>
-            <a:solidFill>
-              <a:srgbClr val="FF0000"/>
-            </a:solidFill>
-          </a:ln>
-        </p:spPr>
-        <p:style>
-          <a:lnRef idx="2">
-            <a:schemeClr val="accent1">
-              <a:shade val="50000"/>
-            </a:schemeClr>
-          </a:lnRef>
-          <a:fillRef idx="1">
-            <a:schemeClr val="accent1"/>
-          </a:fillRef>
-          <a:effectRef idx="0">
-            <a:schemeClr val="accent1"/>
-          </a:effectRef>
-          <a:fontRef idx="minor">
-            <a:schemeClr val="lt1"/>
-          </a:fontRef>
-        </p:style>
-        <p:txBody>
-          <a:bodyPr rtlCol="0" anchor="ctr"/>
-          <a:lstStyle/>
-          <a:p>
-            <a:pPr algn="ctr"/>
-            <a:endParaRPr lang="en-US"/>
-          </a:p>
-        </p:txBody>
-      </p:sp>
     </p:spTree>
   </p:cSld>
   <p:clrMapOvr>
     <a:masterClrMapping/>
   </p:clrMapOvr>
+  <p:timing>
+    <p:tnLst>
+      <p:par>
+        <p:cTn id="1" dur="indefinite" restart="never" nodeType="tmRoot"/>
+      </p:par>
+    </p:tnLst>
+  </p:timing>
 </p:sld>
 </file>
 
@@ -5336,11 +5288,7 @@
             <a:pPr algn="ctr"/>
             <a:r>
               <a:rPr lang="pt-BR" sz="1400" dirty="0" smtClean="0"/>
-              <a:t>Enough peanut </a:t>
-            </a:r>
-            <a:r>
-              <a:rPr lang="pt-BR" sz="1400" dirty="0" smtClean="0"/>
-              <a:t>butter?</a:t>
+              <a:t>Enough peanut butter?</a:t>
             </a:r>
             <a:endParaRPr lang="en-US" sz="1400" dirty="0"/>
           </a:p>
@@ -5768,11 +5716,7 @@
             <a:pPr algn="ctr"/>
             <a:r>
               <a:rPr lang="pt-BR" sz="1400" dirty="0" smtClean="0"/>
-              <a:t>Enough </a:t>
-            </a:r>
-            <a:r>
-              <a:rPr lang="pt-BR" sz="1400" dirty="0" smtClean="0"/>
-              <a:t>Jelly?</a:t>
+              <a:t>Enough Jelly?</a:t>
             </a:r>
             <a:endParaRPr lang="en-US" sz="1400" dirty="0"/>
           </a:p>
@@ -6279,21 +6223,26 @@
       </p:pic>
       <p:sp>
         <p:nvSpPr>
-          <p:cNvPr id="33" name="Cloud Callout 32"/>
+          <p:cNvPr id="32" name="Down Arrow 31"/>
           <p:cNvSpPr/>
           <p:nvPr/>
         </p:nvSpPr>
         <p:spPr>
           <a:xfrm>
-            <a:off x="1917030" y="2109537"/>
-            <a:ext cx="2205791" cy="1050758"/>
-          </a:xfrm>
-          <a:prstGeom prst="cloudCallout">
-            <a:avLst>
-              <a:gd name="adj1" fmla="val -55092"/>
-              <a:gd name="adj2" fmla="val 91508"/>
-            </a:avLst>
-          </a:prstGeom>
+            <a:off x="1957137" y="2013284"/>
+            <a:ext cx="336884" cy="705853"/>
+          </a:xfrm>
+          <a:prstGeom prst="downArrow">
+            <a:avLst/>
+          </a:prstGeom>
+          <a:solidFill>
+            <a:srgbClr val="FF0000"/>
+          </a:solidFill>
+          <a:ln>
+            <a:solidFill>
+              <a:srgbClr val="FF0000"/>
+            </a:solidFill>
+          </a:ln>
         </p:spPr>
         <p:style>
           <a:lnRef idx="2">
@@ -6316,11 +6265,7 @@
           <a:lstStyle/>
           <a:p>
             <a:pPr algn="ctr"/>
-            <a:r>
-              <a:rPr lang="pt-BR" dirty="0" smtClean="0"/>
-              <a:t>Conditions</a:t>
-            </a:r>
-            <a:endParaRPr lang="en-US" dirty="0"/>
+            <a:endParaRPr lang="en-US"/>
           </a:p>
         </p:txBody>
       </p:sp>
@@ -6492,11 +6437,7 @@
             <a:pPr algn="ctr"/>
             <a:r>
               <a:rPr lang="pt-BR" sz="1400" dirty="0" smtClean="0"/>
-              <a:t>Enough peanut </a:t>
-            </a:r>
-            <a:r>
-              <a:rPr lang="pt-BR" sz="1400" dirty="0" smtClean="0"/>
-              <a:t>butter?</a:t>
+              <a:t>Enough peanut butter?</a:t>
             </a:r>
             <a:endParaRPr lang="en-US" sz="1400" dirty="0"/>
           </a:p>
@@ -6924,11 +6865,7 @@
             <a:pPr algn="ctr"/>
             <a:r>
               <a:rPr lang="pt-BR" sz="1400" dirty="0" smtClean="0"/>
-              <a:t>Enough </a:t>
-            </a:r>
-            <a:r>
-              <a:rPr lang="pt-BR" sz="1400" dirty="0" smtClean="0"/>
-              <a:t>Jelly?</a:t>
+              <a:t>Enough Jelly?</a:t>
             </a:r>
             <a:endParaRPr lang="en-US" sz="1400" dirty="0"/>
           </a:p>
@@ -7435,17 +7372,20 @@
       </p:pic>
       <p:sp>
         <p:nvSpPr>
-          <p:cNvPr id="32" name="Curved Left Arrow 31"/>
+          <p:cNvPr id="33" name="Cloud Callout 32"/>
           <p:cNvSpPr/>
           <p:nvPr/>
         </p:nvSpPr>
         <p:spPr>
           <a:xfrm>
-            <a:off x="770021" y="4026569"/>
-            <a:ext cx="368969" cy="601579"/>
-          </a:xfrm>
-          <a:prstGeom prst="curvedLeftArrow">
-            <a:avLst/>
+            <a:off x="1917030" y="2109537"/>
+            <a:ext cx="2205791" cy="1050758"/>
+          </a:xfrm>
+          <a:prstGeom prst="cloudCallout">
+            <a:avLst>
+              <a:gd name="adj1" fmla="val -55092"/>
+              <a:gd name="adj2" fmla="val 91508"/>
+            </a:avLst>
           </a:prstGeom>
         </p:spPr>
         <p:style>
@@ -7469,93 +7409,11 @@
           <a:lstStyle/>
           <a:p>
             <a:pPr algn="ctr"/>
-            <a:endParaRPr lang="en-US">
-              <a:solidFill>
-                <a:schemeClr val="tx1"/>
-              </a:solidFill>
-            </a:endParaRPr>
-          </a:p>
-        </p:txBody>
-      </p:sp>
-      <p:sp>
-        <p:nvSpPr>
-          <p:cNvPr id="34" name="Curved Left Arrow 33"/>
-          <p:cNvSpPr/>
-          <p:nvPr/>
-        </p:nvSpPr>
-        <p:spPr>
-          <a:xfrm rot="10393050">
-            <a:off x="146525" y="4074694"/>
-            <a:ext cx="368969" cy="601579"/>
-          </a:xfrm>
-          <a:prstGeom prst="curvedLeftArrow">
-            <a:avLst/>
-          </a:prstGeom>
-        </p:spPr>
-        <p:style>
-          <a:lnRef idx="2">
-            <a:schemeClr val="accent1">
-              <a:shade val="50000"/>
-            </a:schemeClr>
-          </a:lnRef>
-          <a:fillRef idx="1">
-            <a:schemeClr val="accent1"/>
-          </a:fillRef>
-          <a:effectRef idx="0">
-            <a:schemeClr val="accent1"/>
-          </a:effectRef>
-          <a:fontRef idx="minor">
-            <a:schemeClr val="lt1"/>
-          </a:fontRef>
-        </p:style>
-        <p:txBody>
-          <a:bodyPr rtlCol="0" anchor="ctr"/>
-          <a:lstStyle/>
-          <a:p>
-            <a:pPr algn="ctr"/>
-            <a:endParaRPr lang="en-US">
-              <a:solidFill>
-                <a:schemeClr val="tx1"/>
-              </a:solidFill>
-            </a:endParaRPr>
-          </a:p>
-        </p:txBody>
-      </p:sp>
-      <p:sp>
-        <p:nvSpPr>
-          <p:cNvPr id="35" name="TextBox 34"/>
-          <p:cNvSpPr txBox="1"/>
-          <p:nvPr/>
-        </p:nvSpPr>
-        <p:spPr>
-          <a:xfrm>
-            <a:off x="320842" y="4074695"/>
-            <a:ext cx="866273" cy="369332"/>
-          </a:xfrm>
-          <a:prstGeom prst="rect">
-            <a:avLst/>
-          </a:prstGeom>
-          <a:noFill/>
-        </p:spPr>
-        <p:txBody>
-          <a:bodyPr wrap="square" rtlCol="0">
-            <a:spAutoFit/>
-          </a:bodyPr>
-          <a:lstStyle/>
-          <a:p>
-            <a:r>
-              <a:rPr lang="pt-BR" b="1" dirty="0" smtClean="0">
-                <a:solidFill>
-                  <a:srgbClr val="FF0000"/>
-                </a:solidFill>
-              </a:rPr>
-              <a:t>Loop</a:t>
-            </a:r>
-            <a:endParaRPr lang="en-US" b="1" dirty="0">
-              <a:solidFill>
-                <a:srgbClr val="FF0000"/>
-              </a:solidFill>
-            </a:endParaRPr>
+            <a:r>
+              <a:rPr lang="pt-BR" dirty="0" smtClean="0"/>
+              <a:t>Conditions</a:t>
+            </a:r>
+            <a:endParaRPr lang="en-US" dirty="0"/>
           </a:p>
         </p:txBody>
       </p:sp>
@@ -7596,145 +7454,1041 @@
         </p:nvSpPr>
         <p:spPr/>
         <p:txBody>
-          <a:bodyPr>
-            <a:normAutofit/>
+          <a:bodyPr/>
+          <a:lstStyle/>
+          <a:p>
+            <a:r>
+              <a:rPr lang="pt-BR" dirty="0" smtClean="0"/>
+              <a:t>Peanut-Butter-Jelly (PBJ) algorithm</a:t>
+            </a:r>
+            <a:endParaRPr lang="en-US" dirty="0"/>
+          </a:p>
+        </p:txBody>
+      </p:sp>
+      <p:sp>
+        <p:nvSpPr>
+          <p:cNvPr id="4" name="Oval 3"/>
+          <p:cNvSpPr/>
+          <p:nvPr/>
+        </p:nvSpPr>
+        <p:spPr>
+          <a:xfrm>
+            <a:off x="533401" y="1179095"/>
+            <a:ext cx="1114926" cy="481263"/>
+          </a:xfrm>
+          <a:prstGeom prst="ellipse">
+            <a:avLst/>
+          </a:prstGeom>
+        </p:spPr>
+        <p:style>
+          <a:lnRef idx="2">
+            <a:schemeClr val="dk1"/>
+          </a:lnRef>
+          <a:fillRef idx="1">
+            <a:schemeClr val="lt1"/>
+          </a:fillRef>
+          <a:effectRef idx="0">
+            <a:schemeClr val="dk1"/>
+          </a:effectRef>
+          <a:fontRef idx="minor">
+            <a:schemeClr val="dk1"/>
+          </a:fontRef>
+        </p:style>
+        <p:txBody>
+          <a:bodyPr rtlCol="0" anchor="ctr"/>
+          <a:lstStyle/>
+          <a:p>
+            <a:pPr algn="ctr"/>
+            <a:r>
+              <a:rPr lang="pt-BR" sz="1400" dirty="0" smtClean="0"/>
+              <a:t>Start</a:t>
+            </a:r>
+            <a:endParaRPr lang="en-US" sz="1400" dirty="0"/>
+          </a:p>
+        </p:txBody>
+      </p:sp>
+      <p:sp>
+        <p:nvSpPr>
+          <p:cNvPr id="5" name="Rectangle 4"/>
+          <p:cNvSpPr/>
+          <p:nvPr/>
+        </p:nvSpPr>
+        <p:spPr>
+          <a:xfrm>
+            <a:off x="421107" y="1876929"/>
+            <a:ext cx="1339515" cy="457197"/>
+          </a:xfrm>
+          <a:prstGeom prst="rect">
+            <a:avLst/>
+          </a:prstGeom>
+        </p:spPr>
+        <p:style>
+          <a:lnRef idx="2">
+            <a:schemeClr val="dk1"/>
+          </a:lnRef>
+          <a:fillRef idx="1">
+            <a:schemeClr val="lt1"/>
+          </a:fillRef>
+          <a:effectRef idx="0">
+            <a:schemeClr val="dk1"/>
+          </a:effectRef>
+          <a:fontRef idx="minor">
+            <a:schemeClr val="dk1"/>
+          </a:fontRef>
+        </p:style>
+        <p:txBody>
+          <a:bodyPr lIns="0" tIns="0" rIns="0" bIns="0" rtlCol="0" anchor="ctr"/>
+          <a:lstStyle/>
+          <a:p>
+            <a:pPr algn="ctr"/>
+            <a:r>
+              <a:rPr lang="pt-BR" sz="1400" dirty="0" smtClean="0"/>
+              <a:t>Get a slice of bread </a:t>
+            </a:r>
+            <a:endParaRPr lang="en-US" sz="1400" dirty="0"/>
+          </a:p>
+        </p:txBody>
+      </p:sp>
+      <p:sp>
+        <p:nvSpPr>
+          <p:cNvPr id="6" name="Diamond 5"/>
+          <p:cNvSpPr/>
+          <p:nvPr/>
+        </p:nvSpPr>
+        <p:spPr>
+          <a:xfrm>
+            <a:off x="288759" y="3248525"/>
+            <a:ext cx="1604210" cy="826170"/>
+          </a:xfrm>
+          <a:prstGeom prst="diamond">
+            <a:avLst/>
+          </a:prstGeom>
+        </p:spPr>
+        <p:style>
+          <a:lnRef idx="2">
+            <a:schemeClr val="dk1"/>
+          </a:lnRef>
+          <a:fillRef idx="1">
+            <a:schemeClr val="lt1"/>
+          </a:fillRef>
+          <a:effectRef idx="0">
+            <a:schemeClr val="dk1"/>
+          </a:effectRef>
+          <a:fontRef idx="minor">
+            <a:schemeClr val="dk1"/>
+          </a:fontRef>
+        </p:style>
+        <p:txBody>
+          <a:bodyPr lIns="0" tIns="0" rIns="0" bIns="0" rtlCol="0" anchor="ctr"/>
+          <a:lstStyle/>
+          <a:p>
+            <a:pPr algn="ctr"/>
+            <a:r>
+              <a:rPr lang="pt-BR" sz="1400" dirty="0" smtClean="0"/>
+              <a:t>Enough peanut butter?</a:t>
+            </a:r>
+            <a:endParaRPr lang="en-US" sz="1400" dirty="0"/>
+          </a:p>
+        </p:txBody>
+      </p:sp>
+      <p:cxnSp>
+        <p:nvCxnSpPr>
+          <p:cNvPr id="8" name="Straight Arrow Connector 7"/>
+          <p:cNvCxnSpPr>
+            <a:stCxn id="4" idx="4"/>
+            <a:endCxn id="5" idx="0"/>
+          </p:cNvCxnSpPr>
+          <p:nvPr/>
+        </p:nvCxnSpPr>
+        <p:spPr>
+          <a:xfrm>
+            <a:off x="1090864" y="1660358"/>
+            <a:ext cx="1" cy="216571"/>
+          </a:xfrm>
+          <a:prstGeom prst="straightConnector1">
+            <a:avLst/>
+          </a:prstGeom>
+          <a:ln>
+            <a:tailEnd type="arrow"/>
+          </a:ln>
+        </p:spPr>
+        <p:style>
+          <a:lnRef idx="2">
+            <a:schemeClr val="dk1"/>
+          </a:lnRef>
+          <a:fillRef idx="0">
+            <a:schemeClr val="dk1"/>
+          </a:fillRef>
+          <a:effectRef idx="1">
+            <a:schemeClr val="dk1"/>
+          </a:effectRef>
+          <a:fontRef idx="minor">
+            <a:schemeClr val="tx1"/>
+          </a:fontRef>
+        </p:style>
+      </p:cxnSp>
+      <p:cxnSp>
+        <p:nvCxnSpPr>
+          <p:cNvPr id="13" name="Straight Arrow Connector 12"/>
+          <p:cNvCxnSpPr>
+            <a:stCxn id="5" idx="2"/>
+            <a:endCxn id="27" idx="0"/>
+          </p:cNvCxnSpPr>
+          <p:nvPr/>
+        </p:nvCxnSpPr>
+        <p:spPr>
+          <a:xfrm flipH="1">
+            <a:off x="1090864" y="2334126"/>
+            <a:ext cx="1" cy="200530"/>
+          </a:xfrm>
+          <a:prstGeom prst="straightConnector1">
+            <a:avLst/>
+          </a:prstGeom>
+          <a:ln>
+            <a:tailEnd type="arrow"/>
+          </a:ln>
+        </p:spPr>
+        <p:style>
+          <a:lnRef idx="2">
+            <a:schemeClr val="dk1"/>
+          </a:lnRef>
+          <a:fillRef idx="0">
+            <a:schemeClr val="dk1"/>
+          </a:fillRef>
+          <a:effectRef idx="1">
+            <a:schemeClr val="dk1"/>
+          </a:effectRef>
+          <a:fontRef idx="minor">
+            <a:schemeClr val="tx1"/>
+          </a:fontRef>
+        </p:style>
+      </p:cxnSp>
+      <p:cxnSp>
+        <p:nvCxnSpPr>
+          <p:cNvPr id="18" name="Straight Arrow Connector 17"/>
+          <p:cNvCxnSpPr>
+            <a:stCxn id="6" idx="2"/>
+            <a:endCxn id="25" idx="0"/>
+          </p:cNvCxnSpPr>
+          <p:nvPr/>
+        </p:nvCxnSpPr>
+        <p:spPr>
+          <a:xfrm>
+            <a:off x="1090864" y="4074695"/>
+            <a:ext cx="1" cy="314827"/>
+          </a:xfrm>
+          <a:prstGeom prst="straightConnector1">
+            <a:avLst/>
+          </a:prstGeom>
+          <a:ln>
+            <a:tailEnd type="arrow"/>
+          </a:ln>
+        </p:spPr>
+        <p:style>
+          <a:lnRef idx="2">
+            <a:schemeClr val="dk1"/>
+          </a:lnRef>
+          <a:fillRef idx="0">
+            <a:schemeClr val="dk1"/>
+          </a:fillRef>
+          <a:effectRef idx="1">
+            <a:schemeClr val="dk1"/>
+          </a:effectRef>
+          <a:fontRef idx="minor">
+            <a:schemeClr val="tx1"/>
+          </a:fontRef>
+        </p:style>
+      </p:cxnSp>
+      <p:sp>
+        <p:nvSpPr>
+          <p:cNvPr id="24" name="Rectangle 23"/>
+          <p:cNvSpPr/>
+          <p:nvPr/>
+        </p:nvSpPr>
+        <p:spPr>
+          <a:xfrm>
+            <a:off x="4495802" y="1323477"/>
+            <a:ext cx="1467851" cy="753979"/>
+          </a:xfrm>
+          <a:prstGeom prst="rect">
+            <a:avLst/>
+          </a:prstGeom>
+        </p:spPr>
+        <p:style>
+          <a:lnRef idx="2">
+            <a:schemeClr val="dk1"/>
+          </a:lnRef>
+          <a:fillRef idx="1">
+            <a:schemeClr val="lt1"/>
+          </a:fillRef>
+          <a:effectRef idx="0">
+            <a:schemeClr val="dk1"/>
+          </a:effectRef>
+          <a:fontRef idx="minor">
+            <a:schemeClr val="dk1"/>
+          </a:fontRef>
+        </p:style>
+        <p:txBody>
+          <a:bodyPr lIns="0" tIns="0" rIns="0" bIns="0" rtlCol="0" anchor="ctr"/>
+          <a:lstStyle/>
+          <a:p>
+            <a:pPr algn="ctr"/>
+            <a:r>
+              <a:rPr lang="pt-BR" sz="1400" dirty="0" smtClean="0"/>
+              <a:t>Take another slice</a:t>
+            </a:r>
+            <a:endParaRPr lang="en-US" sz="1400" dirty="0"/>
+          </a:p>
+        </p:txBody>
+      </p:sp>
+      <p:sp>
+        <p:nvSpPr>
+          <p:cNvPr id="25" name="Rectangle 24"/>
+          <p:cNvSpPr/>
+          <p:nvPr/>
+        </p:nvSpPr>
+        <p:spPr>
+          <a:xfrm>
+            <a:off x="401055" y="4389522"/>
+            <a:ext cx="1379619" cy="407068"/>
+          </a:xfrm>
+          <a:prstGeom prst="rect">
+            <a:avLst/>
+          </a:prstGeom>
+        </p:spPr>
+        <p:style>
+          <a:lnRef idx="2">
+            <a:schemeClr val="dk1"/>
+          </a:lnRef>
+          <a:fillRef idx="1">
+            <a:schemeClr val="lt1"/>
+          </a:fillRef>
+          <a:effectRef idx="0">
+            <a:schemeClr val="dk1"/>
+          </a:effectRef>
+          <a:fontRef idx="minor">
+            <a:schemeClr val="dk1"/>
+          </a:fontRef>
+        </p:style>
+        <p:txBody>
+          <a:bodyPr lIns="0" tIns="0" rIns="0" bIns="0" rtlCol="0" anchor="ctr"/>
+          <a:lstStyle/>
+          <a:p>
+            <a:pPr algn="ctr"/>
+            <a:r>
+              <a:rPr lang="pt-BR" sz="1400" dirty="0" smtClean="0"/>
+              <a:t>Apply more butter</a:t>
+            </a:r>
+            <a:endParaRPr lang="en-US" sz="1400" dirty="0"/>
+          </a:p>
+        </p:txBody>
+      </p:sp>
+      <p:sp>
+        <p:nvSpPr>
+          <p:cNvPr id="27" name="Rectangle 26"/>
+          <p:cNvSpPr/>
+          <p:nvPr/>
+        </p:nvSpPr>
+        <p:spPr>
+          <a:xfrm>
+            <a:off x="385012" y="2534656"/>
+            <a:ext cx="1411704" cy="473239"/>
+          </a:xfrm>
+          <a:prstGeom prst="rect">
+            <a:avLst/>
+          </a:prstGeom>
+        </p:spPr>
+        <p:style>
+          <a:lnRef idx="2">
+            <a:schemeClr val="dk1"/>
+          </a:lnRef>
+          <a:fillRef idx="1">
+            <a:schemeClr val="lt1"/>
+          </a:fillRef>
+          <a:effectRef idx="0">
+            <a:schemeClr val="dk1"/>
+          </a:effectRef>
+          <a:fontRef idx="minor">
+            <a:schemeClr val="dk1"/>
+          </a:fontRef>
+        </p:style>
+        <p:txBody>
+          <a:bodyPr lIns="0" tIns="0" rIns="0" bIns="0" rtlCol="0" anchor="ctr"/>
+          <a:lstStyle/>
+          <a:p>
+            <a:pPr algn="ctr"/>
+            <a:r>
+              <a:rPr lang="pt-BR" sz="1400" dirty="0" smtClean="0"/>
+              <a:t>Spread butter using a knife</a:t>
+            </a:r>
+            <a:endParaRPr lang="en-US" sz="1400" dirty="0"/>
+          </a:p>
+        </p:txBody>
+      </p:sp>
+      <p:cxnSp>
+        <p:nvCxnSpPr>
+          <p:cNvPr id="31" name="Straight Arrow Connector 30"/>
+          <p:cNvCxnSpPr>
+            <a:stCxn id="27" idx="2"/>
+            <a:endCxn id="6" idx="0"/>
+          </p:cNvCxnSpPr>
+          <p:nvPr/>
+        </p:nvCxnSpPr>
+        <p:spPr>
+          <a:xfrm>
+            <a:off x="1090864" y="3007895"/>
+            <a:ext cx="0" cy="240630"/>
+          </a:xfrm>
+          <a:prstGeom prst="straightConnector1">
+            <a:avLst/>
+          </a:prstGeom>
+          <a:ln>
+            <a:tailEnd type="arrow"/>
+          </a:ln>
+        </p:spPr>
+        <p:style>
+          <a:lnRef idx="2">
+            <a:schemeClr val="dk1"/>
+          </a:lnRef>
+          <a:fillRef idx="0">
+            <a:schemeClr val="dk1"/>
+          </a:fillRef>
+          <a:effectRef idx="1">
+            <a:schemeClr val="dk1"/>
+          </a:effectRef>
+          <a:fontRef idx="minor">
+            <a:schemeClr val="tx1"/>
+          </a:fontRef>
+        </p:style>
+      </p:cxnSp>
+      <p:sp>
+        <p:nvSpPr>
+          <p:cNvPr id="57" name="Rectangle 56"/>
+          <p:cNvSpPr/>
+          <p:nvPr/>
+        </p:nvSpPr>
+        <p:spPr>
+          <a:xfrm>
+            <a:off x="4523875" y="2695077"/>
+            <a:ext cx="1411704" cy="473239"/>
+          </a:xfrm>
+          <a:prstGeom prst="rect">
+            <a:avLst/>
+          </a:prstGeom>
+        </p:spPr>
+        <p:style>
+          <a:lnRef idx="2">
+            <a:schemeClr val="dk1"/>
+          </a:lnRef>
+          <a:fillRef idx="1">
+            <a:schemeClr val="lt1"/>
+          </a:fillRef>
+          <a:effectRef idx="0">
+            <a:schemeClr val="dk1"/>
+          </a:effectRef>
+          <a:fontRef idx="minor">
+            <a:schemeClr val="dk1"/>
+          </a:fontRef>
+        </p:style>
+        <p:txBody>
+          <a:bodyPr lIns="0" tIns="0" rIns="0" bIns="0" rtlCol="0" anchor="ctr"/>
+          <a:lstStyle/>
+          <a:p>
+            <a:pPr algn="ctr"/>
+            <a:r>
+              <a:rPr lang="pt-BR" sz="1400" dirty="0" smtClean="0"/>
+              <a:t>Spread jelly using a knife</a:t>
+            </a:r>
+            <a:endParaRPr lang="en-US" sz="1400" dirty="0"/>
+          </a:p>
+        </p:txBody>
+      </p:sp>
+      <p:cxnSp>
+        <p:nvCxnSpPr>
+          <p:cNvPr id="58" name="Straight Arrow Connector 57"/>
+          <p:cNvCxnSpPr>
+            <a:stCxn id="24" idx="2"/>
+            <a:endCxn id="57" idx="0"/>
+          </p:cNvCxnSpPr>
+          <p:nvPr/>
+        </p:nvCxnSpPr>
+        <p:spPr>
+          <a:xfrm flipH="1">
+            <a:off x="5229727" y="2077456"/>
+            <a:ext cx="1" cy="617621"/>
+          </a:xfrm>
+          <a:prstGeom prst="straightConnector1">
+            <a:avLst/>
+          </a:prstGeom>
+          <a:ln>
+            <a:tailEnd type="arrow"/>
+          </a:ln>
+        </p:spPr>
+        <p:style>
+          <a:lnRef idx="2">
+            <a:schemeClr val="dk1"/>
+          </a:lnRef>
+          <a:fillRef idx="0">
+            <a:schemeClr val="dk1"/>
+          </a:fillRef>
+          <a:effectRef idx="1">
+            <a:schemeClr val="dk1"/>
+          </a:effectRef>
+          <a:fontRef idx="minor">
+            <a:schemeClr val="tx1"/>
+          </a:fontRef>
+        </p:style>
+      </p:cxnSp>
+      <p:cxnSp>
+        <p:nvCxnSpPr>
+          <p:cNvPr id="68" name="Elbow Connector 67"/>
+          <p:cNvCxnSpPr>
+            <a:stCxn id="25" idx="1"/>
+            <a:endCxn id="6" idx="1"/>
+          </p:cNvCxnSpPr>
+          <p:nvPr/>
+        </p:nvCxnSpPr>
+        <p:spPr>
+          <a:xfrm rot="10800000">
+            <a:off x="288759" y="3661610"/>
+            <a:ext cx="112296" cy="931446"/>
+          </a:xfrm>
+          <a:prstGeom prst="bentConnector3">
+            <a:avLst>
+              <a:gd name="adj1" fmla="val 303569"/>
+            </a:avLst>
+          </a:prstGeom>
+          <a:ln>
+            <a:tailEnd type="arrow"/>
+          </a:ln>
+        </p:spPr>
+        <p:style>
+          <a:lnRef idx="2">
+            <a:schemeClr val="dk1"/>
+          </a:lnRef>
+          <a:fillRef idx="0">
+            <a:schemeClr val="dk1"/>
+          </a:fillRef>
+          <a:effectRef idx="1">
+            <a:schemeClr val="dk1"/>
+          </a:effectRef>
+          <a:fontRef idx="minor">
+            <a:schemeClr val="tx1"/>
+          </a:fontRef>
+        </p:style>
+      </p:cxnSp>
+      <p:sp>
+        <p:nvSpPr>
+          <p:cNvPr id="70" name="Diamond 69"/>
+          <p:cNvSpPr/>
+          <p:nvPr/>
+        </p:nvSpPr>
+        <p:spPr>
+          <a:xfrm>
+            <a:off x="4427622" y="3320714"/>
+            <a:ext cx="1604210" cy="826170"/>
+          </a:xfrm>
+          <a:prstGeom prst="diamond">
+            <a:avLst/>
+          </a:prstGeom>
+        </p:spPr>
+        <p:style>
+          <a:lnRef idx="2">
+            <a:schemeClr val="dk1"/>
+          </a:lnRef>
+          <a:fillRef idx="1">
+            <a:schemeClr val="lt1"/>
+          </a:fillRef>
+          <a:effectRef idx="0">
+            <a:schemeClr val="dk1"/>
+          </a:effectRef>
+          <a:fontRef idx="minor">
+            <a:schemeClr val="dk1"/>
+          </a:fontRef>
+        </p:style>
+        <p:txBody>
+          <a:bodyPr lIns="0" tIns="0" rIns="0" bIns="0" rtlCol="0" anchor="ctr"/>
+          <a:lstStyle/>
+          <a:p>
+            <a:pPr algn="ctr"/>
+            <a:r>
+              <a:rPr lang="pt-BR" sz="1400" dirty="0" smtClean="0"/>
+              <a:t>Enough Jelly?</a:t>
+            </a:r>
+            <a:endParaRPr lang="en-US" sz="1400" dirty="0"/>
+          </a:p>
+        </p:txBody>
+      </p:sp>
+      <p:cxnSp>
+        <p:nvCxnSpPr>
+          <p:cNvPr id="71" name="Straight Arrow Connector 70"/>
+          <p:cNvCxnSpPr>
+            <a:stCxn id="57" idx="2"/>
+            <a:endCxn id="70" idx="0"/>
+          </p:cNvCxnSpPr>
+          <p:nvPr/>
+        </p:nvCxnSpPr>
+        <p:spPr>
+          <a:xfrm>
+            <a:off x="5229727" y="3168316"/>
+            <a:ext cx="0" cy="152398"/>
+          </a:xfrm>
+          <a:prstGeom prst="straightConnector1">
+            <a:avLst/>
+          </a:prstGeom>
+          <a:ln>
+            <a:tailEnd type="arrow"/>
+          </a:ln>
+        </p:spPr>
+        <p:style>
+          <a:lnRef idx="2">
+            <a:schemeClr val="dk1"/>
+          </a:lnRef>
+          <a:fillRef idx="0">
+            <a:schemeClr val="dk1"/>
+          </a:fillRef>
+          <a:effectRef idx="1">
+            <a:schemeClr val="dk1"/>
+          </a:effectRef>
+          <a:fontRef idx="minor">
+            <a:schemeClr val="tx1"/>
+          </a:fontRef>
+        </p:style>
+      </p:cxnSp>
+      <p:cxnSp>
+        <p:nvCxnSpPr>
+          <p:cNvPr id="74" name="Straight Arrow Connector 73"/>
+          <p:cNvCxnSpPr>
+            <a:stCxn id="70" idx="3"/>
+            <a:endCxn id="99" idx="1"/>
+          </p:cNvCxnSpPr>
+          <p:nvPr/>
+        </p:nvCxnSpPr>
+        <p:spPr>
+          <a:xfrm>
+            <a:off x="6031832" y="3733799"/>
+            <a:ext cx="457201" cy="0"/>
+          </a:xfrm>
+          <a:prstGeom prst="straightConnector1">
+            <a:avLst/>
+          </a:prstGeom>
+          <a:ln>
+            <a:tailEnd type="arrow"/>
+          </a:ln>
+        </p:spPr>
+        <p:style>
+          <a:lnRef idx="2">
+            <a:schemeClr val="dk1"/>
+          </a:lnRef>
+          <a:fillRef idx="0">
+            <a:schemeClr val="dk1"/>
+          </a:fillRef>
+          <a:effectRef idx="1">
+            <a:schemeClr val="dk1"/>
+          </a:effectRef>
+          <a:fontRef idx="minor">
+            <a:schemeClr val="tx1"/>
+          </a:fontRef>
+        </p:style>
+      </p:cxnSp>
+      <p:cxnSp>
+        <p:nvCxnSpPr>
+          <p:cNvPr id="76" name="Straight Arrow Connector 75"/>
+          <p:cNvCxnSpPr>
+            <a:stCxn id="70" idx="2"/>
+            <a:endCxn id="79" idx="0"/>
+          </p:cNvCxnSpPr>
+          <p:nvPr/>
+        </p:nvCxnSpPr>
+        <p:spPr>
+          <a:xfrm>
+            <a:off x="5229727" y="4146884"/>
+            <a:ext cx="1" cy="411080"/>
+          </a:xfrm>
+          <a:prstGeom prst="straightConnector1">
+            <a:avLst/>
+          </a:prstGeom>
+          <a:ln>
+            <a:tailEnd type="arrow"/>
+          </a:ln>
+        </p:spPr>
+        <p:style>
+          <a:lnRef idx="2">
+            <a:schemeClr val="dk1"/>
+          </a:lnRef>
+          <a:fillRef idx="0">
+            <a:schemeClr val="dk1"/>
+          </a:fillRef>
+          <a:effectRef idx="1">
+            <a:schemeClr val="dk1"/>
+          </a:effectRef>
+          <a:fontRef idx="minor">
+            <a:schemeClr val="tx1"/>
+          </a:fontRef>
+        </p:style>
+      </p:cxnSp>
+      <p:sp>
+        <p:nvSpPr>
+          <p:cNvPr id="79" name="Rectangle 78"/>
+          <p:cNvSpPr/>
+          <p:nvPr/>
+        </p:nvSpPr>
+        <p:spPr>
+          <a:xfrm>
+            <a:off x="4539918" y="4557964"/>
+            <a:ext cx="1379619" cy="407068"/>
+          </a:xfrm>
+          <a:prstGeom prst="rect">
+            <a:avLst/>
+          </a:prstGeom>
+        </p:spPr>
+        <p:style>
+          <a:lnRef idx="2">
+            <a:schemeClr val="dk1"/>
+          </a:lnRef>
+          <a:fillRef idx="1">
+            <a:schemeClr val="lt1"/>
+          </a:fillRef>
+          <a:effectRef idx="0">
+            <a:schemeClr val="dk1"/>
+          </a:effectRef>
+          <a:fontRef idx="minor">
+            <a:schemeClr val="dk1"/>
+          </a:fontRef>
+        </p:style>
+        <p:txBody>
+          <a:bodyPr lIns="0" tIns="0" rIns="0" bIns="0" rtlCol="0" anchor="ctr"/>
+          <a:lstStyle/>
+          <a:p>
+            <a:pPr algn="ctr"/>
+            <a:r>
+              <a:rPr lang="pt-BR" sz="1400" dirty="0" smtClean="0"/>
+              <a:t>Apply more Jelly</a:t>
+            </a:r>
+            <a:endParaRPr lang="en-US" sz="1400" dirty="0"/>
+          </a:p>
+        </p:txBody>
+      </p:sp>
+      <p:cxnSp>
+        <p:nvCxnSpPr>
+          <p:cNvPr id="93" name="Elbow Connector 92"/>
+          <p:cNvCxnSpPr>
+            <a:stCxn id="79" idx="1"/>
+            <a:endCxn id="70" idx="1"/>
+          </p:cNvCxnSpPr>
+          <p:nvPr/>
+        </p:nvCxnSpPr>
+        <p:spPr>
+          <a:xfrm rot="10800000">
+            <a:off x="4427622" y="3733800"/>
+            <a:ext cx="112296" cy="1027699"/>
+          </a:xfrm>
+          <a:prstGeom prst="bentConnector3">
+            <a:avLst>
+              <a:gd name="adj1" fmla="val 303569"/>
+            </a:avLst>
+          </a:prstGeom>
+          <a:ln>
+            <a:tailEnd type="arrow"/>
+          </a:ln>
+        </p:spPr>
+        <p:style>
+          <a:lnRef idx="2">
+            <a:schemeClr val="dk1"/>
+          </a:lnRef>
+          <a:fillRef idx="0">
+            <a:schemeClr val="dk1"/>
+          </a:fillRef>
+          <a:effectRef idx="1">
+            <a:schemeClr val="dk1"/>
+          </a:effectRef>
+          <a:fontRef idx="minor">
+            <a:schemeClr val="tx1"/>
+          </a:fontRef>
+        </p:style>
+      </p:cxnSp>
+      <p:cxnSp>
+        <p:nvCxnSpPr>
+          <p:cNvPr id="96" name="Elbow Connector 95"/>
+          <p:cNvCxnSpPr>
+            <a:stCxn id="6" idx="3"/>
+            <a:endCxn id="24" idx="0"/>
+          </p:cNvCxnSpPr>
+          <p:nvPr/>
+        </p:nvCxnSpPr>
+        <p:spPr>
+          <a:xfrm flipV="1">
+            <a:off x="1892969" y="1323477"/>
+            <a:ext cx="3336759" cy="2338133"/>
+          </a:xfrm>
+          <a:prstGeom prst="bentConnector4">
+            <a:avLst>
+              <a:gd name="adj1" fmla="val 39002"/>
+              <a:gd name="adj2" fmla="val 109777"/>
+            </a:avLst>
+          </a:prstGeom>
+          <a:ln>
+            <a:tailEnd type="arrow"/>
+          </a:ln>
+        </p:spPr>
+        <p:style>
+          <a:lnRef idx="2">
+            <a:schemeClr val="dk1"/>
+          </a:lnRef>
+          <a:fillRef idx="0">
+            <a:schemeClr val="dk1"/>
+          </a:fillRef>
+          <a:effectRef idx="1">
+            <a:schemeClr val="dk1"/>
+          </a:effectRef>
+          <a:fontRef idx="minor">
+            <a:schemeClr val="tx1"/>
+          </a:fontRef>
+        </p:style>
+      </p:cxnSp>
+      <p:sp>
+        <p:nvSpPr>
+          <p:cNvPr id="99" name="Rectangle 98"/>
+          <p:cNvSpPr/>
+          <p:nvPr/>
+        </p:nvSpPr>
+        <p:spPr>
+          <a:xfrm>
+            <a:off x="6489033" y="3530265"/>
+            <a:ext cx="1379619" cy="407068"/>
+          </a:xfrm>
+          <a:prstGeom prst="rect">
+            <a:avLst/>
+          </a:prstGeom>
+        </p:spPr>
+        <p:style>
+          <a:lnRef idx="2">
+            <a:schemeClr val="dk1"/>
+          </a:lnRef>
+          <a:fillRef idx="1">
+            <a:schemeClr val="lt1"/>
+          </a:fillRef>
+          <a:effectRef idx="0">
+            <a:schemeClr val="dk1"/>
+          </a:effectRef>
+          <a:fontRef idx="minor">
+            <a:schemeClr val="dk1"/>
+          </a:fontRef>
+        </p:style>
+        <p:txBody>
+          <a:bodyPr lIns="0" tIns="0" rIns="0" bIns="0" rtlCol="0" anchor="ctr"/>
+          <a:lstStyle/>
+          <a:p>
+            <a:pPr algn="ctr"/>
+            <a:r>
+              <a:rPr lang="pt-BR" sz="1400" dirty="0" smtClean="0"/>
+              <a:t>Put the slice on the first slide</a:t>
+            </a:r>
+            <a:endParaRPr lang="en-US" sz="1400" dirty="0"/>
+          </a:p>
+        </p:txBody>
+      </p:sp>
+      <p:sp>
+        <p:nvSpPr>
+          <p:cNvPr id="102" name="Oval 101"/>
+          <p:cNvSpPr/>
+          <p:nvPr/>
+        </p:nvSpPr>
+        <p:spPr>
+          <a:xfrm>
+            <a:off x="8029074" y="3493168"/>
+            <a:ext cx="1114926" cy="481263"/>
+          </a:xfrm>
+          <a:prstGeom prst="ellipse">
+            <a:avLst/>
+          </a:prstGeom>
+        </p:spPr>
+        <p:style>
+          <a:lnRef idx="2">
+            <a:schemeClr val="dk1"/>
+          </a:lnRef>
+          <a:fillRef idx="1">
+            <a:schemeClr val="lt1"/>
+          </a:fillRef>
+          <a:effectRef idx="0">
+            <a:schemeClr val="dk1"/>
+          </a:effectRef>
+          <a:fontRef idx="minor">
+            <a:schemeClr val="dk1"/>
+          </a:fontRef>
+        </p:style>
+        <p:txBody>
+          <a:bodyPr rtlCol="0" anchor="ctr"/>
+          <a:lstStyle/>
+          <a:p>
+            <a:pPr algn="ctr"/>
+            <a:r>
+              <a:rPr lang="pt-BR" sz="1400" dirty="0" smtClean="0"/>
+              <a:t>End</a:t>
+            </a:r>
+            <a:endParaRPr lang="en-US" sz="1400" dirty="0"/>
+          </a:p>
+        </p:txBody>
+      </p:sp>
+      <p:cxnSp>
+        <p:nvCxnSpPr>
+          <p:cNvPr id="103" name="Straight Arrow Connector 102"/>
+          <p:cNvCxnSpPr>
+            <a:stCxn id="99" idx="3"/>
+            <a:endCxn id="102" idx="2"/>
+          </p:cNvCxnSpPr>
+          <p:nvPr/>
+        </p:nvCxnSpPr>
+        <p:spPr>
+          <a:xfrm>
+            <a:off x="7868652" y="3733799"/>
+            <a:ext cx="160422" cy="1"/>
+          </a:xfrm>
+          <a:prstGeom prst="straightConnector1">
+            <a:avLst/>
+          </a:prstGeom>
+          <a:ln>
+            <a:tailEnd type="arrow"/>
+          </a:ln>
+        </p:spPr>
+        <p:style>
+          <a:lnRef idx="2">
+            <a:schemeClr val="dk1"/>
+          </a:lnRef>
+          <a:fillRef idx="0">
+            <a:schemeClr val="dk1"/>
+          </a:fillRef>
+          <a:effectRef idx="1">
+            <a:schemeClr val="dk1"/>
+          </a:effectRef>
+          <a:fontRef idx="minor">
+            <a:schemeClr val="tx1"/>
+          </a:fontRef>
+        </p:style>
+      </p:cxnSp>
+      <p:sp>
+        <p:nvSpPr>
+          <p:cNvPr id="107" name="TextBox 106"/>
+          <p:cNvSpPr txBox="1"/>
+          <p:nvPr/>
+        </p:nvSpPr>
+        <p:spPr>
+          <a:xfrm>
+            <a:off x="1187115" y="4042611"/>
+            <a:ext cx="513348" cy="307777"/>
+          </a:xfrm>
+          <a:prstGeom prst="rect">
+            <a:avLst/>
+          </a:prstGeom>
+          <a:noFill/>
+        </p:spPr>
+        <p:txBody>
+          <a:bodyPr wrap="square" rtlCol="0">
+            <a:spAutoFit/>
           </a:bodyPr>
           <a:lstStyle/>
           <a:p>
             <a:r>
-              <a:rPr lang="pt-BR" dirty="0" smtClean="0"/>
-              <a:t>Perl </a:t>
-            </a:r>
-            <a:r>
-              <a:rPr lang="pt-BR" sz="2800" dirty="0" smtClean="0"/>
-              <a:t>(</a:t>
-            </a:r>
-            <a:r>
-              <a:rPr lang="en-US" sz="2800" dirty="0" smtClean="0"/>
-              <a:t>Practical Extraction and Report Language</a:t>
-            </a:r>
-            <a:r>
-              <a:rPr lang="pt-BR" sz="2800" dirty="0" smtClean="0"/>
-              <a:t>)</a:t>
-            </a:r>
-            <a:endParaRPr lang="en-US" sz="2800" dirty="0"/>
-          </a:p>
-        </p:txBody>
-      </p:sp>
-      <p:sp>
-        <p:nvSpPr>
-          <p:cNvPr id="3" name="Content Placeholder 2"/>
-          <p:cNvSpPr>
-            <a:spLocks noGrp="1"/>
-          </p:cNvSpPr>
-          <p:nvPr>
-            <p:ph idx="1"/>
-          </p:nvPr>
-        </p:nvSpPr>
-        <p:spPr>
-          <a:xfrm>
-            <a:off x="457200" y="1200150"/>
-            <a:ext cx="8229600" cy="3943350"/>
-          </a:xfrm>
-        </p:spPr>
-        <p:txBody>
-          <a:bodyPr>
-            <a:normAutofit/>
+              <a:rPr lang="pt-BR" sz="1400" i="1" dirty="0" smtClean="0"/>
+              <a:t>No</a:t>
+            </a:r>
+            <a:endParaRPr lang="en-US" sz="1400" i="1" dirty="0"/>
+          </a:p>
+        </p:txBody>
+      </p:sp>
+      <p:sp>
+        <p:nvSpPr>
+          <p:cNvPr id="108" name="TextBox 107"/>
+          <p:cNvSpPr txBox="1"/>
+          <p:nvPr/>
+        </p:nvSpPr>
+        <p:spPr>
+          <a:xfrm>
+            <a:off x="1997242" y="3336758"/>
+            <a:ext cx="513348" cy="307777"/>
+          </a:xfrm>
+          <a:prstGeom prst="rect">
+            <a:avLst/>
+          </a:prstGeom>
+          <a:noFill/>
+        </p:spPr>
+        <p:txBody>
+          <a:bodyPr wrap="square" rtlCol="0">
+            <a:spAutoFit/>
           </a:bodyPr>
           <a:lstStyle/>
           <a:p>
             <a:r>
-              <a:rPr lang="en-US" dirty="0" smtClean="0"/>
-              <a:t>Perl is an interpreted high-level programming language developed by Larry Wall.</a:t>
-            </a:r>
-          </a:p>
-          <a:p>
-            <a:r>
-              <a:rPr lang="en-US" dirty="0" smtClean="0">
-                <a:latin typeface="Arial" pitchFamily="34" charset="0"/>
-              </a:rPr>
-              <a:t>Easy to learn compared to most </a:t>
-            </a:r>
-            <a:r>
-              <a:rPr lang="en-US" dirty="0" smtClean="0">
-                <a:latin typeface="Arial" pitchFamily="34" charset="0"/>
-              </a:rPr>
-              <a:t>other post-modern languages</a:t>
-            </a:r>
-            <a:endParaRPr lang="en-US" dirty="0" smtClean="0">
-              <a:latin typeface="Arial" pitchFamily="34" charset="0"/>
-            </a:endParaRPr>
-          </a:p>
-          <a:p>
-            <a:r>
-              <a:rPr lang="en-US" dirty="0" smtClean="0">
-                <a:latin typeface="Arial" pitchFamily="34" charset="0"/>
-              </a:rPr>
-              <a:t>Designed for working with </a:t>
-            </a:r>
-            <a:r>
-              <a:rPr lang="en-US" b="1" dirty="0" smtClean="0">
-                <a:latin typeface="Arial" pitchFamily="34" charset="0"/>
-              </a:rPr>
-              <a:t>text files. (DNA/Protein)</a:t>
-            </a:r>
-          </a:p>
-          <a:p>
-            <a:r>
-              <a:rPr lang="en-US" b="1" dirty="0" smtClean="0">
-                <a:latin typeface="Arial" pitchFamily="34" charset="0"/>
-              </a:rPr>
-              <a:t>Free</a:t>
-            </a:r>
-            <a:r>
-              <a:rPr lang="en-US" dirty="0" smtClean="0">
-                <a:latin typeface="Arial" pitchFamily="34" charset="0"/>
-              </a:rPr>
-              <a:t> for </a:t>
-            </a:r>
-            <a:r>
-              <a:rPr lang="en-US" b="1" u="sng" dirty="0" smtClean="0">
-                <a:latin typeface="Arial" pitchFamily="34" charset="0"/>
-              </a:rPr>
-              <a:t>all</a:t>
-            </a:r>
-            <a:r>
-              <a:rPr lang="en-US" dirty="0" smtClean="0">
-                <a:latin typeface="Arial" pitchFamily="34" charset="0"/>
-              </a:rPr>
-              <a:t> operating systems</a:t>
-            </a:r>
-          </a:p>
-          <a:p>
-            <a:r>
-              <a:rPr lang="pt-BR" dirty="0" smtClean="0">
-                <a:latin typeface="Arial" pitchFamily="34" charset="0"/>
-              </a:rPr>
-              <a:t>Webserver/database integration</a:t>
-            </a:r>
-          </a:p>
-          <a:p>
-            <a:r>
-              <a:rPr lang="en-US" dirty="0" smtClean="0">
-                <a:latin typeface="Arial" pitchFamily="34" charset="0"/>
-              </a:rPr>
-              <a:t>Powerful regular </a:t>
-            </a:r>
-            <a:r>
-              <a:rPr lang="en-US" dirty="0" smtClean="0">
-                <a:latin typeface="Arial" pitchFamily="34" charset="0"/>
-              </a:rPr>
-              <a:t>expression matching and string manipulation</a:t>
-            </a:r>
-          </a:p>
-          <a:p>
-            <a:endParaRPr lang="en-US" dirty="0"/>
+              <a:rPr lang="pt-BR" sz="1400" i="1" dirty="0" smtClean="0"/>
+              <a:t>Yes</a:t>
+            </a:r>
+            <a:endParaRPr lang="en-US" sz="1400" i="1" dirty="0"/>
+          </a:p>
+        </p:txBody>
+      </p:sp>
+      <p:sp>
+        <p:nvSpPr>
+          <p:cNvPr id="109" name="TextBox 108"/>
+          <p:cNvSpPr txBox="1"/>
+          <p:nvPr/>
+        </p:nvSpPr>
+        <p:spPr>
+          <a:xfrm>
+            <a:off x="5277852" y="4146885"/>
+            <a:ext cx="513348" cy="307777"/>
+          </a:xfrm>
+          <a:prstGeom prst="rect">
+            <a:avLst/>
+          </a:prstGeom>
+          <a:noFill/>
+        </p:spPr>
+        <p:txBody>
+          <a:bodyPr wrap="square" rtlCol="0">
+            <a:spAutoFit/>
+          </a:bodyPr>
+          <a:lstStyle/>
+          <a:p>
+            <a:r>
+              <a:rPr lang="pt-BR" sz="1400" i="1" dirty="0" smtClean="0"/>
+              <a:t>No</a:t>
+            </a:r>
+            <a:endParaRPr lang="en-US" sz="1400" i="1" dirty="0"/>
+          </a:p>
+        </p:txBody>
+      </p:sp>
+      <p:sp>
+        <p:nvSpPr>
+          <p:cNvPr id="110" name="TextBox 109"/>
+          <p:cNvSpPr txBox="1"/>
+          <p:nvPr/>
+        </p:nvSpPr>
+        <p:spPr>
+          <a:xfrm>
+            <a:off x="5991727" y="3408947"/>
+            <a:ext cx="513348" cy="307777"/>
+          </a:xfrm>
+          <a:prstGeom prst="rect">
+            <a:avLst/>
+          </a:prstGeom>
+          <a:noFill/>
+        </p:spPr>
+        <p:txBody>
+          <a:bodyPr wrap="square" rtlCol="0">
+            <a:spAutoFit/>
+          </a:bodyPr>
+          <a:lstStyle/>
+          <a:p>
+            <a:r>
+              <a:rPr lang="pt-BR" sz="1400" i="1" dirty="0" smtClean="0"/>
+              <a:t>Yes</a:t>
+            </a:r>
+            <a:endParaRPr lang="en-US" sz="1400" i="1" dirty="0"/>
           </a:p>
         </p:txBody>
       </p:sp>
       <p:pic>
         <p:nvPicPr>
-          <p:cNvPr id="7171" name="Picture 3"/>
+          <p:cNvPr id="6146" name="Picture 2"/>
           <p:cNvPicPr>
             <a:picLocks noChangeAspect="1" noChangeArrowheads="1"/>
           </p:cNvPicPr>
@@ -7748,9 +8502,9 @@
           </a:stretch>
         </p:blipFill>
         <p:spPr bwMode="auto">
-          <a:xfrm>
-            <a:off x="7587343" y="0"/>
-            <a:ext cx="1364152" cy="690261"/>
+          <a:xfrm rot="20463133">
+            <a:off x="7234367" y="1039727"/>
+            <a:ext cx="1777595" cy="1109913"/>
           </a:xfrm>
           <a:prstGeom prst="rect">
             <a:avLst/>
@@ -7764,18 +8518,137 @@
           </a:ln>
         </p:spPr>
       </p:pic>
+      <p:sp>
+        <p:nvSpPr>
+          <p:cNvPr id="32" name="Curved Left Arrow 31"/>
+          <p:cNvSpPr/>
+          <p:nvPr/>
+        </p:nvSpPr>
+        <p:spPr>
+          <a:xfrm>
+            <a:off x="770021" y="4026569"/>
+            <a:ext cx="368969" cy="601579"/>
+          </a:xfrm>
+          <a:prstGeom prst="curvedLeftArrow">
+            <a:avLst/>
+          </a:prstGeom>
+        </p:spPr>
+        <p:style>
+          <a:lnRef idx="2">
+            <a:schemeClr val="accent1">
+              <a:shade val="50000"/>
+            </a:schemeClr>
+          </a:lnRef>
+          <a:fillRef idx="1">
+            <a:schemeClr val="accent1"/>
+          </a:fillRef>
+          <a:effectRef idx="0">
+            <a:schemeClr val="accent1"/>
+          </a:effectRef>
+          <a:fontRef idx="minor">
+            <a:schemeClr val="lt1"/>
+          </a:fontRef>
+        </p:style>
+        <p:txBody>
+          <a:bodyPr rtlCol="0" anchor="ctr"/>
+          <a:lstStyle/>
+          <a:p>
+            <a:pPr algn="ctr"/>
+            <a:endParaRPr lang="en-US">
+              <a:solidFill>
+                <a:schemeClr val="tx1"/>
+              </a:solidFill>
+            </a:endParaRPr>
+          </a:p>
+        </p:txBody>
+      </p:sp>
+      <p:sp>
+        <p:nvSpPr>
+          <p:cNvPr id="34" name="Curved Left Arrow 33"/>
+          <p:cNvSpPr/>
+          <p:nvPr/>
+        </p:nvSpPr>
+        <p:spPr>
+          <a:xfrm rot="10393050">
+            <a:off x="146525" y="4074694"/>
+            <a:ext cx="368969" cy="601579"/>
+          </a:xfrm>
+          <a:prstGeom prst="curvedLeftArrow">
+            <a:avLst/>
+          </a:prstGeom>
+        </p:spPr>
+        <p:style>
+          <a:lnRef idx="2">
+            <a:schemeClr val="accent1">
+              <a:shade val="50000"/>
+            </a:schemeClr>
+          </a:lnRef>
+          <a:fillRef idx="1">
+            <a:schemeClr val="accent1"/>
+          </a:fillRef>
+          <a:effectRef idx="0">
+            <a:schemeClr val="accent1"/>
+          </a:effectRef>
+          <a:fontRef idx="minor">
+            <a:schemeClr val="lt1"/>
+          </a:fontRef>
+        </p:style>
+        <p:txBody>
+          <a:bodyPr rtlCol="0" anchor="ctr"/>
+          <a:lstStyle/>
+          <a:p>
+            <a:pPr algn="ctr"/>
+            <a:endParaRPr lang="en-US">
+              <a:solidFill>
+                <a:schemeClr val="tx1"/>
+              </a:solidFill>
+            </a:endParaRPr>
+          </a:p>
+        </p:txBody>
+      </p:sp>
+      <p:sp>
+        <p:nvSpPr>
+          <p:cNvPr id="35" name="TextBox 34"/>
+          <p:cNvSpPr txBox="1"/>
+          <p:nvPr/>
+        </p:nvSpPr>
+        <p:spPr>
+          <a:xfrm>
+            <a:off x="320842" y="4074695"/>
+            <a:ext cx="866273" cy="369332"/>
+          </a:xfrm>
+          <a:prstGeom prst="rect">
+            <a:avLst/>
+          </a:prstGeom>
+          <a:noFill/>
+        </p:spPr>
+        <p:txBody>
+          <a:bodyPr wrap="square" rtlCol="0">
+            <a:spAutoFit/>
+          </a:bodyPr>
+          <a:lstStyle/>
+          <a:p>
+            <a:r>
+              <a:rPr lang="pt-BR" b="1" dirty="0" smtClean="0">
+                <a:solidFill>
+                  <a:srgbClr val="FF0000"/>
+                </a:solidFill>
+              </a:rPr>
+              <a:t>Loop</a:t>
+            </a:r>
+            <a:endParaRPr lang="en-US" b="1" dirty="0">
+              <a:solidFill>
+                <a:srgbClr val="FF0000"/>
+              </a:solidFill>
+            </a:endParaRPr>
+          </a:p>
+        </p:txBody>
+      </p:sp>
     </p:spTree>
   </p:cSld>
   <p:clrMapOvr>
     <a:masterClrMapping/>
   </p:clrMapOvr>
-  <p:timing>
-    <p:tnLst>
-      <p:par>
-        <p:cTn id="1" dur="indefinite" restart="never" nodeType="tmRoot"/>
-      </p:par>
-    </p:tnLst>
-  </p:timing>
 </p:sld>
 </file>
 
@@ -7808,14 +8681,28 @@
         </p:nvSpPr>
         <p:spPr/>
         <p:txBody>
-          <a:bodyPr/>
+          <a:bodyPr>
+            <a:normAutofit/>
+          </a:bodyPr>
           <a:lstStyle/>
           <a:p>
             <a:r>
               <a:rPr lang="pt-BR" dirty="0" smtClean="0"/>
-              <a:t>Perl and Bioinformatics</a:t>
-            </a:r>
-            <a:endParaRPr lang="en-US" dirty="0"/>
+              <a:t>Perl </a:t>
+            </a:r>
+            <a:r>
+              <a:rPr lang="pt-BR" sz="2800" dirty="0" smtClean="0"/>
+              <a:t>(</a:t>
+            </a:r>
+            <a:r>
+              <a:rPr lang="en-US" sz="2800" dirty="0" smtClean="0"/>
+              <a:t>Practical Extraction and Report Language</a:t>
+            </a:r>
+            <a:r>
+              <a:rPr lang="pt-BR" sz="2800" dirty="0" smtClean="0"/>
+              <a:t>)</a:t>
+            </a:r>
+            <a:endParaRPr lang="en-US" sz="2800" dirty="0"/>
           </a:p>
         </p:txBody>
       </p:sp>
@@ -7829,68 +8716,29 @@
             <p:ph idx="1"/>
           </p:nvPr>
         </p:nvSpPr>
-        <p:spPr/>
+        <p:spPr>
+          <a:xfrm>
+            <a:off x="457200" y="1200150"/>
+            <a:ext cx="8229600" cy="3943350"/>
+          </a:xfrm>
+        </p:spPr>
         <p:txBody>
           <a:bodyPr>
-            <a:normAutofit lnSpcReduction="10000"/>
+            <a:normAutofit/>
           </a:bodyPr>
           <a:lstStyle/>
+          <a:p>
+            <a:r>
+              <a:rPr lang="en-US" dirty="0" smtClean="0"/>
+              <a:t>Perl is an interpreted high-level programming language developed by Larry Wall.</a:t>
+            </a:r>
+          </a:p>
           <a:p>
             <a:r>
               <a:rPr lang="en-US" dirty="0" smtClean="0">
                 <a:latin typeface="Arial" pitchFamily="34" charset="0"/>
               </a:rPr>
-              <a:t>Most popular language in bioinformatics </a:t>
-            </a:r>
-          </a:p>
-          <a:p>
-            <a:pPr lvl="1"/>
-            <a:r>
-              <a:rPr lang="pt-BR" dirty="0" smtClean="0"/>
-              <a:t>Format conversion (</a:t>
-            </a:r>
-            <a:r>
-              <a:rPr lang="en-US" dirty="0" smtClean="0"/>
-              <a:t>slicing, dicing, twisting, wringing, smoothing, summarizing </a:t>
-            </a:r>
-            <a:r>
-              <a:rPr lang="pt-BR" dirty="0" smtClean="0"/>
-              <a:t>) on commandline</a:t>
-            </a:r>
-          </a:p>
-          <a:p>
-            <a:pPr lvl="1"/>
-            <a:r>
-              <a:rPr lang="pt-BR" dirty="0" smtClean="0"/>
-              <a:t>Run pipelines</a:t>
-            </a:r>
-          </a:p>
-          <a:p>
-            <a:pPr lvl="1"/>
-            <a:r>
-              <a:rPr lang="pt-BR" dirty="0" smtClean="0"/>
-              <a:t>Organize files </a:t>
-            </a:r>
-          </a:p>
-          <a:p>
-            <a:pPr lvl="1"/>
-            <a:r>
-              <a:rPr lang="pt-BR" dirty="0" smtClean="0"/>
-              <a:t>Create simple plots</a:t>
-            </a:r>
-          </a:p>
-          <a:p>
-            <a:pPr lvl="1"/>
-            <a:r>
-              <a:rPr lang="pt-BR" dirty="0" smtClean="0"/>
-              <a:t>Glue multiple programming langages</a:t>
-            </a:r>
-          </a:p>
-          <a:p>
-            <a:pPr lvl="1"/>
-            <a:r>
-              <a:rPr lang="pt-BR" dirty="0" smtClean="0"/>
-              <a:t>Download data from internet</a:t>
+              <a:t>Easy to learn compared to most other post-modern languages</a:t>
             </a:r>
           </a:p>
           <a:p>
@@ -7898,39 +8746,65 @@
               <a:rPr lang="en-US" dirty="0" smtClean="0">
                 <a:latin typeface="Arial" pitchFamily="34" charset="0"/>
               </a:rPr>
-              <a:t>many scripts available you can </a:t>
-            </a:r>
-            <a:r>
-              <a:rPr lang="ja-JP" altLang="en-US" smtClean="0">
+              <a:t>Designed for working with </a:t>
+            </a:r>
+            <a:r>
+              <a:rPr lang="en-US" b="1" dirty="0" smtClean="0">
                 <a:latin typeface="Arial" pitchFamily="34" charset="0"/>
               </a:rPr>
-              <a:t>“</a:t>
-            </a:r>
-            <a:r>
-              <a:rPr lang="en-US" altLang="ja-JP" dirty="0" smtClean="0">
+              <a:t>text files. (DNA/Protein)</a:t>
+            </a:r>
+          </a:p>
+          <a:p>
+            <a:r>
+              <a:rPr lang="en-US" b="1" dirty="0" smtClean="0">
                 <a:latin typeface="Arial" pitchFamily="34" charset="0"/>
               </a:rPr>
-              <a:t>borrow</a:t>
-            </a:r>
-            <a:r>
-              <a:rPr lang="ja-JP" altLang="en-US" smtClean="0">
+              <a:t>Free</a:t>
+            </a:r>
+            <a:r>
+              <a:rPr lang="en-US" dirty="0" smtClean="0">
                 <a:latin typeface="Arial" pitchFamily="34" charset="0"/>
               </a:rPr>
-              <a:t>”</a:t>
-            </a:r>
-            <a:r>
-              <a:rPr lang="en-US" altLang="ja-JP" dirty="0" smtClean="0">
+              <a:t> for </a:t>
+            </a:r>
+            <a:r>
+              <a:rPr lang="en-US" b="1" u="sng" dirty="0" smtClean="0">
                 <a:latin typeface="Arial" pitchFamily="34" charset="0"/>
               </a:rPr>
-              <a:t>, also readymade modules</a:t>
-            </a:r>
+              <a:t>all</a:t>
+            </a:r>
+            <a:r>
+              <a:rPr lang="en-US" dirty="0" smtClean="0">
+                <a:latin typeface="Arial" pitchFamily="34" charset="0"/>
+              </a:rPr>
+              <a:t> operating systems</a:t>
+            </a:r>
+          </a:p>
+          <a:p>
+            <a:r>
+              <a:rPr lang="pt-BR" dirty="0" smtClean="0">
+                <a:latin typeface="Arial" pitchFamily="34" charset="0"/>
+              </a:rPr>
+              <a:t>Webserver/database integration</a:t>
+            </a:r>
+          </a:p>
+          <a:p>
+            <a:r>
+              <a:rPr lang="en-US" dirty="0" smtClean="0">
+                <a:latin typeface="Arial" pitchFamily="34" charset="0"/>
+              </a:rPr>
+              <a:t>Powerful regular expression matching and string manipulation</a:t>
+            </a:r>
+          </a:p>
+          <a:p>
             <a:endParaRPr lang="en-US" dirty="0"/>
           </a:p>
         </p:txBody>
       </p:sp>
       <p:pic>
         <p:nvPicPr>
-          <p:cNvPr id="4" name="Picture 3"/>
+          <p:cNvPr id="7171" name="Picture 3"/>
           <p:cNvPicPr>
             <a:picLocks noChangeAspect="1" noChangeArrowheads="1"/>
           </p:cNvPicPr>
@@ -7945,6 +8819,202 @@
         </p:blipFill>
         <p:spPr bwMode="auto">
           <a:xfrm>
+            <a:off x="7587343" y="0"/>
+            <a:ext cx="1364152" cy="690261"/>
+          </a:xfrm>
+          <a:prstGeom prst="rect">
+            <a:avLst/>
+          </a:prstGeom>
+          <a:noFill/>
+          <a:ln w="9525">
+            <a:noFill/>
+            <a:miter lim="800000"/>
+            <a:headEnd/>
+            <a:tailEnd/>
+          </a:ln>
+        </p:spPr>
+      </p:pic>
+    </p:spTree>
+  </p:cSld>
+  <p:clrMapOvr>
+    <a:masterClrMapping/>
+  </p:clrMapOvr>
+  <p:timing>
+    <p:tnLst>
+      <p:par>
+        <p:cTn id="1" dur="indefinite" restart="never" nodeType="tmRoot"/>
+      </p:par>
+    </p:tnLst>
+  </p:timing>
+</p:sld>
+</file>
+
+<file path=ppt/slides/slide15.xml><?xml version="1.0" encoding="utf-8"?>
+<p:sld xmlns:a="http://schemas.openxmlformats.org/drawingml/2006/main" xmlns:r="http://schemas.openxmlformats.org/officeDocument/2006/relationships" xmlns:p="http://schemas.openxmlformats.org/presentationml/2006/main">
+  <p:cSld>
+    <p:spTree>
+      <p:nvGrpSpPr>
+        <p:cNvPr id="1" name=""/>
+        <p:cNvGrpSpPr/>
+        <p:nvPr/>
+      </p:nvGrpSpPr>
+      <p:grpSpPr>
+        <a:xfrm>
+          <a:off x="0" y="0"/>
+          <a:ext cx="0" cy="0"/>
+          <a:chOff x="0" y="0"/>
+          <a:chExt cx="0" cy="0"/>
+        </a:xfrm>
+      </p:grpSpPr>
+      <p:sp>
+        <p:nvSpPr>
+          <p:cNvPr id="2" name="Title 1"/>
+          <p:cNvSpPr>
+            <a:spLocks noGrp="1"/>
+          </p:cNvSpPr>
+          <p:nvPr>
+            <p:ph type="title"/>
+          </p:nvPr>
+        </p:nvSpPr>
+        <p:spPr/>
+        <p:txBody>
+          <a:bodyPr/>
+          <a:lstStyle/>
+          <a:p>
+            <a:r>
+              <a:rPr lang="pt-BR" dirty="0" smtClean="0"/>
+              <a:t>Perl and Bioinformatics</a:t>
+            </a:r>
+            <a:endParaRPr lang="en-US" dirty="0"/>
+          </a:p>
+        </p:txBody>
+      </p:sp>
+      <p:sp>
+        <p:nvSpPr>
+          <p:cNvPr id="3" name="Content Placeholder 2"/>
+          <p:cNvSpPr>
+            <a:spLocks noGrp="1"/>
+          </p:cNvSpPr>
+          <p:nvPr>
+            <p:ph idx="1"/>
+          </p:nvPr>
+        </p:nvSpPr>
+        <p:spPr/>
+        <p:txBody>
+          <a:bodyPr>
+            <a:normAutofit lnSpcReduction="10000"/>
+          </a:bodyPr>
+          <a:lstStyle/>
+          <a:p>
+            <a:r>
+              <a:rPr lang="en-US" dirty="0" smtClean="0">
+                <a:latin typeface="Arial" pitchFamily="34" charset="0"/>
+              </a:rPr>
+              <a:t>Most popular language in bioinformatics </a:t>
+            </a:r>
+          </a:p>
+          <a:p>
+            <a:pPr lvl="1"/>
+            <a:r>
+              <a:rPr lang="pt-BR" dirty="0" smtClean="0"/>
+              <a:t>Format conversion (</a:t>
+            </a:r>
+            <a:r>
+              <a:rPr lang="en-US" dirty="0" smtClean="0"/>
+              <a:t>slicing, dicing, twisting, wringing, smoothing, summarizing </a:t>
+            </a:r>
+            <a:r>
+              <a:rPr lang="pt-BR" dirty="0" smtClean="0"/>
+              <a:t>) on commandline</a:t>
+            </a:r>
+          </a:p>
+          <a:p>
+            <a:pPr lvl="1"/>
+            <a:r>
+              <a:rPr lang="pt-BR" dirty="0" smtClean="0"/>
+              <a:t>Run pipelines</a:t>
+            </a:r>
+          </a:p>
+          <a:p>
+            <a:pPr lvl="1"/>
+            <a:r>
+              <a:rPr lang="pt-BR" dirty="0" smtClean="0"/>
+              <a:t>Organize files </a:t>
+            </a:r>
+          </a:p>
+          <a:p>
+            <a:pPr lvl="1"/>
+            <a:r>
+              <a:rPr lang="pt-BR" dirty="0" smtClean="0"/>
+              <a:t>Create simple plots</a:t>
+            </a:r>
+          </a:p>
+          <a:p>
+            <a:pPr lvl="1"/>
+            <a:r>
+              <a:rPr lang="pt-BR" dirty="0" smtClean="0"/>
+              <a:t>Glue multiple programming langages</a:t>
+            </a:r>
+          </a:p>
+          <a:p>
+            <a:pPr lvl="1"/>
+            <a:r>
+              <a:rPr lang="pt-BR" dirty="0" smtClean="0"/>
+              <a:t>Download data from internet</a:t>
+            </a:r>
+          </a:p>
+          <a:p>
+            <a:r>
+              <a:rPr lang="en-US" dirty="0" smtClean="0">
+                <a:latin typeface="Arial" pitchFamily="34" charset="0"/>
+              </a:rPr>
+              <a:t>many scripts available you can </a:t>
+            </a:r>
+            <a:r>
+              <a:rPr lang="ja-JP" altLang="en-US" smtClean="0">
+                <a:latin typeface="Arial" pitchFamily="34" charset="0"/>
+              </a:rPr>
+              <a:t>“</a:t>
+            </a:r>
+            <a:r>
+              <a:rPr lang="en-US" altLang="ja-JP" dirty="0" smtClean="0">
+                <a:latin typeface="Arial" pitchFamily="34" charset="0"/>
+              </a:rPr>
+              <a:t>borrow</a:t>
+            </a:r>
+            <a:r>
+              <a:rPr lang="ja-JP" altLang="en-US" smtClean="0">
+                <a:latin typeface="Arial" pitchFamily="34" charset="0"/>
+              </a:rPr>
+              <a:t>”</a:t>
+            </a:r>
+            <a:r>
+              <a:rPr lang="en-US" altLang="ja-JP" dirty="0" smtClean="0">
+                <a:latin typeface="Arial" pitchFamily="34" charset="0"/>
+              </a:rPr>
+              <a:t>, also readymade modules</a:t>
+            </a:r>
+            <a:endParaRPr lang="en-US" dirty="0"/>
+          </a:p>
+        </p:txBody>
+      </p:sp>
+      <p:pic>
+        <p:nvPicPr>
+          <p:cNvPr id="4" name="Picture 3"/>
+          <p:cNvPicPr>
+            <a:picLocks noChangeAspect="1" noChangeArrowheads="1"/>
+          </p:cNvPicPr>
+          <p:nvPr/>
+        </p:nvPicPr>
+        <p:blipFill>
+          <a:blip r:embed="rId2" cstate="print"/>
+          <a:srcRect/>
+          <a:stretch>
+            <a:fillRect/>
+          </a:stretch>
+        </p:blipFill>
+        <p:spPr bwMode="auto">
+          <a:xfrm>
             <a:off x="7708231" y="120316"/>
             <a:ext cx="1227221" cy="1227221"/>
           </a:xfrm>
@@ -7968,7 +9038,7 @@
 </p:sld>
 </file>
 
-<file path=ppt/slides/slide15.xml><?xml version="1.0" encoding="utf-8"?>
+<file path=ppt/slides/slide16.xml><?xml version="1.0" encoding="utf-8"?>
 <p:sld xmlns:a="http://schemas.openxmlformats.org/drawingml/2006/main" xmlns:r="http://schemas.openxmlformats.org/officeDocument/2006/relationships" xmlns:p="http://schemas.openxmlformats.org/presentationml/2006/main">
   <p:cSld>
     <p:spTree>
@@ -9853,7 +10923,7 @@
       </p:grpSpPr>
       <p:sp>
         <p:nvSpPr>
-          <p:cNvPr id="2" name="Title 1"/>
+          <p:cNvPr id="5" name="Title 4"/>
           <p:cNvSpPr>
             <a:spLocks noGrp="1"/>
           </p:cNvSpPr>
@@ -9868,931 +10938,1010 @@
           <a:p>
             <a:r>
               <a:rPr lang="pt-BR" dirty="0" smtClean="0"/>
-              <a:t>Peanut-Butter-Jelly (PBJ) algorithm</a:t>
+              <a:t>Flow of control</a:t>
             </a:r>
             <a:endParaRPr lang="en-US" dirty="0"/>
           </a:p>
         </p:txBody>
       </p:sp>
-      <p:sp>
-        <p:nvSpPr>
-          <p:cNvPr id="4" name="Oval 3"/>
-          <p:cNvSpPr/>
-          <p:nvPr/>
-        </p:nvSpPr>
-        <p:spPr>
-          <a:xfrm>
-            <a:off x="533401" y="1179095"/>
-            <a:ext cx="1114926" cy="481263"/>
-          </a:xfrm>
-          <a:prstGeom prst="ellipse">
-            <a:avLst/>
-          </a:prstGeom>
-        </p:spPr>
-        <p:style>
-          <a:lnRef idx="2">
-            <a:schemeClr val="dk1"/>
-          </a:lnRef>
-          <a:fillRef idx="1">
-            <a:schemeClr val="lt1"/>
-          </a:fillRef>
-          <a:effectRef idx="0">
-            <a:schemeClr val="dk1"/>
-          </a:effectRef>
-          <a:fontRef idx="minor">
-            <a:schemeClr val="dk1"/>
-          </a:fontRef>
-        </p:style>
-        <p:txBody>
-          <a:bodyPr rtlCol="0" anchor="ctr"/>
-          <a:lstStyle/>
-          <a:p>
-            <a:pPr algn="ctr"/>
-            <a:r>
-              <a:rPr lang="pt-BR" sz="1400" dirty="0" smtClean="0"/>
-              <a:t>Start</a:t>
-            </a:r>
-            <a:endParaRPr lang="en-US" sz="1400" dirty="0"/>
-          </a:p>
-        </p:txBody>
-      </p:sp>
-      <p:sp>
-        <p:nvSpPr>
-          <p:cNvPr id="5" name="Rectangle 4"/>
-          <p:cNvSpPr/>
-          <p:nvPr/>
-        </p:nvSpPr>
-        <p:spPr>
-          <a:xfrm>
-            <a:off x="421107" y="1876929"/>
-            <a:ext cx="1339515" cy="457197"/>
-          </a:xfrm>
-          <a:prstGeom prst="rect">
-            <a:avLst/>
-          </a:prstGeom>
-        </p:spPr>
-        <p:style>
-          <a:lnRef idx="2">
-            <a:schemeClr val="dk1"/>
-          </a:lnRef>
-          <a:fillRef idx="1">
-            <a:schemeClr val="lt1"/>
-          </a:fillRef>
-          <a:effectRef idx="0">
-            <a:schemeClr val="dk1"/>
-          </a:effectRef>
-          <a:fontRef idx="minor">
-            <a:schemeClr val="dk1"/>
-          </a:fontRef>
-        </p:style>
-        <p:txBody>
-          <a:bodyPr lIns="0" tIns="0" rIns="0" bIns="0" rtlCol="0" anchor="ctr"/>
-          <a:lstStyle/>
-          <a:p>
-            <a:pPr algn="ctr"/>
-            <a:r>
-              <a:rPr lang="pt-BR" sz="1400" dirty="0" smtClean="0"/>
-              <a:t>Get a slice of bread </a:t>
-            </a:r>
-            <a:endParaRPr lang="en-US" sz="1400" dirty="0"/>
-          </a:p>
-        </p:txBody>
-      </p:sp>
-      <p:sp>
-        <p:nvSpPr>
-          <p:cNvPr id="6" name="Diamond 5"/>
-          <p:cNvSpPr/>
-          <p:nvPr/>
-        </p:nvSpPr>
-        <p:spPr>
-          <a:xfrm>
-            <a:off x="288759" y="3248525"/>
-            <a:ext cx="1604210" cy="826170"/>
-          </a:xfrm>
-          <a:prstGeom prst="diamond">
-            <a:avLst/>
-          </a:prstGeom>
-        </p:spPr>
-        <p:style>
-          <a:lnRef idx="2">
-            <a:schemeClr val="dk1"/>
-          </a:lnRef>
-          <a:fillRef idx="1">
-            <a:schemeClr val="lt1"/>
-          </a:fillRef>
-          <a:effectRef idx="0">
-            <a:schemeClr val="dk1"/>
-          </a:effectRef>
-          <a:fontRef idx="minor">
-            <a:schemeClr val="dk1"/>
-          </a:fontRef>
-        </p:style>
-        <p:txBody>
-          <a:bodyPr lIns="0" tIns="0" rIns="0" bIns="0" rtlCol="0" anchor="ctr"/>
-          <a:lstStyle/>
-          <a:p>
-            <a:pPr algn="ctr"/>
-            <a:r>
-              <a:rPr lang="pt-BR" sz="1400" dirty="0" smtClean="0"/>
-              <a:t>Enough peanut </a:t>
-            </a:r>
-            <a:r>
-              <a:rPr lang="pt-BR" sz="1400" dirty="0" smtClean="0"/>
-              <a:t>butter?</a:t>
-            </a:r>
-            <a:endParaRPr lang="en-US" sz="1400" dirty="0"/>
-          </a:p>
-        </p:txBody>
-      </p:sp>
-      <p:cxnSp>
-        <p:nvCxnSpPr>
-          <p:cNvPr id="8" name="Straight Arrow Connector 7"/>
-          <p:cNvCxnSpPr>
-            <a:stCxn id="4" idx="4"/>
-            <a:endCxn id="5" idx="0"/>
-          </p:cNvCxnSpPr>
-          <p:nvPr/>
-        </p:nvCxnSpPr>
-        <p:spPr>
-          <a:xfrm>
-            <a:off x="1090864" y="1660358"/>
-            <a:ext cx="1" cy="216571"/>
-          </a:xfrm>
-          <a:prstGeom prst="straightConnector1">
-            <a:avLst/>
-          </a:prstGeom>
-          <a:ln>
-            <a:tailEnd type="arrow"/>
-          </a:ln>
-        </p:spPr>
-        <p:style>
-          <a:lnRef idx="2">
-            <a:schemeClr val="dk1"/>
-          </a:lnRef>
-          <a:fillRef idx="0">
-            <a:schemeClr val="dk1"/>
-          </a:fillRef>
-          <a:effectRef idx="1">
-            <a:schemeClr val="dk1"/>
-          </a:effectRef>
-          <a:fontRef idx="minor">
-            <a:schemeClr val="tx1"/>
-          </a:fontRef>
-        </p:style>
-      </p:cxnSp>
-      <p:cxnSp>
-        <p:nvCxnSpPr>
-          <p:cNvPr id="13" name="Straight Arrow Connector 12"/>
-          <p:cNvCxnSpPr>
-            <a:stCxn id="5" idx="2"/>
-            <a:endCxn id="27" idx="0"/>
-          </p:cNvCxnSpPr>
-          <p:nvPr/>
-        </p:nvCxnSpPr>
-        <p:spPr>
-          <a:xfrm flipH="1">
-            <a:off x="1090864" y="2334126"/>
-            <a:ext cx="1" cy="200530"/>
-          </a:xfrm>
-          <a:prstGeom prst="straightConnector1">
-            <a:avLst/>
-          </a:prstGeom>
-          <a:ln>
-            <a:tailEnd type="arrow"/>
-          </a:ln>
-        </p:spPr>
-        <p:style>
-          <a:lnRef idx="2">
-            <a:schemeClr val="dk1"/>
-          </a:lnRef>
-          <a:fillRef idx="0">
-            <a:schemeClr val="dk1"/>
-          </a:fillRef>
-          <a:effectRef idx="1">
-            <a:schemeClr val="dk1"/>
-          </a:effectRef>
-          <a:fontRef idx="minor">
-            <a:schemeClr val="tx1"/>
-          </a:fontRef>
-        </p:style>
-      </p:cxnSp>
-      <p:cxnSp>
-        <p:nvCxnSpPr>
-          <p:cNvPr id="18" name="Straight Arrow Connector 17"/>
-          <p:cNvCxnSpPr>
-            <a:stCxn id="6" idx="2"/>
-            <a:endCxn id="25" idx="0"/>
-          </p:cNvCxnSpPr>
-          <p:nvPr/>
-        </p:nvCxnSpPr>
-        <p:spPr>
-          <a:xfrm>
-            <a:off x="1090864" y="4074695"/>
-            <a:ext cx="1" cy="314827"/>
-          </a:xfrm>
-          <a:prstGeom prst="straightConnector1">
-            <a:avLst/>
-          </a:prstGeom>
-          <a:ln>
-            <a:tailEnd type="arrow"/>
-          </a:ln>
-        </p:spPr>
-        <p:style>
-          <a:lnRef idx="2">
-            <a:schemeClr val="dk1"/>
-          </a:lnRef>
-          <a:fillRef idx="0">
-            <a:schemeClr val="dk1"/>
-          </a:fillRef>
-          <a:effectRef idx="1">
-            <a:schemeClr val="dk1"/>
-          </a:effectRef>
-          <a:fontRef idx="minor">
-            <a:schemeClr val="tx1"/>
-          </a:fontRef>
-        </p:style>
-      </p:cxnSp>
-      <p:sp>
-        <p:nvSpPr>
-          <p:cNvPr id="24" name="Rectangle 23"/>
-          <p:cNvSpPr/>
-          <p:nvPr/>
-        </p:nvSpPr>
-        <p:spPr>
-          <a:xfrm>
-            <a:off x="4495802" y="1323477"/>
-            <a:ext cx="1467851" cy="753979"/>
-          </a:xfrm>
-          <a:prstGeom prst="rect">
-            <a:avLst/>
-          </a:prstGeom>
-        </p:spPr>
-        <p:style>
-          <a:lnRef idx="2">
-            <a:schemeClr val="dk1"/>
-          </a:lnRef>
-          <a:fillRef idx="1">
-            <a:schemeClr val="lt1"/>
-          </a:fillRef>
-          <a:effectRef idx="0">
-            <a:schemeClr val="dk1"/>
-          </a:effectRef>
-          <a:fontRef idx="minor">
-            <a:schemeClr val="dk1"/>
-          </a:fontRef>
-        </p:style>
-        <p:txBody>
-          <a:bodyPr lIns="0" tIns="0" rIns="0" bIns="0" rtlCol="0" anchor="ctr"/>
-          <a:lstStyle/>
-          <a:p>
-            <a:pPr algn="ctr"/>
-            <a:r>
-              <a:rPr lang="pt-BR" sz="1400" dirty="0" smtClean="0"/>
-              <a:t>Take another slice</a:t>
-            </a:r>
-            <a:endParaRPr lang="en-US" sz="1400" dirty="0"/>
-          </a:p>
-        </p:txBody>
-      </p:sp>
-      <p:sp>
-        <p:nvSpPr>
-          <p:cNvPr id="25" name="Rectangle 24"/>
-          <p:cNvSpPr/>
-          <p:nvPr/>
-        </p:nvSpPr>
-        <p:spPr>
-          <a:xfrm>
-            <a:off x="401055" y="4389522"/>
-            <a:ext cx="1379619" cy="407068"/>
-          </a:xfrm>
-          <a:prstGeom prst="rect">
-            <a:avLst/>
-          </a:prstGeom>
-        </p:spPr>
-        <p:style>
-          <a:lnRef idx="2">
-            <a:schemeClr val="dk1"/>
-          </a:lnRef>
-          <a:fillRef idx="1">
-            <a:schemeClr val="lt1"/>
-          </a:fillRef>
-          <a:effectRef idx="0">
-            <a:schemeClr val="dk1"/>
-          </a:effectRef>
-          <a:fontRef idx="minor">
-            <a:schemeClr val="dk1"/>
-          </a:fontRef>
-        </p:style>
-        <p:txBody>
-          <a:bodyPr lIns="0" tIns="0" rIns="0" bIns="0" rtlCol="0" anchor="ctr"/>
-          <a:lstStyle/>
-          <a:p>
-            <a:pPr algn="ctr"/>
-            <a:r>
-              <a:rPr lang="pt-BR" sz="1400" dirty="0" smtClean="0"/>
-              <a:t>Apply more butter</a:t>
-            </a:r>
-            <a:endParaRPr lang="en-US" sz="1400" dirty="0"/>
-          </a:p>
-        </p:txBody>
-      </p:sp>
-      <p:sp>
-        <p:nvSpPr>
-          <p:cNvPr id="27" name="Rectangle 26"/>
-          <p:cNvSpPr/>
-          <p:nvPr/>
-        </p:nvSpPr>
-        <p:spPr>
-          <a:xfrm>
-            <a:off x="385012" y="2534656"/>
-            <a:ext cx="1411704" cy="473239"/>
-          </a:xfrm>
-          <a:prstGeom prst="rect">
-            <a:avLst/>
-          </a:prstGeom>
-        </p:spPr>
-        <p:style>
-          <a:lnRef idx="2">
-            <a:schemeClr val="dk1"/>
-          </a:lnRef>
-          <a:fillRef idx="1">
-            <a:schemeClr val="lt1"/>
-          </a:fillRef>
-          <a:effectRef idx="0">
-            <a:schemeClr val="dk1"/>
-          </a:effectRef>
-          <a:fontRef idx="minor">
-            <a:schemeClr val="dk1"/>
-          </a:fontRef>
-        </p:style>
-        <p:txBody>
-          <a:bodyPr lIns="0" tIns="0" rIns="0" bIns="0" rtlCol="0" anchor="ctr"/>
-          <a:lstStyle/>
-          <a:p>
-            <a:pPr algn="ctr"/>
-            <a:r>
-              <a:rPr lang="pt-BR" sz="1400" dirty="0" smtClean="0"/>
-              <a:t>Spread butter using a knife</a:t>
-            </a:r>
-            <a:endParaRPr lang="en-US" sz="1400" dirty="0"/>
-          </a:p>
-        </p:txBody>
-      </p:sp>
-      <p:cxnSp>
-        <p:nvCxnSpPr>
-          <p:cNvPr id="31" name="Straight Arrow Connector 30"/>
-          <p:cNvCxnSpPr>
-            <a:stCxn id="27" idx="2"/>
-            <a:endCxn id="6" idx="0"/>
-          </p:cNvCxnSpPr>
-          <p:nvPr/>
-        </p:nvCxnSpPr>
-        <p:spPr>
-          <a:xfrm>
-            <a:off x="1090864" y="3007895"/>
-            <a:ext cx="0" cy="240630"/>
-          </a:xfrm>
-          <a:prstGeom prst="straightConnector1">
-            <a:avLst/>
-          </a:prstGeom>
-          <a:ln>
-            <a:tailEnd type="arrow"/>
-          </a:ln>
-        </p:spPr>
-        <p:style>
-          <a:lnRef idx="2">
-            <a:schemeClr val="dk1"/>
-          </a:lnRef>
-          <a:fillRef idx="0">
-            <a:schemeClr val="dk1"/>
-          </a:fillRef>
-          <a:effectRef idx="1">
-            <a:schemeClr val="dk1"/>
-          </a:effectRef>
-          <a:fontRef idx="minor">
-            <a:schemeClr val="tx1"/>
-          </a:fontRef>
-        </p:style>
-      </p:cxnSp>
-      <p:sp>
-        <p:nvSpPr>
-          <p:cNvPr id="57" name="Rectangle 56"/>
-          <p:cNvSpPr/>
-          <p:nvPr/>
-        </p:nvSpPr>
-        <p:spPr>
-          <a:xfrm>
-            <a:off x="4523875" y="2695077"/>
-            <a:ext cx="1411704" cy="473239"/>
-          </a:xfrm>
-          <a:prstGeom prst="rect">
-            <a:avLst/>
-          </a:prstGeom>
-        </p:spPr>
-        <p:style>
-          <a:lnRef idx="2">
-            <a:schemeClr val="dk1"/>
-          </a:lnRef>
-          <a:fillRef idx="1">
-            <a:schemeClr val="lt1"/>
-          </a:fillRef>
-          <a:effectRef idx="0">
-            <a:schemeClr val="dk1"/>
-          </a:effectRef>
-          <a:fontRef idx="minor">
-            <a:schemeClr val="dk1"/>
-          </a:fontRef>
-        </p:style>
-        <p:txBody>
-          <a:bodyPr lIns="0" tIns="0" rIns="0" bIns="0" rtlCol="0" anchor="ctr"/>
-          <a:lstStyle/>
-          <a:p>
-            <a:pPr algn="ctr"/>
-            <a:r>
-              <a:rPr lang="pt-BR" sz="1400" dirty="0" smtClean="0"/>
-              <a:t>Spread jelly using a knife</a:t>
-            </a:r>
-            <a:endParaRPr lang="en-US" sz="1400" dirty="0"/>
-          </a:p>
-        </p:txBody>
-      </p:sp>
-      <p:cxnSp>
-        <p:nvCxnSpPr>
-          <p:cNvPr id="58" name="Straight Arrow Connector 57"/>
-          <p:cNvCxnSpPr>
-            <a:stCxn id="24" idx="2"/>
-            <a:endCxn id="57" idx="0"/>
-          </p:cNvCxnSpPr>
-          <p:nvPr/>
-        </p:nvCxnSpPr>
-        <p:spPr>
-          <a:xfrm flipH="1">
-            <a:off x="5229727" y="2077456"/>
-            <a:ext cx="1" cy="617621"/>
-          </a:xfrm>
-          <a:prstGeom prst="straightConnector1">
-            <a:avLst/>
-          </a:prstGeom>
-          <a:ln>
-            <a:tailEnd type="arrow"/>
-          </a:ln>
-        </p:spPr>
-        <p:style>
-          <a:lnRef idx="2">
-            <a:schemeClr val="dk1"/>
-          </a:lnRef>
-          <a:fillRef idx="0">
-            <a:schemeClr val="dk1"/>
-          </a:fillRef>
-          <a:effectRef idx="1">
-            <a:schemeClr val="dk1"/>
-          </a:effectRef>
-          <a:fontRef idx="minor">
-            <a:schemeClr val="tx1"/>
-          </a:fontRef>
-        </p:style>
-      </p:cxnSp>
-      <p:cxnSp>
-        <p:nvCxnSpPr>
-          <p:cNvPr id="68" name="Elbow Connector 67"/>
-          <p:cNvCxnSpPr>
-            <a:stCxn id="25" idx="1"/>
-            <a:endCxn id="6" idx="1"/>
-          </p:cNvCxnSpPr>
-          <p:nvPr/>
-        </p:nvCxnSpPr>
-        <p:spPr>
-          <a:xfrm rot="10800000">
-            <a:off x="288759" y="3661610"/>
-            <a:ext cx="112296" cy="931446"/>
-          </a:xfrm>
-          <a:prstGeom prst="bentConnector3">
-            <a:avLst>
-              <a:gd name="adj1" fmla="val 303569"/>
-            </a:avLst>
-          </a:prstGeom>
-          <a:ln>
-            <a:tailEnd type="arrow"/>
-          </a:ln>
-        </p:spPr>
-        <p:style>
-          <a:lnRef idx="2">
-            <a:schemeClr val="dk1"/>
-          </a:lnRef>
-          <a:fillRef idx="0">
-            <a:schemeClr val="dk1"/>
-          </a:fillRef>
-          <a:effectRef idx="1">
-            <a:schemeClr val="dk1"/>
-          </a:effectRef>
-          <a:fontRef idx="minor">
-            <a:schemeClr val="tx1"/>
-          </a:fontRef>
-        </p:style>
-      </p:cxnSp>
-      <p:sp>
-        <p:nvSpPr>
-          <p:cNvPr id="70" name="Diamond 69"/>
-          <p:cNvSpPr/>
-          <p:nvPr/>
-        </p:nvSpPr>
-        <p:spPr>
-          <a:xfrm>
-            <a:off x="4427622" y="3320714"/>
-            <a:ext cx="1604210" cy="826170"/>
-          </a:xfrm>
-          <a:prstGeom prst="diamond">
-            <a:avLst/>
-          </a:prstGeom>
-        </p:spPr>
-        <p:style>
-          <a:lnRef idx="2">
-            <a:schemeClr val="dk1"/>
-          </a:lnRef>
-          <a:fillRef idx="1">
-            <a:schemeClr val="lt1"/>
-          </a:fillRef>
-          <a:effectRef idx="0">
-            <a:schemeClr val="dk1"/>
-          </a:effectRef>
-          <a:fontRef idx="minor">
-            <a:schemeClr val="dk1"/>
-          </a:fontRef>
-        </p:style>
-        <p:txBody>
-          <a:bodyPr lIns="0" tIns="0" rIns="0" bIns="0" rtlCol="0" anchor="ctr"/>
-          <a:lstStyle/>
-          <a:p>
-            <a:pPr algn="ctr"/>
-            <a:r>
-              <a:rPr lang="pt-BR" sz="1400" dirty="0" smtClean="0"/>
-              <a:t>Enough </a:t>
-            </a:r>
-            <a:r>
-              <a:rPr lang="pt-BR" sz="1400" dirty="0" smtClean="0"/>
-              <a:t>Jelly?</a:t>
-            </a:r>
-            <a:endParaRPr lang="en-US" sz="1400" dirty="0"/>
-          </a:p>
-        </p:txBody>
-      </p:sp>
-      <p:cxnSp>
-        <p:nvCxnSpPr>
-          <p:cNvPr id="71" name="Straight Arrow Connector 70"/>
-          <p:cNvCxnSpPr>
-            <a:stCxn id="57" idx="2"/>
-            <a:endCxn id="70" idx="0"/>
-          </p:cNvCxnSpPr>
-          <p:nvPr/>
-        </p:nvCxnSpPr>
-        <p:spPr>
-          <a:xfrm>
-            <a:off x="5229727" y="3168316"/>
-            <a:ext cx="0" cy="152398"/>
-          </a:xfrm>
-          <a:prstGeom prst="straightConnector1">
-            <a:avLst/>
-          </a:prstGeom>
-          <a:ln>
-            <a:tailEnd type="arrow"/>
-          </a:ln>
-        </p:spPr>
-        <p:style>
-          <a:lnRef idx="2">
-            <a:schemeClr val="dk1"/>
-          </a:lnRef>
-          <a:fillRef idx="0">
-            <a:schemeClr val="dk1"/>
-          </a:fillRef>
-          <a:effectRef idx="1">
-            <a:schemeClr val="dk1"/>
-          </a:effectRef>
-          <a:fontRef idx="minor">
-            <a:schemeClr val="tx1"/>
-          </a:fontRef>
-        </p:style>
-      </p:cxnSp>
-      <p:cxnSp>
-        <p:nvCxnSpPr>
-          <p:cNvPr id="74" name="Straight Arrow Connector 73"/>
-          <p:cNvCxnSpPr>
-            <a:stCxn id="70" idx="3"/>
-            <a:endCxn id="99" idx="1"/>
-          </p:cNvCxnSpPr>
-          <p:nvPr/>
-        </p:nvCxnSpPr>
-        <p:spPr>
-          <a:xfrm>
-            <a:off x="6031832" y="3733799"/>
-            <a:ext cx="457201" cy="0"/>
-          </a:xfrm>
-          <a:prstGeom prst="straightConnector1">
-            <a:avLst/>
-          </a:prstGeom>
-          <a:ln>
-            <a:tailEnd type="arrow"/>
-          </a:ln>
-        </p:spPr>
-        <p:style>
-          <a:lnRef idx="2">
-            <a:schemeClr val="dk1"/>
-          </a:lnRef>
-          <a:fillRef idx="0">
-            <a:schemeClr val="dk1"/>
-          </a:fillRef>
-          <a:effectRef idx="1">
-            <a:schemeClr val="dk1"/>
-          </a:effectRef>
-          <a:fontRef idx="minor">
-            <a:schemeClr val="tx1"/>
-          </a:fontRef>
-        </p:style>
-      </p:cxnSp>
-      <p:cxnSp>
-        <p:nvCxnSpPr>
-          <p:cNvPr id="76" name="Straight Arrow Connector 75"/>
-          <p:cNvCxnSpPr>
-            <a:stCxn id="70" idx="2"/>
-            <a:endCxn id="79" idx="0"/>
-          </p:cNvCxnSpPr>
-          <p:nvPr/>
-        </p:nvCxnSpPr>
-        <p:spPr>
-          <a:xfrm>
-            <a:off x="5229727" y="4146884"/>
-            <a:ext cx="1" cy="411080"/>
-          </a:xfrm>
-          <a:prstGeom prst="straightConnector1">
-            <a:avLst/>
-          </a:prstGeom>
-          <a:ln>
-            <a:tailEnd type="arrow"/>
-          </a:ln>
-        </p:spPr>
-        <p:style>
-          <a:lnRef idx="2">
-            <a:schemeClr val="dk1"/>
-          </a:lnRef>
-          <a:fillRef idx="0">
-            <a:schemeClr val="dk1"/>
-          </a:fillRef>
-          <a:effectRef idx="1">
-            <a:schemeClr val="dk1"/>
-          </a:effectRef>
-          <a:fontRef idx="minor">
-            <a:schemeClr val="tx1"/>
-          </a:fontRef>
-        </p:style>
-      </p:cxnSp>
-      <p:sp>
-        <p:nvSpPr>
-          <p:cNvPr id="79" name="Rectangle 78"/>
-          <p:cNvSpPr/>
-          <p:nvPr/>
-        </p:nvSpPr>
-        <p:spPr>
-          <a:xfrm>
-            <a:off x="4539918" y="4557964"/>
-            <a:ext cx="1379619" cy="407068"/>
-          </a:xfrm>
-          <a:prstGeom prst="rect">
-            <a:avLst/>
-          </a:prstGeom>
-        </p:spPr>
-        <p:style>
-          <a:lnRef idx="2">
-            <a:schemeClr val="dk1"/>
-          </a:lnRef>
-          <a:fillRef idx="1">
-            <a:schemeClr val="lt1"/>
-          </a:fillRef>
-          <a:effectRef idx="0">
-            <a:schemeClr val="dk1"/>
-          </a:effectRef>
-          <a:fontRef idx="minor">
-            <a:schemeClr val="dk1"/>
-          </a:fontRef>
-        </p:style>
-        <p:txBody>
-          <a:bodyPr lIns="0" tIns="0" rIns="0" bIns="0" rtlCol="0" anchor="ctr"/>
-          <a:lstStyle/>
-          <a:p>
-            <a:pPr algn="ctr"/>
-            <a:r>
-              <a:rPr lang="pt-BR" sz="1400" dirty="0" smtClean="0"/>
-              <a:t>Apply more Jelly</a:t>
-            </a:r>
-            <a:endParaRPr lang="en-US" sz="1400" dirty="0"/>
-          </a:p>
-        </p:txBody>
-      </p:sp>
-      <p:cxnSp>
-        <p:nvCxnSpPr>
-          <p:cNvPr id="93" name="Elbow Connector 92"/>
-          <p:cNvCxnSpPr>
-            <a:stCxn id="79" idx="1"/>
-            <a:endCxn id="70" idx="1"/>
-          </p:cNvCxnSpPr>
-          <p:nvPr/>
-        </p:nvCxnSpPr>
-        <p:spPr>
-          <a:xfrm rot="10800000">
-            <a:off x="4427622" y="3733800"/>
-            <a:ext cx="112296" cy="1027699"/>
-          </a:xfrm>
-          <a:prstGeom prst="bentConnector3">
-            <a:avLst>
-              <a:gd name="adj1" fmla="val 303569"/>
-            </a:avLst>
-          </a:prstGeom>
-          <a:ln>
-            <a:tailEnd type="arrow"/>
-          </a:ln>
-        </p:spPr>
-        <p:style>
-          <a:lnRef idx="2">
-            <a:schemeClr val="dk1"/>
-          </a:lnRef>
-          <a:fillRef idx="0">
-            <a:schemeClr val="dk1"/>
-          </a:fillRef>
-          <a:effectRef idx="1">
-            <a:schemeClr val="dk1"/>
-          </a:effectRef>
-          <a:fontRef idx="minor">
-            <a:schemeClr val="tx1"/>
-          </a:fontRef>
-        </p:style>
-      </p:cxnSp>
-      <p:cxnSp>
-        <p:nvCxnSpPr>
-          <p:cNvPr id="96" name="Elbow Connector 95"/>
-          <p:cNvCxnSpPr>
-            <a:stCxn id="6" idx="3"/>
-            <a:endCxn id="24" idx="0"/>
-          </p:cNvCxnSpPr>
-          <p:nvPr/>
-        </p:nvCxnSpPr>
-        <p:spPr>
-          <a:xfrm flipV="1">
-            <a:off x="1892969" y="1323477"/>
-            <a:ext cx="3336759" cy="2338133"/>
-          </a:xfrm>
-          <a:prstGeom prst="bentConnector4">
-            <a:avLst>
-              <a:gd name="adj1" fmla="val 39002"/>
-              <a:gd name="adj2" fmla="val 109777"/>
-            </a:avLst>
-          </a:prstGeom>
-          <a:ln>
-            <a:tailEnd type="arrow"/>
-          </a:ln>
-        </p:spPr>
-        <p:style>
-          <a:lnRef idx="2">
-            <a:schemeClr val="dk1"/>
-          </a:lnRef>
-          <a:fillRef idx="0">
-            <a:schemeClr val="dk1"/>
-          </a:fillRef>
-          <a:effectRef idx="1">
-            <a:schemeClr val="dk1"/>
-          </a:effectRef>
-          <a:fontRef idx="minor">
-            <a:schemeClr val="tx1"/>
-          </a:fontRef>
-        </p:style>
-      </p:cxnSp>
-      <p:sp>
-        <p:nvSpPr>
-          <p:cNvPr id="99" name="Rectangle 98"/>
-          <p:cNvSpPr/>
-          <p:nvPr/>
-        </p:nvSpPr>
-        <p:spPr>
-          <a:xfrm>
-            <a:off x="6489033" y="3530265"/>
-            <a:ext cx="1379619" cy="407068"/>
-          </a:xfrm>
-          <a:prstGeom prst="rect">
-            <a:avLst/>
-          </a:prstGeom>
-        </p:spPr>
-        <p:style>
-          <a:lnRef idx="2">
-            <a:schemeClr val="dk1"/>
-          </a:lnRef>
-          <a:fillRef idx="1">
-            <a:schemeClr val="lt1"/>
-          </a:fillRef>
-          <a:effectRef idx="0">
-            <a:schemeClr val="dk1"/>
-          </a:effectRef>
-          <a:fontRef idx="minor">
-            <a:schemeClr val="dk1"/>
-          </a:fontRef>
-        </p:style>
-        <p:txBody>
-          <a:bodyPr lIns="0" tIns="0" rIns="0" bIns="0" rtlCol="0" anchor="ctr"/>
-          <a:lstStyle/>
-          <a:p>
-            <a:pPr algn="ctr"/>
-            <a:r>
-              <a:rPr lang="pt-BR" sz="1400" dirty="0" smtClean="0"/>
-              <a:t>Put the slice on the first slide</a:t>
-            </a:r>
-            <a:endParaRPr lang="en-US" sz="1400" dirty="0"/>
-          </a:p>
-        </p:txBody>
-      </p:sp>
-      <p:sp>
-        <p:nvSpPr>
-          <p:cNvPr id="102" name="Oval 101"/>
-          <p:cNvSpPr/>
-          <p:nvPr/>
-        </p:nvSpPr>
-        <p:spPr>
-          <a:xfrm>
-            <a:off x="8029074" y="3493168"/>
-            <a:ext cx="1114926" cy="481263"/>
-          </a:xfrm>
-          <a:prstGeom prst="ellipse">
-            <a:avLst/>
-          </a:prstGeom>
-        </p:spPr>
-        <p:style>
-          <a:lnRef idx="2">
-            <a:schemeClr val="dk1"/>
-          </a:lnRef>
-          <a:fillRef idx="1">
-            <a:schemeClr val="lt1"/>
-          </a:fillRef>
-          <a:effectRef idx="0">
-            <a:schemeClr val="dk1"/>
-          </a:effectRef>
-          <a:fontRef idx="minor">
-            <a:schemeClr val="dk1"/>
-          </a:fontRef>
-        </p:style>
-        <p:txBody>
-          <a:bodyPr rtlCol="0" anchor="ctr"/>
-          <a:lstStyle/>
-          <a:p>
-            <a:pPr algn="ctr"/>
-            <a:r>
-              <a:rPr lang="pt-BR" sz="1400" dirty="0" smtClean="0"/>
-              <a:t>End</a:t>
-            </a:r>
-            <a:endParaRPr lang="en-US" sz="1400" dirty="0"/>
-          </a:p>
-        </p:txBody>
-      </p:sp>
-      <p:cxnSp>
-        <p:nvCxnSpPr>
-          <p:cNvPr id="103" name="Straight Arrow Connector 102"/>
-          <p:cNvCxnSpPr>
-            <a:stCxn id="99" idx="3"/>
-            <a:endCxn id="102" idx="2"/>
-          </p:cNvCxnSpPr>
-          <p:nvPr/>
-        </p:nvCxnSpPr>
-        <p:spPr>
-          <a:xfrm>
-            <a:off x="7868652" y="3733799"/>
-            <a:ext cx="160422" cy="1"/>
-          </a:xfrm>
-          <a:prstGeom prst="straightConnector1">
-            <a:avLst/>
-          </a:prstGeom>
-          <a:ln>
-            <a:tailEnd type="arrow"/>
-          </a:ln>
-        </p:spPr>
-        <p:style>
-          <a:lnRef idx="2">
-            <a:schemeClr val="dk1"/>
-          </a:lnRef>
-          <a:fillRef idx="0">
-            <a:schemeClr val="dk1"/>
-          </a:fillRef>
-          <a:effectRef idx="1">
-            <a:schemeClr val="dk1"/>
-          </a:effectRef>
-          <a:fontRef idx="minor">
-            <a:schemeClr val="tx1"/>
-          </a:fontRef>
-        </p:style>
-      </p:cxnSp>
-      <p:sp>
-        <p:nvSpPr>
-          <p:cNvPr id="107" name="TextBox 106"/>
+      <p:grpSp>
+        <p:nvGrpSpPr>
+          <p:cNvPr id="48" name="Group 47"/>
+          <p:cNvGrpSpPr/>
+          <p:nvPr/>
+        </p:nvGrpSpPr>
+        <p:grpSpPr>
+          <a:xfrm>
+            <a:off x="277729" y="1283368"/>
+            <a:ext cx="1600200" cy="3400928"/>
+            <a:chOff x="277729" y="1532019"/>
+            <a:chExt cx="1600200" cy="3400928"/>
+          </a:xfrm>
+        </p:grpSpPr>
+        <p:sp>
+          <p:nvSpPr>
+            <p:cNvPr id="6" name="Rectangle 5"/>
+            <p:cNvSpPr/>
+            <p:nvPr/>
+          </p:nvSpPr>
+          <p:spPr>
+            <a:xfrm>
+              <a:off x="277729" y="1828800"/>
+              <a:ext cx="1600200" cy="628650"/>
+            </a:xfrm>
+            <a:prstGeom prst="rect">
+              <a:avLst/>
+            </a:prstGeom>
+          </p:spPr>
+          <p:style>
+            <a:lnRef idx="2">
+              <a:schemeClr val="accent1">
+                <a:shade val="50000"/>
+              </a:schemeClr>
+            </a:lnRef>
+            <a:fillRef idx="1">
+              <a:schemeClr val="accent1"/>
+            </a:fillRef>
+            <a:effectRef idx="0">
+              <a:schemeClr val="accent1"/>
+            </a:effectRef>
+            <a:fontRef idx="minor">
+              <a:schemeClr val="lt1"/>
+            </a:fontRef>
+          </p:style>
+          <p:txBody>
+            <a:bodyPr rtlCol="0" anchor="ctr"/>
+            <a:lstStyle/>
+            <a:p>
+              <a:pPr algn="ctr"/>
+              <a:r>
+                <a:rPr lang="pt-BR" dirty="0" smtClean="0"/>
+                <a:t>Statement-1</a:t>
+              </a:r>
+              <a:endParaRPr lang="en-US" dirty="0"/>
+            </a:p>
+          </p:txBody>
+        </p:sp>
+        <p:sp>
+          <p:nvSpPr>
+            <p:cNvPr id="7" name="Rectangle 6"/>
+            <p:cNvSpPr/>
+            <p:nvPr/>
+          </p:nvSpPr>
+          <p:spPr>
+            <a:xfrm>
+              <a:off x="277729" y="2909852"/>
+              <a:ext cx="1600200" cy="628650"/>
+            </a:xfrm>
+            <a:prstGeom prst="rect">
+              <a:avLst/>
+            </a:prstGeom>
+          </p:spPr>
+          <p:style>
+            <a:lnRef idx="2">
+              <a:schemeClr val="accent1">
+                <a:shade val="50000"/>
+              </a:schemeClr>
+            </a:lnRef>
+            <a:fillRef idx="1">
+              <a:schemeClr val="accent1"/>
+            </a:fillRef>
+            <a:effectRef idx="0">
+              <a:schemeClr val="accent1"/>
+            </a:effectRef>
+            <a:fontRef idx="minor">
+              <a:schemeClr val="lt1"/>
+            </a:fontRef>
+          </p:style>
+          <p:txBody>
+            <a:bodyPr rtlCol="0" anchor="ctr"/>
+            <a:lstStyle/>
+            <a:p>
+              <a:pPr algn="ctr"/>
+              <a:r>
+                <a:rPr lang="pt-BR" dirty="0" smtClean="0"/>
+                <a:t>Statement-2</a:t>
+              </a:r>
+              <a:endParaRPr lang="en-US" dirty="0"/>
+            </a:p>
+          </p:txBody>
+        </p:sp>
+        <p:sp>
+          <p:nvSpPr>
+            <p:cNvPr id="8" name="Rectangle 7"/>
+            <p:cNvSpPr/>
+            <p:nvPr/>
+          </p:nvSpPr>
+          <p:spPr>
+            <a:xfrm>
+              <a:off x="277729" y="3990903"/>
+              <a:ext cx="1600200" cy="628650"/>
+            </a:xfrm>
+            <a:prstGeom prst="rect">
+              <a:avLst/>
+            </a:prstGeom>
+          </p:spPr>
+          <p:style>
+            <a:lnRef idx="2">
+              <a:schemeClr val="accent1">
+                <a:shade val="50000"/>
+              </a:schemeClr>
+            </a:lnRef>
+            <a:fillRef idx="1">
+              <a:schemeClr val="accent1"/>
+            </a:fillRef>
+            <a:effectRef idx="0">
+              <a:schemeClr val="accent1"/>
+            </a:effectRef>
+            <a:fontRef idx="minor">
+              <a:schemeClr val="lt1"/>
+            </a:fontRef>
+          </p:style>
+          <p:txBody>
+            <a:bodyPr rtlCol="0" anchor="ctr"/>
+            <a:lstStyle/>
+            <a:p>
+              <a:pPr algn="ctr"/>
+              <a:r>
+                <a:rPr lang="pt-BR" dirty="0" smtClean="0"/>
+                <a:t>Statement-3</a:t>
+              </a:r>
+              <a:endParaRPr lang="en-US" dirty="0"/>
+            </a:p>
+          </p:txBody>
+        </p:sp>
+        <p:cxnSp>
+          <p:nvCxnSpPr>
+            <p:cNvPr id="36" name="Straight Arrow Connector 35"/>
+            <p:cNvCxnSpPr>
+              <a:stCxn id="6" idx="2"/>
+              <a:endCxn id="7" idx="0"/>
+            </p:cNvCxnSpPr>
+            <p:nvPr/>
+          </p:nvCxnSpPr>
+          <p:spPr>
+            <a:xfrm>
+              <a:off x="1077829" y="2457450"/>
+              <a:ext cx="0" cy="452402"/>
+            </a:xfrm>
+            <a:prstGeom prst="straightConnector1">
+              <a:avLst/>
+            </a:prstGeom>
+            <a:ln w="28575">
+              <a:tailEnd type="arrow"/>
+            </a:ln>
+          </p:spPr>
+          <p:style>
+            <a:lnRef idx="1">
+              <a:schemeClr val="accent1"/>
+            </a:lnRef>
+            <a:fillRef idx="0">
+              <a:schemeClr val="accent1"/>
+            </a:fillRef>
+            <a:effectRef idx="0">
+              <a:schemeClr val="accent1"/>
+            </a:effectRef>
+            <a:fontRef idx="minor">
+              <a:schemeClr val="tx1"/>
+            </a:fontRef>
+          </p:style>
+        </p:cxnSp>
+        <p:cxnSp>
+          <p:nvCxnSpPr>
+            <p:cNvPr id="38" name="Straight Arrow Connector 37"/>
+            <p:cNvCxnSpPr>
+              <a:stCxn id="7" idx="2"/>
+              <a:endCxn id="8" idx="0"/>
+            </p:cNvCxnSpPr>
+            <p:nvPr/>
+          </p:nvCxnSpPr>
+          <p:spPr>
+            <a:xfrm>
+              <a:off x="1077829" y="3538502"/>
+              <a:ext cx="0" cy="452401"/>
+            </a:xfrm>
+            <a:prstGeom prst="straightConnector1">
+              <a:avLst/>
+            </a:prstGeom>
+            <a:ln w="28575">
+              <a:tailEnd type="arrow"/>
+            </a:ln>
+          </p:spPr>
+          <p:style>
+            <a:lnRef idx="1">
+              <a:schemeClr val="accent1"/>
+            </a:lnRef>
+            <a:fillRef idx="0">
+              <a:schemeClr val="accent1"/>
+            </a:fillRef>
+            <a:effectRef idx="0">
+              <a:schemeClr val="accent1"/>
+            </a:effectRef>
+            <a:fontRef idx="minor">
+              <a:schemeClr val="tx1"/>
+            </a:fontRef>
+          </p:style>
+        </p:cxnSp>
+        <p:cxnSp>
+          <p:nvCxnSpPr>
+            <p:cNvPr id="41" name="Straight Arrow Connector 40"/>
+            <p:cNvCxnSpPr>
+              <a:endCxn id="6" idx="0"/>
+            </p:cNvCxnSpPr>
+            <p:nvPr/>
+          </p:nvCxnSpPr>
+          <p:spPr>
+            <a:xfrm>
+              <a:off x="1034716" y="1532019"/>
+              <a:ext cx="0" cy="296781"/>
+            </a:xfrm>
+            <a:prstGeom prst="straightConnector1">
+              <a:avLst/>
+            </a:prstGeom>
+            <a:ln w="28575">
+              <a:tailEnd type="arrow"/>
+            </a:ln>
+          </p:spPr>
+          <p:style>
+            <a:lnRef idx="1">
+              <a:schemeClr val="accent1"/>
+            </a:lnRef>
+            <a:fillRef idx="0">
+              <a:schemeClr val="accent1"/>
+            </a:fillRef>
+            <a:effectRef idx="0">
+              <a:schemeClr val="accent1"/>
+            </a:effectRef>
+            <a:fontRef idx="minor">
+              <a:schemeClr val="tx1"/>
+            </a:fontRef>
+          </p:style>
+        </p:cxnSp>
+        <p:cxnSp>
+          <p:nvCxnSpPr>
+            <p:cNvPr id="43" name="Straight Arrow Connector 42"/>
+            <p:cNvCxnSpPr>
+              <a:stCxn id="8" idx="2"/>
+            </p:cNvCxnSpPr>
+            <p:nvPr/>
+          </p:nvCxnSpPr>
+          <p:spPr>
+            <a:xfrm flipH="1">
+              <a:off x="1066800" y="4619553"/>
+              <a:ext cx="0" cy="313394"/>
+            </a:xfrm>
+            <a:prstGeom prst="straightConnector1">
+              <a:avLst/>
+            </a:prstGeom>
+            <a:ln w="28575">
+              <a:tailEnd type="arrow"/>
+            </a:ln>
+          </p:spPr>
+          <p:style>
+            <a:lnRef idx="1">
+              <a:schemeClr val="accent1"/>
+            </a:lnRef>
+            <a:fillRef idx="0">
+              <a:schemeClr val="accent1"/>
+            </a:fillRef>
+            <a:effectRef idx="0">
+              <a:schemeClr val="accent1"/>
+            </a:effectRef>
+            <a:fontRef idx="minor">
+              <a:schemeClr val="tx1"/>
+            </a:fontRef>
+          </p:style>
+        </p:cxnSp>
+      </p:grpSp>
+      <p:grpSp>
+        <p:nvGrpSpPr>
+          <p:cNvPr id="54" name="Group 53"/>
+          <p:cNvGrpSpPr/>
+          <p:nvPr/>
+        </p:nvGrpSpPr>
+        <p:grpSpPr>
+          <a:xfrm>
+            <a:off x="2266950" y="1106620"/>
+            <a:ext cx="3907972" cy="3404508"/>
+            <a:chOff x="2266950" y="1106620"/>
+            <a:chExt cx="3907972" cy="3404508"/>
+          </a:xfrm>
+        </p:grpSpPr>
+        <p:sp>
+          <p:nvSpPr>
+            <p:cNvPr id="9" name="Flowchart: Decision 8"/>
+            <p:cNvSpPr/>
+            <p:nvPr/>
+          </p:nvSpPr>
+          <p:spPr>
+            <a:xfrm>
+              <a:off x="3392261" y="1106620"/>
+              <a:ext cx="1657350" cy="1085850"/>
+            </a:xfrm>
+            <a:prstGeom prst="flowChartDecision">
+              <a:avLst/>
+            </a:prstGeom>
+          </p:spPr>
+          <p:style>
+            <a:lnRef idx="2">
+              <a:schemeClr val="accent1">
+                <a:shade val="50000"/>
+              </a:schemeClr>
+            </a:lnRef>
+            <a:fillRef idx="1">
+              <a:schemeClr val="accent1"/>
+            </a:fillRef>
+            <a:effectRef idx="0">
+              <a:schemeClr val="accent1"/>
+            </a:effectRef>
+            <a:fontRef idx="minor">
+              <a:schemeClr val="lt1"/>
+            </a:fontRef>
+          </p:style>
+          <p:txBody>
+            <a:bodyPr lIns="0" tIns="0" rIns="0" bIns="0" rtlCol="0" anchor="ctr"/>
+            <a:lstStyle/>
+            <a:p>
+              <a:pPr algn="ctr"/>
+              <a:r>
+                <a:rPr lang="pt-BR" sz="1400" dirty="0" smtClean="0"/>
+                <a:t>Condition</a:t>
+              </a:r>
+              <a:endParaRPr lang="en-US" sz="1400" dirty="0"/>
+            </a:p>
+          </p:txBody>
+        </p:sp>
+        <p:sp>
+          <p:nvSpPr>
+            <p:cNvPr id="11" name="Rectangle 10"/>
+            <p:cNvSpPr/>
+            <p:nvPr/>
+          </p:nvSpPr>
+          <p:spPr>
+            <a:xfrm>
+              <a:off x="2266950" y="2559863"/>
+              <a:ext cx="1600200" cy="628650"/>
+            </a:xfrm>
+            <a:prstGeom prst="rect">
+              <a:avLst/>
+            </a:prstGeom>
+          </p:spPr>
+          <p:style>
+            <a:lnRef idx="2">
+              <a:schemeClr val="accent1">
+                <a:shade val="50000"/>
+              </a:schemeClr>
+            </a:lnRef>
+            <a:fillRef idx="1">
+              <a:schemeClr val="accent1"/>
+            </a:fillRef>
+            <a:effectRef idx="0">
+              <a:schemeClr val="accent1"/>
+            </a:effectRef>
+            <a:fontRef idx="minor">
+              <a:schemeClr val="lt1"/>
+            </a:fontRef>
+          </p:style>
+          <p:txBody>
+            <a:bodyPr rtlCol="0" anchor="ctr"/>
+            <a:lstStyle/>
+            <a:p>
+              <a:pPr algn="ctr"/>
+              <a:r>
+                <a:rPr lang="pt-BR" dirty="0" smtClean="0"/>
+                <a:t>Statement-1</a:t>
+              </a:r>
+              <a:endParaRPr lang="en-US" dirty="0"/>
+            </a:p>
+          </p:txBody>
+        </p:sp>
+        <p:sp>
+          <p:nvSpPr>
+            <p:cNvPr id="12" name="Rectangle 11"/>
+            <p:cNvSpPr/>
+            <p:nvPr/>
+          </p:nvSpPr>
+          <p:spPr>
+            <a:xfrm>
+              <a:off x="4574722" y="2559863"/>
+              <a:ext cx="1600200" cy="628650"/>
+            </a:xfrm>
+            <a:prstGeom prst="rect">
+              <a:avLst/>
+            </a:prstGeom>
+          </p:spPr>
+          <p:style>
+            <a:lnRef idx="2">
+              <a:schemeClr val="accent1">
+                <a:shade val="50000"/>
+              </a:schemeClr>
+            </a:lnRef>
+            <a:fillRef idx="1">
+              <a:schemeClr val="accent1"/>
+            </a:fillRef>
+            <a:effectRef idx="0">
+              <a:schemeClr val="accent1"/>
+            </a:effectRef>
+            <a:fontRef idx="minor">
+              <a:schemeClr val="lt1"/>
+            </a:fontRef>
+          </p:style>
+          <p:txBody>
+            <a:bodyPr rtlCol="0" anchor="ctr"/>
+            <a:lstStyle/>
+            <a:p>
+              <a:pPr algn="ctr"/>
+              <a:r>
+                <a:rPr lang="pt-BR" dirty="0" smtClean="0"/>
+                <a:t>Statement-2</a:t>
+              </a:r>
+              <a:endParaRPr lang="en-US" dirty="0"/>
+            </a:p>
+          </p:txBody>
+        </p:sp>
+        <p:cxnSp>
+          <p:nvCxnSpPr>
+            <p:cNvPr id="15" name="Elbow Connector 14"/>
+            <p:cNvCxnSpPr>
+              <a:stCxn id="9" idx="1"/>
+              <a:endCxn id="11" idx="0"/>
+            </p:cNvCxnSpPr>
+            <p:nvPr/>
+          </p:nvCxnSpPr>
+          <p:spPr>
+            <a:xfrm rot="10800000" flipV="1">
+              <a:off x="3067051" y="1649545"/>
+              <a:ext cx="325211" cy="910318"/>
+            </a:xfrm>
+            <a:prstGeom prst="bentConnector2">
+              <a:avLst/>
+            </a:prstGeom>
+            <a:ln w="28575">
+              <a:tailEnd type="arrow"/>
+            </a:ln>
+          </p:spPr>
+          <p:style>
+            <a:lnRef idx="1">
+              <a:schemeClr val="accent1"/>
+            </a:lnRef>
+            <a:fillRef idx="0">
+              <a:schemeClr val="accent1"/>
+            </a:fillRef>
+            <a:effectRef idx="0">
+              <a:schemeClr val="accent1"/>
+            </a:effectRef>
+            <a:fontRef idx="minor">
+              <a:schemeClr val="tx1"/>
+            </a:fontRef>
+          </p:style>
+        </p:cxnSp>
+        <p:cxnSp>
+          <p:nvCxnSpPr>
+            <p:cNvPr id="20" name="Shape 19"/>
+            <p:cNvCxnSpPr>
+              <a:stCxn id="9" idx="3"/>
+              <a:endCxn id="12" idx="0"/>
+            </p:cNvCxnSpPr>
+            <p:nvPr/>
+          </p:nvCxnSpPr>
+          <p:spPr>
+            <a:xfrm>
+              <a:off x="5049611" y="1649545"/>
+              <a:ext cx="325211" cy="910318"/>
+            </a:xfrm>
+            <a:prstGeom prst="bentConnector2">
+              <a:avLst/>
+            </a:prstGeom>
+            <a:ln w="28575">
+              <a:tailEnd type="arrow"/>
+            </a:ln>
+          </p:spPr>
+          <p:style>
+            <a:lnRef idx="1">
+              <a:schemeClr val="accent1"/>
+            </a:lnRef>
+            <a:fillRef idx="0">
+              <a:schemeClr val="accent1"/>
+            </a:fillRef>
+            <a:effectRef idx="0">
+              <a:schemeClr val="accent1"/>
+            </a:effectRef>
+            <a:fontRef idx="minor">
+              <a:schemeClr val="tx1"/>
+            </a:fontRef>
+          </p:style>
+        </p:cxnSp>
+        <p:sp>
+          <p:nvSpPr>
+            <p:cNvPr id="21" name="Flowchart: Connector 20"/>
+            <p:cNvSpPr/>
+            <p:nvPr/>
+          </p:nvSpPr>
+          <p:spPr>
+            <a:xfrm>
+              <a:off x="3967844" y="3572235"/>
+              <a:ext cx="506185" cy="481693"/>
+            </a:xfrm>
+            <a:prstGeom prst="flowChartConnector">
+              <a:avLst/>
+            </a:prstGeom>
+          </p:spPr>
+          <p:style>
+            <a:lnRef idx="2">
+              <a:schemeClr val="accent1">
+                <a:shade val="50000"/>
+              </a:schemeClr>
+            </a:lnRef>
+            <a:fillRef idx="1">
+              <a:schemeClr val="accent1"/>
+            </a:fillRef>
+            <a:effectRef idx="0">
+              <a:schemeClr val="accent1"/>
+            </a:effectRef>
+            <a:fontRef idx="minor">
+              <a:schemeClr val="lt1"/>
+            </a:fontRef>
+          </p:style>
+          <p:txBody>
+            <a:bodyPr rtlCol="0" anchor="ctr"/>
+            <a:lstStyle/>
+            <a:p>
+              <a:pPr algn="ctr"/>
+              <a:endParaRPr lang="en-US"/>
+            </a:p>
+          </p:txBody>
+        </p:sp>
+        <p:cxnSp>
+          <p:nvCxnSpPr>
+            <p:cNvPr id="23" name="Shape 22"/>
+            <p:cNvCxnSpPr>
+              <a:stCxn id="11" idx="2"/>
+              <a:endCxn id="21" idx="2"/>
+            </p:cNvCxnSpPr>
+            <p:nvPr/>
+          </p:nvCxnSpPr>
+          <p:spPr>
+            <a:xfrm rot="16200000" flipH="1">
+              <a:off x="3205163" y="3050400"/>
+              <a:ext cx="624569" cy="900794"/>
+            </a:xfrm>
+            <a:prstGeom prst="bentConnector2">
+              <a:avLst/>
+            </a:prstGeom>
+            <a:ln w="28575">
+              <a:tailEnd type="arrow"/>
+            </a:ln>
+          </p:spPr>
+          <p:style>
+            <a:lnRef idx="1">
+              <a:schemeClr val="accent1"/>
+            </a:lnRef>
+            <a:fillRef idx="0">
+              <a:schemeClr val="accent1"/>
+            </a:fillRef>
+            <a:effectRef idx="0">
+              <a:schemeClr val="accent1"/>
+            </a:effectRef>
+            <a:fontRef idx="minor">
+              <a:schemeClr val="tx1"/>
+            </a:fontRef>
+          </p:style>
+        </p:cxnSp>
+        <p:cxnSp>
+          <p:nvCxnSpPr>
+            <p:cNvPr id="25" name="Shape 24"/>
+            <p:cNvCxnSpPr>
+              <a:stCxn id="12" idx="2"/>
+              <a:endCxn id="21" idx="6"/>
+            </p:cNvCxnSpPr>
+            <p:nvPr/>
+          </p:nvCxnSpPr>
+          <p:spPr>
+            <a:xfrm rot="5400000">
+              <a:off x="4612142" y="3050401"/>
+              <a:ext cx="624569" cy="900793"/>
+            </a:xfrm>
+            <a:prstGeom prst="bentConnector2">
+              <a:avLst/>
+            </a:prstGeom>
+            <a:ln w="28575">
+              <a:tailEnd type="arrow"/>
+            </a:ln>
+          </p:spPr>
+          <p:style>
+            <a:lnRef idx="1">
+              <a:schemeClr val="accent1"/>
+            </a:lnRef>
+            <a:fillRef idx="0">
+              <a:schemeClr val="accent1"/>
+            </a:fillRef>
+            <a:effectRef idx="0">
+              <a:schemeClr val="accent1"/>
+            </a:effectRef>
+            <a:fontRef idx="minor">
+              <a:schemeClr val="tx1"/>
+            </a:fontRef>
+          </p:style>
+        </p:cxnSp>
+        <p:cxnSp>
+          <p:nvCxnSpPr>
+            <p:cNvPr id="33" name="Straight Arrow Connector 32"/>
+            <p:cNvCxnSpPr>
+              <a:stCxn id="21" idx="4"/>
+            </p:cNvCxnSpPr>
+            <p:nvPr/>
+          </p:nvCxnSpPr>
+          <p:spPr>
+            <a:xfrm flipH="1">
+              <a:off x="4188279" y="4053928"/>
+              <a:ext cx="0" cy="457200"/>
+            </a:xfrm>
+            <a:prstGeom prst="straightConnector1">
+              <a:avLst/>
+            </a:prstGeom>
+            <a:ln w="28575">
+              <a:tailEnd type="arrow"/>
+            </a:ln>
+          </p:spPr>
+          <p:style>
+            <a:lnRef idx="1">
+              <a:schemeClr val="accent1"/>
+            </a:lnRef>
+            <a:fillRef idx="0">
+              <a:schemeClr val="accent1"/>
+            </a:fillRef>
+            <a:effectRef idx="0">
+              <a:schemeClr val="accent1"/>
+            </a:effectRef>
+            <a:fontRef idx="minor">
+              <a:schemeClr val="tx1"/>
+            </a:fontRef>
+          </p:style>
+        </p:cxnSp>
+        <p:sp>
+          <p:nvSpPr>
+            <p:cNvPr id="50" name="TextBox 49"/>
+            <p:cNvSpPr txBox="1"/>
+            <p:nvPr/>
+          </p:nvSpPr>
+          <p:spPr>
+            <a:xfrm>
+              <a:off x="3096126" y="1315454"/>
+              <a:ext cx="296779" cy="369332"/>
+            </a:xfrm>
+            <a:prstGeom prst="rect">
+              <a:avLst/>
+            </a:prstGeom>
+            <a:noFill/>
+          </p:spPr>
+          <p:txBody>
+            <a:bodyPr wrap="square" rtlCol="0">
+              <a:spAutoFit/>
+            </a:bodyPr>
+            <a:lstStyle/>
+            <a:p>
+              <a:r>
+                <a:rPr lang="pt-BR" dirty="0" smtClean="0"/>
+                <a:t>T</a:t>
+              </a:r>
+              <a:endParaRPr lang="en-US" dirty="0"/>
+            </a:p>
+          </p:txBody>
+        </p:sp>
+        <p:sp>
+          <p:nvSpPr>
+            <p:cNvPr id="51" name="TextBox 50"/>
+            <p:cNvSpPr txBox="1"/>
+            <p:nvPr/>
+          </p:nvSpPr>
+          <p:spPr>
+            <a:xfrm>
+              <a:off x="5037221" y="1315454"/>
+              <a:ext cx="296779" cy="369332"/>
+            </a:xfrm>
+            <a:prstGeom prst="rect">
+              <a:avLst/>
+            </a:prstGeom>
+            <a:noFill/>
+          </p:spPr>
+          <p:txBody>
+            <a:bodyPr wrap="square" rtlCol="0">
+              <a:spAutoFit/>
+            </a:bodyPr>
+            <a:lstStyle/>
+            <a:p>
+              <a:r>
+                <a:rPr lang="pt-BR" dirty="0" smtClean="0"/>
+                <a:t>F</a:t>
+              </a:r>
+              <a:endParaRPr lang="en-US" dirty="0"/>
+            </a:p>
+          </p:txBody>
+        </p:sp>
+      </p:grpSp>
+      <p:grpSp>
+        <p:nvGrpSpPr>
+          <p:cNvPr id="55" name="Group 54"/>
+          <p:cNvGrpSpPr/>
+          <p:nvPr/>
+        </p:nvGrpSpPr>
+        <p:grpSpPr>
+          <a:xfrm>
+            <a:off x="6747209" y="1554797"/>
+            <a:ext cx="1993446" cy="3186792"/>
+            <a:chOff x="6747209" y="1554797"/>
+            <a:chExt cx="1993446" cy="3186792"/>
+          </a:xfrm>
+        </p:grpSpPr>
+        <p:sp>
+          <p:nvSpPr>
+            <p:cNvPr id="10" name="Flowchart: Decision 9"/>
+            <p:cNvSpPr/>
+            <p:nvPr/>
+          </p:nvSpPr>
+          <p:spPr>
+            <a:xfrm>
+              <a:off x="6747209" y="1554797"/>
+              <a:ext cx="1657350" cy="1085850"/>
+            </a:xfrm>
+            <a:prstGeom prst="flowChartDecision">
+              <a:avLst/>
+            </a:prstGeom>
+          </p:spPr>
+          <p:style>
+            <a:lnRef idx="2">
+              <a:schemeClr val="accent1">
+                <a:shade val="50000"/>
+              </a:schemeClr>
+            </a:lnRef>
+            <a:fillRef idx="1">
+              <a:schemeClr val="accent1"/>
+            </a:fillRef>
+            <a:effectRef idx="0">
+              <a:schemeClr val="accent1"/>
+            </a:effectRef>
+            <a:fontRef idx="minor">
+              <a:schemeClr val="lt1"/>
+            </a:fontRef>
+          </p:style>
+          <p:txBody>
+            <a:bodyPr lIns="0" tIns="0" rIns="0" bIns="0" rtlCol="0" anchor="ctr"/>
+            <a:lstStyle/>
+            <a:p>
+              <a:pPr algn="ctr"/>
+              <a:r>
+                <a:rPr lang="pt-BR" sz="1400" dirty="0" smtClean="0"/>
+                <a:t>Condition</a:t>
+              </a:r>
+              <a:endParaRPr lang="en-US" sz="1400" dirty="0"/>
+            </a:p>
+          </p:txBody>
+        </p:sp>
+        <p:sp>
+          <p:nvSpPr>
+            <p:cNvPr id="13" name="Rectangle 12"/>
+            <p:cNvSpPr/>
+            <p:nvPr/>
+          </p:nvSpPr>
+          <p:spPr>
+            <a:xfrm>
+              <a:off x="6775784" y="2948169"/>
+              <a:ext cx="1600200" cy="628650"/>
+            </a:xfrm>
+            <a:prstGeom prst="rect">
+              <a:avLst/>
+            </a:prstGeom>
+          </p:spPr>
+          <p:style>
+            <a:lnRef idx="2">
+              <a:schemeClr val="accent1">
+                <a:shade val="50000"/>
+              </a:schemeClr>
+            </a:lnRef>
+            <a:fillRef idx="1">
+              <a:schemeClr val="accent1"/>
+            </a:fillRef>
+            <a:effectRef idx="0">
+              <a:schemeClr val="accent1"/>
+            </a:effectRef>
+            <a:fontRef idx="minor">
+              <a:schemeClr val="lt1"/>
+            </a:fontRef>
+          </p:style>
+          <p:txBody>
+            <a:bodyPr rtlCol="0" anchor="ctr"/>
+            <a:lstStyle/>
+            <a:p>
+              <a:pPr algn="ctr"/>
+              <a:r>
+                <a:rPr lang="pt-BR" dirty="0" smtClean="0"/>
+                <a:t>Statement-1</a:t>
+              </a:r>
+              <a:endParaRPr lang="en-US" dirty="0"/>
+            </a:p>
+          </p:txBody>
+        </p:sp>
+        <p:cxnSp>
+          <p:nvCxnSpPr>
+            <p:cNvPr id="27" name="Shape 26"/>
+            <p:cNvCxnSpPr>
+              <a:stCxn id="13" idx="2"/>
+              <a:endCxn id="10" idx="1"/>
+            </p:cNvCxnSpPr>
+            <p:nvPr/>
+          </p:nvCxnSpPr>
+          <p:spPr>
+            <a:xfrm rot="5400000" flipH="1">
+              <a:off x="6421998" y="2422934"/>
+              <a:ext cx="1479097" cy="828675"/>
+            </a:xfrm>
+            <a:prstGeom prst="bentConnector4">
+              <a:avLst>
+                <a:gd name="adj1" fmla="val -15455"/>
+                <a:gd name="adj2" fmla="val 127586"/>
+              </a:avLst>
+            </a:prstGeom>
+            <a:ln w="28575">
+              <a:tailEnd type="arrow"/>
+            </a:ln>
+          </p:spPr>
+          <p:style>
+            <a:lnRef idx="1">
+              <a:schemeClr val="accent1"/>
+            </a:lnRef>
+            <a:fillRef idx="0">
+              <a:schemeClr val="accent1"/>
+            </a:fillRef>
+            <a:effectRef idx="0">
+              <a:schemeClr val="accent1"/>
+            </a:effectRef>
+            <a:fontRef idx="minor">
+              <a:schemeClr val="tx1"/>
+            </a:fontRef>
+          </p:style>
+        </p:cxnSp>
+        <p:cxnSp>
+          <p:nvCxnSpPr>
+            <p:cNvPr id="29" name="Straight Arrow Connector 28"/>
+            <p:cNvCxnSpPr>
+              <a:stCxn id="10" idx="2"/>
+              <a:endCxn id="13" idx="0"/>
+            </p:cNvCxnSpPr>
+            <p:nvPr/>
+          </p:nvCxnSpPr>
+          <p:spPr>
+            <a:xfrm>
+              <a:off x="7575884" y="2640647"/>
+              <a:ext cx="0" cy="307522"/>
+            </a:xfrm>
+            <a:prstGeom prst="straightConnector1">
+              <a:avLst/>
+            </a:prstGeom>
+            <a:ln w="28575">
+              <a:tailEnd type="arrow"/>
+            </a:ln>
+          </p:spPr>
+          <p:style>
+            <a:lnRef idx="1">
+              <a:schemeClr val="accent1"/>
+            </a:lnRef>
+            <a:fillRef idx="0">
+              <a:schemeClr val="accent1"/>
+            </a:fillRef>
+            <a:effectRef idx="0">
+              <a:schemeClr val="accent1"/>
+            </a:effectRef>
+            <a:fontRef idx="minor">
+              <a:schemeClr val="tx1"/>
+            </a:fontRef>
+          </p:style>
+        </p:cxnSp>
+        <p:cxnSp>
+          <p:nvCxnSpPr>
+            <p:cNvPr id="31" name="Shape 30"/>
+            <p:cNvCxnSpPr>
+              <a:stCxn id="10" idx="3"/>
+            </p:cNvCxnSpPr>
+            <p:nvPr/>
+          </p:nvCxnSpPr>
+          <p:spPr>
+            <a:xfrm>
+              <a:off x="8404559" y="2097722"/>
+              <a:ext cx="336096" cy="2643867"/>
+            </a:xfrm>
+            <a:prstGeom prst="bentConnector2">
+              <a:avLst/>
+            </a:prstGeom>
+            <a:ln w="28575">
+              <a:tailEnd type="arrow"/>
+            </a:ln>
+          </p:spPr>
+          <p:style>
+            <a:lnRef idx="1">
+              <a:schemeClr val="accent1"/>
+            </a:lnRef>
+            <a:fillRef idx="0">
+              <a:schemeClr val="accent1"/>
+            </a:fillRef>
+            <a:effectRef idx="0">
+              <a:schemeClr val="accent1"/>
+            </a:effectRef>
+            <a:fontRef idx="minor">
+              <a:schemeClr val="tx1"/>
+            </a:fontRef>
+          </p:style>
+        </p:cxnSp>
+        <p:sp>
+          <p:nvSpPr>
+            <p:cNvPr id="52" name="TextBox 51"/>
+            <p:cNvSpPr txBox="1"/>
+            <p:nvPr/>
+          </p:nvSpPr>
+          <p:spPr>
+            <a:xfrm>
+              <a:off x="7130716" y="2534652"/>
+              <a:ext cx="296779" cy="369332"/>
+            </a:xfrm>
+            <a:prstGeom prst="rect">
+              <a:avLst/>
+            </a:prstGeom>
+            <a:noFill/>
+          </p:spPr>
+          <p:txBody>
+            <a:bodyPr wrap="square" rtlCol="0">
+              <a:spAutoFit/>
+            </a:bodyPr>
+            <a:lstStyle/>
+            <a:p>
+              <a:r>
+                <a:rPr lang="pt-BR" dirty="0" smtClean="0"/>
+                <a:t>T</a:t>
+              </a:r>
+              <a:endParaRPr lang="en-US" dirty="0"/>
+            </a:p>
+          </p:txBody>
+        </p:sp>
+        <p:sp>
+          <p:nvSpPr>
+            <p:cNvPr id="53" name="TextBox 52"/>
+            <p:cNvSpPr txBox="1"/>
+            <p:nvPr/>
+          </p:nvSpPr>
+          <p:spPr>
+            <a:xfrm>
+              <a:off x="8406064" y="1708485"/>
+              <a:ext cx="296779" cy="369332"/>
+            </a:xfrm>
+            <a:prstGeom prst="rect">
+              <a:avLst/>
+            </a:prstGeom>
+            <a:noFill/>
+          </p:spPr>
+          <p:txBody>
+            <a:bodyPr wrap="square" rtlCol="0">
+              <a:spAutoFit/>
+            </a:bodyPr>
+            <a:lstStyle/>
+            <a:p>
+              <a:r>
+                <a:rPr lang="pt-BR" dirty="0" smtClean="0"/>
+                <a:t>F</a:t>
+              </a:r>
+              <a:endParaRPr lang="en-US" dirty="0"/>
+            </a:p>
+          </p:txBody>
+        </p:sp>
+      </p:grpSp>
+      <p:sp>
+        <p:nvSpPr>
+          <p:cNvPr id="56" name="TextBox 55"/>
           <p:cNvSpPr txBox="1"/>
           <p:nvPr/>
         </p:nvSpPr>
         <p:spPr>
           <a:xfrm>
-            <a:off x="1187115" y="4042611"/>
-            <a:ext cx="513348" cy="307777"/>
+            <a:off x="497305" y="4644189"/>
+            <a:ext cx="1411706" cy="369332"/>
           </a:xfrm>
           <a:prstGeom prst="rect">
             <a:avLst/>
@@ -10806,23 +11955,23 @@
           <a:lstStyle/>
           <a:p>
             <a:r>
-              <a:rPr lang="pt-BR" sz="1400" i="1" dirty="0" smtClean="0"/>
-              <a:t>No</a:t>
-            </a:r>
-            <a:endParaRPr lang="en-US" sz="1400" i="1" dirty="0"/>
-          </a:p>
-        </p:txBody>
-      </p:sp>
-      <p:sp>
-        <p:nvSpPr>
-          <p:cNvPr id="108" name="TextBox 107"/>
+              <a:rPr lang="pt-BR" dirty="0" smtClean="0"/>
+              <a:t>Sequential</a:t>
+            </a:r>
+            <a:endParaRPr lang="en-US" dirty="0"/>
+          </a:p>
+        </p:txBody>
+      </p:sp>
+      <p:sp>
+        <p:nvSpPr>
+          <p:cNvPr id="57" name="TextBox 56"/>
           <p:cNvSpPr txBox="1"/>
           <p:nvPr/>
         </p:nvSpPr>
         <p:spPr>
           <a:xfrm>
-            <a:off x="1997242" y="3336758"/>
-            <a:ext cx="513348" cy="307777"/>
+            <a:off x="3585410" y="4644189"/>
+            <a:ext cx="1411706" cy="369332"/>
           </a:xfrm>
           <a:prstGeom prst="rect">
             <a:avLst/>
@@ -10836,23 +11985,23 @@
           <a:lstStyle/>
           <a:p>
             <a:r>
-              <a:rPr lang="pt-BR" sz="1400" i="1" dirty="0" smtClean="0"/>
-              <a:t>Yes</a:t>
-            </a:r>
-            <a:endParaRPr lang="en-US" sz="1400" i="1" dirty="0"/>
-          </a:p>
-        </p:txBody>
-      </p:sp>
-      <p:sp>
-        <p:nvSpPr>
-          <p:cNvPr id="109" name="TextBox 108"/>
+              <a:rPr lang="pt-BR" dirty="0" smtClean="0"/>
+              <a:t>Selective</a:t>
+            </a:r>
+            <a:endParaRPr lang="en-US" dirty="0"/>
+          </a:p>
+        </p:txBody>
+      </p:sp>
+      <p:sp>
+        <p:nvSpPr>
+          <p:cNvPr id="58" name="TextBox 57"/>
           <p:cNvSpPr txBox="1"/>
           <p:nvPr/>
         </p:nvSpPr>
         <p:spPr>
           <a:xfrm>
-            <a:off x="5277852" y="4146885"/>
-            <a:ext cx="513348" cy="307777"/>
+            <a:off x="6986336" y="4644189"/>
+            <a:ext cx="1411706" cy="369332"/>
           </a:xfrm>
           <a:prstGeom prst="rect">
             <a:avLst/>
@@ -10866,80 +12015,25 @@
           <a:lstStyle/>
           <a:p>
             <a:r>
-              <a:rPr lang="pt-BR" sz="1400" i="1" dirty="0" smtClean="0"/>
-              <a:t>No</a:t>
-            </a:r>
-            <a:endParaRPr lang="en-US" sz="1400" i="1" dirty="0"/>
-          </a:p>
-        </p:txBody>
-      </p:sp>
-      <p:sp>
-        <p:nvSpPr>
-          <p:cNvPr id="110" name="TextBox 109"/>
-          <p:cNvSpPr txBox="1"/>
-          <p:nvPr/>
-        </p:nvSpPr>
-        <p:spPr>
-          <a:xfrm>
-            <a:off x="5991727" y="3408947"/>
-            <a:ext cx="513348" cy="307777"/>
-          </a:xfrm>
-          <a:prstGeom prst="rect">
-            <a:avLst/>
-          </a:prstGeom>
-          <a:noFill/>
-        </p:spPr>
-        <p:txBody>
-          <a:bodyPr wrap="square" rtlCol="0">
-            <a:spAutoFit/>
-          </a:bodyPr>
-          <a:lstStyle/>
-          <a:p>
-            <a:r>
-              <a:rPr lang="pt-BR" sz="1400" i="1" dirty="0" smtClean="0"/>
-              <a:t>Yes</a:t>
-            </a:r>
-            <a:endParaRPr lang="en-US" sz="1400" i="1" dirty="0"/>
-          </a:p>
-        </p:txBody>
-      </p:sp>
-      <p:pic>
-        <p:nvPicPr>
-          <p:cNvPr id="6146" name="Picture 2"/>
-          <p:cNvPicPr>
-            <a:picLocks noChangeAspect="1" noChangeArrowheads="1"/>
-          </p:cNvPicPr>
-          <p:nvPr/>
-        </p:nvPicPr>
-        <p:blipFill>
-          <a:blip r:embed="rId2" cstate="print"/>
-          <a:srcRect/>
-          <a:stretch>
-            <a:fillRect/>
-          </a:stretch>
-        </p:blipFill>
-        <p:spPr bwMode="auto">
-          <a:xfrm rot="20463133">
-            <a:off x="7234367" y="1039727"/>
-            <a:ext cx="1777595" cy="1109913"/>
-          </a:xfrm>
-          <a:prstGeom prst="rect">
-            <a:avLst/>
-          </a:prstGeom>
-          <a:noFill/>
-          <a:ln w="9525">
-            <a:noFill/>
-            <a:miter lim="800000"/>
-            <a:headEnd/>
-            <a:tailEnd/>
-          </a:ln>
-        </p:spPr>
-      </p:pic>
+              <a:rPr lang="pt-BR" dirty="0" smtClean="0"/>
+              <a:t>Iterative</a:t>
+            </a:r>
+            <a:endParaRPr lang="en-US" dirty="0"/>
+          </a:p>
+        </p:txBody>
+      </p:sp>
     </p:spTree>
   </p:cSld>
   <p:clrMapOvr>
     <a:masterClrMapping/>
   </p:clrMapOvr>
+  <p:timing>
+    <p:tnLst>
+      <p:par>
+        <p:cTn id="1" dur="indefinite" restart="never" nodeType="tmRoot"/>
+      </p:par>
+    </p:tnLst>
+  </p:timing>
 </p:sld>
 </file>
 

--- a/PPTs/Programming-fundamentals.pptx
+++ b/PPTs/Programming-fundamentals.pptx
@@ -208,7 +208,7 @@
             <a:fld id="{FB00CB33-F79B-4237-894C-2C062F10FEDF}" type="datetimeFigureOut">
               <a:rPr lang="en-US" smtClean="0"/>
               <a:pPr/>
-              <a:t>5/30/2017</a:t>
+              <a:t>6/6/2017</a:t>
             </a:fld>
             <a:endParaRPr lang="en-US"/>
           </a:p>
@@ -838,7 +838,7 @@
             <a:fld id="{C8A432C8-69A7-458B-9684-2BFA64B31948}" type="datetime2">
               <a:rPr lang="en-US" smtClean="0"/>
               <a:pPr/>
-              <a:t>Tuesday, May 30, 2017</a:t>
+              <a:t>Tuesday, June 06, 2017</a:t>
             </a:fld>
             <a:endParaRPr lang="en-US"/>
           </a:p>
@@ -1041,7 +1041,7 @@
             <a:fld id="{8CC057FC-95B6-4D89-AFDA-ABA33EE921E5}" type="datetime2">
               <a:rPr lang="en-US" smtClean="0"/>
               <a:pPr/>
-              <a:t>Tuesday, May 30, 2017</a:t>
+              <a:t>Tuesday, June 06, 2017</a:t>
             </a:fld>
             <a:endParaRPr lang="en-US"/>
           </a:p>
@@ -1219,7 +1219,7 @@
             <a:fld id="{EC4549AC-EB31-477F-92A9-B1988E232878}" type="datetime2">
               <a:rPr lang="en-US" smtClean="0"/>
               <a:pPr/>
-              <a:t>Tuesday, May 30, 2017</a:t>
+              <a:t>Tuesday, June 06, 2017</a:t>
             </a:fld>
             <a:endParaRPr lang="en-US"/>
           </a:p>
@@ -1387,7 +1387,7 @@
             <a:fld id="{6396A3A3-94A6-4E5B-AF39-173ACA3E61CC}" type="datetime2">
               <a:rPr lang="en-US" smtClean="0"/>
               <a:pPr/>
-              <a:t>Tuesday, May 30, 2017</a:t>
+              <a:t>Tuesday, June 06, 2017</a:t>
             </a:fld>
             <a:endParaRPr lang="en-US"/>
           </a:p>
@@ -1638,7 +1638,7 @@
             <a:fld id="{9933D019-A32C-4EAD-B8E6-DBDA699692FD}" type="datetime2">
               <a:rPr lang="en-US" smtClean="0"/>
               <a:pPr/>
-              <a:t>Tuesday, May 30, 2017</a:t>
+              <a:t>Tuesday, June 06, 2017</a:t>
             </a:fld>
             <a:endParaRPr lang="en-US"/>
           </a:p>
@@ -1959,7 +1959,7 @@
             <a:fld id="{CCEBA98F-560C-4997-81C4-81D4D9187EAB}" type="datetime2">
               <a:rPr lang="en-US" smtClean="0"/>
               <a:pPr/>
-              <a:t>Tuesday, May 30, 2017</a:t>
+              <a:t>Tuesday, June 06, 2017</a:t>
             </a:fld>
             <a:endParaRPr lang="en-US"/>
           </a:p>
@@ -2428,7 +2428,7 @@
             <a:fld id="{150972B2-CA5C-437D-87D0-8081271A9E4B}" type="datetime2">
               <a:rPr lang="en-US" smtClean="0"/>
               <a:pPr/>
-              <a:t>Tuesday, May 30, 2017</a:t>
+              <a:t>Tuesday, June 06, 2017</a:t>
             </a:fld>
             <a:endParaRPr lang="en-US"/>
           </a:p>
@@ -2579,7 +2579,7 @@
             <a:fld id="{79CD4847-11EF-4466-A8AD-85CDB7B49118}" type="datetime2">
               <a:rPr lang="en-US" smtClean="0"/>
               <a:pPr/>
-              <a:t>Tuesday, May 30, 2017</a:t>
+              <a:t>Tuesday, June 06, 2017</a:t>
             </a:fld>
             <a:endParaRPr lang="en-US"/>
           </a:p>
@@ -2672,7 +2672,7 @@
             <a:fld id="{F168457A-3AB9-4880-8A0C-9F8524491207}" type="datetime2">
               <a:rPr lang="en-US" smtClean="0"/>
               <a:pPr/>
-              <a:t>Tuesday, May 30, 2017</a:t>
+              <a:t>Tuesday, June 06, 2017</a:t>
             </a:fld>
             <a:endParaRPr lang="en-US"/>
           </a:p>
@@ -2949,7 +2949,7 @@
             <a:fld id="{3FE976D3-5B7F-4300-ABED-C91F1B2AE209}" type="datetime2">
               <a:rPr lang="en-US" smtClean="0"/>
               <a:pPr/>
-              <a:t>Tuesday, May 30, 2017</a:t>
+              <a:t>Tuesday, June 06, 2017</a:t>
             </a:fld>
             <a:endParaRPr lang="en-US"/>
           </a:p>
@@ -3257,7 +3257,7 @@
             <a:fld id="{EBDC1E59-17DD-41CE-97CA-624A472382D4}" type="datetime2">
               <a:rPr lang="en-US" smtClean="0"/>
               <a:pPr/>
-              <a:t>Tuesday, May 30, 2017</a:t>
+              <a:t>Tuesday, June 06, 2017</a:t>
             </a:fld>
             <a:endParaRPr lang="en-US"/>
           </a:p>
@@ -3558,7 +3558,7 @@
             <a:fld id="{A80CB818-7379-467D-8E76-EF9D9074A26C}" type="datetime2">
               <a:rPr lang="en-US" smtClean="0"/>
               <a:pPr/>
-              <a:t>Tuesday, May 30, 2017</a:t>
+              <a:t>Tuesday, June 06, 2017</a:t>
             </a:fld>
             <a:endParaRPr lang="en-US" dirty="0"/>
           </a:p>
@@ -7241,10 +7241,18 @@
           <a:lstStyle/>
           <a:p>
             <a:r>
-              <a:rPr lang="pt-BR" sz="1400" i="1" dirty="0" smtClean="0"/>
+              <a:rPr lang="pt-BR" sz="1400" i="1" dirty="0" smtClean="0">
+                <a:solidFill>
+                  <a:srgbClr val="FF0000"/>
+                </a:solidFill>
+              </a:rPr>
               <a:t>No</a:t>
             </a:r>
-            <a:endParaRPr lang="en-US" sz="1400" i="1" dirty="0"/>
+            <a:endParaRPr lang="en-US" sz="1400" i="1" dirty="0">
+              <a:solidFill>
+                <a:srgbClr val="FF0000"/>
+              </a:solidFill>
+            </a:endParaRPr>
           </a:p>
         </p:txBody>
       </p:sp>
@@ -7271,10 +7279,18 @@
           <a:lstStyle/>
           <a:p>
             <a:r>
-              <a:rPr lang="pt-BR" sz="1400" i="1" dirty="0" smtClean="0"/>
+              <a:rPr lang="pt-BR" sz="1400" i="1" dirty="0" smtClean="0">
+                <a:solidFill>
+                  <a:srgbClr val="FF0000"/>
+                </a:solidFill>
+              </a:rPr>
               <a:t>Yes</a:t>
             </a:r>
-            <a:endParaRPr lang="en-US" sz="1400" i="1" dirty="0"/>
+            <a:endParaRPr lang="en-US" sz="1400" i="1" dirty="0">
+              <a:solidFill>
+                <a:srgbClr val="FF0000"/>
+              </a:solidFill>
+            </a:endParaRPr>
           </a:p>
         </p:txBody>
       </p:sp>
@@ -7301,10 +7317,18 @@
           <a:lstStyle/>
           <a:p>
             <a:r>
-              <a:rPr lang="pt-BR" sz="1400" i="1" dirty="0" smtClean="0"/>
+              <a:rPr lang="pt-BR" sz="1400" i="1" dirty="0" smtClean="0">
+                <a:solidFill>
+                  <a:srgbClr val="FF0000"/>
+                </a:solidFill>
+              </a:rPr>
               <a:t>No</a:t>
             </a:r>
-            <a:endParaRPr lang="en-US" sz="1400" i="1" dirty="0"/>
+            <a:endParaRPr lang="en-US" sz="1400" i="1" dirty="0">
+              <a:solidFill>
+                <a:srgbClr val="FF0000"/>
+              </a:solidFill>
+            </a:endParaRPr>
           </a:p>
         </p:txBody>
       </p:sp>
@@ -7331,10 +7355,18 @@
           <a:lstStyle/>
           <a:p>
             <a:r>
-              <a:rPr lang="pt-BR" sz="1400" i="1" dirty="0" smtClean="0"/>
+              <a:rPr lang="pt-BR" sz="1400" i="1" dirty="0" smtClean="0">
+                <a:solidFill>
+                  <a:srgbClr val="FF0000"/>
+                </a:solidFill>
+              </a:rPr>
               <a:t>Yes</a:t>
             </a:r>
-            <a:endParaRPr lang="en-US" sz="1400" i="1" dirty="0"/>
+            <a:endParaRPr lang="en-US" sz="1400" i="1" dirty="0">
+              <a:solidFill>
+                <a:srgbClr val="FF0000"/>
+              </a:solidFill>
+            </a:endParaRPr>
           </a:p>
         </p:txBody>
       </p:sp>
@@ -8757,16 +8789,22 @@
           </a:p>
           <a:p>
             <a:r>
+              <a:rPr lang="en-US" dirty="0" smtClean="0">
+                <a:latin typeface="Arial" pitchFamily="34" charset="0"/>
+              </a:rPr>
+              <a:t>Works</a:t>
+            </a:r>
+            <a:r>
               <a:rPr lang="en-US" b="1" dirty="0" smtClean="0">
                 <a:latin typeface="Arial" pitchFamily="34" charset="0"/>
               </a:rPr>
-              <a:t>Free</a:t>
+              <a:t> on </a:t>
             </a:r>
             <a:r>
               <a:rPr lang="en-US" dirty="0" smtClean="0">
                 <a:latin typeface="Arial" pitchFamily="34" charset="0"/>
               </a:rPr>
-              <a:t> for </a:t>
+              <a:t>for </a:t>
             </a:r>
             <a:r>
               <a:rPr lang="en-US" b="1" u="sng" dirty="0" smtClean="0">
@@ -8778,8 +8816,23 @@
               <a:rPr lang="en-US" dirty="0" smtClean="0">
                 <a:latin typeface="Arial" pitchFamily="34" charset="0"/>
               </a:rPr>
-              <a:t> operating systems</a:t>
-            </a:r>
+              <a:t> operating </a:t>
+            </a:r>
+            <a:r>
+              <a:rPr lang="en-US" dirty="0" smtClean="0">
+                <a:latin typeface="Arial" pitchFamily="34" charset="0"/>
+              </a:rPr>
+              <a:t>systems and </a:t>
+            </a:r>
+            <a:r>
+              <a:rPr lang="en-US" b="1" dirty="0" smtClean="0">
+                <a:latin typeface="Arial" pitchFamily="34" charset="0"/>
+              </a:rPr>
+              <a:t>open source</a:t>
+            </a:r>
+            <a:endParaRPr lang="en-US" b="1" dirty="0" smtClean="0">
+              <a:latin typeface="Arial" pitchFamily="34" charset="0"/>
+            </a:endParaRPr>
           </a:p>
           <a:p>
             <a:r>
@@ -9030,6 +9083,70 @@
           </a:ln>
         </p:spPr>
       </p:pic>
+      <p:pic>
+        <p:nvPicPr>
+          <p:cNvPr id="5" name="Picture 2"/>
+          <p:cNvPicPr>
+            <a:picLocks noChangeAspect="1" noChangeArrowheads="1"/>
+          </p:cNvPicPr>
+          <p:nvPr/>
+        </p:nvPicPr>
+        <p:blipFill>
+          <a:blip r:embed="rId3" cstate="print"/>
+          <a:srcRect/>
+          <a:stretch>
+            <a:fillRect/>
+          </a:stretch>
+        </p:blipFill>
+        <p:spPr bwMode="auto">
+          <a:xfrm>
+            <a:off x="6531894" y="2486277"/>
+            <a:ext cx="828675" cy="828675"/>
+          </a:xfrm>
+          <a:prstGeom prst="rect">
+            <a:avLst/>
+          </a:prstGeom>
+          <a:noFill/>
+          <a:ln w="9525">
+            <a:noFill/>
+            <a:miter lim="800000"/>
+            <a:headEnd/>
+            <a:tailEnd/>
+          </a:ln>
+        </p:spPr>
+      </p:pic>
+      <p:pic>
+        <p:nvPicPr>
+          <p:cNvPr id="6" name="Picture 2"/>
+          <p:cNvPicPr>
+            <a:picLocks noChangeAspect="1" noChangeArrowheads="1"/>
+          </p:cNvPicPr>
+          <p:nvPr/>
+        </p:nvPicPr>
+        <p:blipFill>
+          <a:blip r:embed="rId4" cstate="print"/>
+          <a:srcRect/>
+          <a:stretch>
+            <a:fillRect/>
+          </a:stretch>
+        </p:blipFill>
+        <p:spPr bwMode="auto">
+          <a:xfrm>
+            <a:off x="7578641" y="2920165"/>
+            <a:ext cx="1285875" cy="361950"/>
+          </a:xfrm>
+          <a:prstGeom prst="rect">
+            <a:avLst/>
+          </a:prstGeom>
+          <a:noFill/>
+          <a:ln w="9525">
+            <a:noFill/>
+            <a:miter lim="800000"/>
+            <a:headEnd/>
+            <a:tailEnd/>
+          </a:ln>
+        </p:spPr>
+      </p:pic>
     </p:spTree>
   </p:cSld>
   <p:clrMapOvr>
@@ -9055,70 +9172,6 @@
           <a:chExt cx="0" cy="0"/>
         </a:xfrm>
       </p:grpSpPr>
-      <p:pic>
-        <p:nvPicPr>
-          <p:cNvPr id="3074" name="Picture 2"/>
-          <p:cNvPicPr>
-            <a:picLocks noChangeAspect="1" noChangeArrowheads="1"/>
-          </p:cNvPicPr>
-          <p:nvPr/>
-        </p:nvPicPr>
-        <p:blipFill>
-          <a:blip r:embed="rId2" cstate="print"/>
-          <a:srcRect/>
-          <a:stretch>
-            <a:fillRect/>
-          </a:stretch>
-        </p:blipFill>
-        <p:spPr bwMode="auto">
-          <a:xfrm>
-            <a:off x="516105" y="3938087"/>
-            <a:ext cx="828675" cy="828675"/>
-          </a:xfrm>
-          <a:prstGeom prst="rect">
-            <a:avLst/>
-          </a:prstGeom>
-          <a:noFill/>
-          <a:ln w="9525">
-            <a:noFill/>
-            <a:miter lim="800000"/>
-            <a:headEnd/>
-            <a:tailEnd/>
-          </a:ln>
-        </p:spPr>
-      </p:pic>
-      <p:pic>
-        <p:nvPicPr>
-          <p:cNvPr id="1026" name="Picture 2"/>
-          <p:cNvPicPr>
-            <a:picLocks noChangeAspect="1" noChangeArrowheads="1"/>
-          </p:cNvPicPr>
-          <p:nvPr/>
-        </p:nvPicPr>
-        <p:blipFill>
-          <a:blip r:embed="rId3" cstate="print"/>
-          <a:srcRect/>
-          <a:stretch>
-            <a:fillRect/>
-          </a:stretch>
-        </p:blipFill>
-        <p:spPr bwMode="auto">
-          <a:xfrm>
-            <a:off x="1482642" y="3922796"/>
-            <a:ext cx="1285875" cy="361950"/>
-          </a:xfrm>
-          <a:prstGeom prst="rect">
-            <a:avLst/>
-          </a:prstGeom>
-          <a:noFill/>
-          <a:ln w="9525">
-            <a:noFill/>
-            <a:miter lim="800000"/>
-            <a:headEnd/>
-            <a:tailEnd/>
-          </a:ln>
-        </p:spPr>
-      </p:pic>
       <p:sp>
         <p:nvSpPr>
           <p:cNvPr id="6" name="Rectangle 5"/>
@@ -9327,7 +9380,15 @@
           <a:p>
             <a:r>
               <a:rPr lang="pt-BR" dirty="0" smtClean="0"/>
-              <a:t>Interpreted vs compiled language</a:t>
+              <a:t>Interpreted </a:t>
+            </a:r>
+            <a:r>
+              <a:rPr lang="pt-BR" i="1" dirty="0" smtClean="0"/>
+              <a:t>vs</a:t>
+            </a:r>
+            <a:r>
+              <a:rPr lang="pt-BR" dirty="0" smtClean="0"/>
+              <a:t> compiled language</a:t>
             </a:r>
           </a:p>
           <a:p>
@@ -9340,6 +9401,12 @@
             <a:r>
               <a:rPr lang="pt-BR" dirty="0" smtClean="0"/>
               <a:t>Sequential and conditional execution</a:t>
+            </a:r>
+          </a:p>
+          <a:p>
+            <a:r>
+              <a:rPr lang="pt-BR" dirty="0" smtClean="0"/>
+              <a:t>Perl: bioprogrammer’s language</a:t>
             </a:r>
           </a:p>
           <a:p>
@@ -9997,70 +10064,6 @@
           </a:p>
         </p:txBody>
       </p:sp>
-      <p:pic>
-        <p:nvPicPr>
-          <p:cNvPr id="17" name="Picture 7"/>
-          <p:cNvPicPr>
-            <a:picLocks noChangeAspect="1" noChangeArrowheads="1"/>
-          </p:cNvPicPr>
-          <p:nvPr/>
-        </p:nvPicPr>
-        <p:blipFill>
-          <a:blip r:embed="rId7" cstate="print"/>
-          <a:srcRect/>
-          <a:stretch>
-            <a:fillRect/>
-          </a:stretch>
-        </p:blipFill>
-        <p:spPr bwMode="auto">
-          <a:xfrm>
-            <a:off x="7340919" y="1643357"/>
-            <a:ext cx="797242" cy="784882"/>
-          </a:xfrm>
-          <a:prstGeom prst="rect">
-            <a:avLst/>
-          </a:prstGeom>
-          <a:noFill/>
-          <a:ln w="9525">
-            <a:noFill/>
-            <a:miter lim="800000"/>
-            <a:headEnd/>
-            <a:tailEnd/>
-          </a:ln>
-        </p:spPr>
-      </p:pic>
-      <p:pic>
-        <p:nvPicPr>
-          <p:cNvPr id="18" name="Picture 8"/>
-          <p:cNvPicPr>
-            <a:picLocks noChangeAspect="1" noChangeArrowheads="1"/>
-          </p:cNvPicPr>
-          <p:nvPr/>
-        </p:nvPicPr>
-        <p:blipFill>
-          <a:blip r:embed="rId8" cstate="print"/>
-          <a:srcRect/>
-          <a:stretch>
-            <a:fillRect/>
-          </a:stretch>
-        </p:blipFill>
-        <p:spPr bwMode="auto">
-          <a:xfrm>
-            <a:off x="7168003" y="1304192"/>
-            <a:ext cx="1690234" cy="405033"/>
-          </a:xfrm>
-          <a:prstGeom prst="rect">
-            <a:avLst/>
-          </a:prstGeom>
-          <a:noFill/>
-          <a:ln w="9525">
-            <a:noFill/>
-            <a:miter lim="800000"/>
-            <a:headEnd/>
-            <a:tailEnd/>
-          </a:ln>
-        </p:spPr>
-      </p:pic>
     </p:spTree>
   </p:cSld>
   <p:clrMapOvr>
@@ -10744,7 +10747,7 @@
             </a:pPr>
             <a:r>
               <a:rPr lang="pt-BR" dirty="0" smtClean="0"/>
-              <a:t>+  5                                                         =      ?</a:t>
+              <a:t>+  5                                   =      ?</a:t>
             </a:r>
             <a:endParaRPr lang="en-US" dirty="0"/>
           </a:p>
@@ -10874,7 +10877,7 @@
         <p:spPr>
           <a:xfrm>
             <a:off x="356935" y="4002506"/>
-            <a:ext cx="8478255" cy="307777"/>
+            <a:ext cx="8478255" cy="369332"/>
           </a:xfrm>
           <a:prstGeom prst="rect">
             <a:avLst/>
@@ -10889,10 +10892,10 @@
           <a:p>
             <a:pPr marL="342900" indent="-342900"/>
             <a:r>
-              <a:rPr lang="pt-BR" sz="1400" dirty="0" smtClean="0"/>
-              <a:t>For R$.2000 lone amount at 8% interest                                              =     how much to retuen after 2 year</a:t>
-            </a:r>
-            <a:endParaRPr lang="en-US" sz="1400" dirty="0"/>
+              <a:rPr lang="pt-BR" dirty="0" smtClean="0"/>
+              <a:t>For R$.2000 lone amount at 8% interest        =     how much to retuen after 2 year</a:t>
+            </a:r>
+            <a:endParaRPr lang="en-US" dirty="0"/>
           </a:p>
         </p:txBody>
       </p:sp>
